--- a/Employment statistics REVA - Team 2 (1).pptx
+++ b/Employment statistics REVA - Team 2 (1).pptx
@@ -7,17 +7,19 @@
   <p:sldIdLst>
     <p:sldId id="256" r:id="rId2"/>
     <p:sldId id="259" r:id="rId3"/>
-    <p:sldId id="258" r:id="rId4"/>
-    <p:sldId id="264" r:id="rId5"/>
-    <p:sldId id="265" r:id="rId6"/>
-    <p:sldId id="257" r:id="rId7"/>
-    <p:sldId id="260" r:id="rId8"/>
-    <p:sldId id="261" r:id="rId9"/>
-    <p:sldId id="269" r:id="rId10"/>
-    <p:sldId id="267" r:id="rId11"/>
-    <p:sldId id="268" r:id="rId12"/>
-    <p:sldId id="262" r:id="rId13"/>
-    <p:sldId id="263" r:id="rId14"/>
+    <p:sldId id="273" r:id="rId4"/>
+    <p:sldId id="258" r:id="rId5"/>
+    <p:sldId id="264" r:id="rId6"/>
+    <p:sldId id="265" r:id="rId7"/>
+    <p:sldId id="257" r:id="rId8"/>
+    <p:sldId id="260" r:id="rId9"/>
+    <p:sldId id="261" r:id="rId10"/>
+    <p:sldId id="272" r:id="rId11"/>
+    <p:sldId id="271" r:id="rId12"/>
+    <p:sldId id="268" r:id="rId13"/>
+    <p:sldId id="262" r:id="rId14"/>
+    <p:sldId id="263" r:id="rId15"/>
+    <p:sldId id="270" r:id="rId16"/>
   </p:sldIdLst>
   <p:sldSz cx="12192000" cy="6858000"/>
   <p:notesSz cx="6858000" cy="9144000"/>
@@ -134,35 +136,6 @@
     </p:extLst>
   </p:cmAuthor>
 </p:cmAuthorLst>
-</file>
-
-<file path=ppt/changesInfos/changesInfo1.xml><?xml version="1.0" encoding="utf-8"?>
-<pc:chgInfo xmlns:a="http://schemas.openxmlformats.org/drawingml/2006/main" xmlns:r="http://schemas.openxmlformats.org/officeDocument/2006/relationships" xmlns:ac="http://schemas.microsoft.com/office/drawing/2013/main/command" xmlns:pc="http://schemas.microsoft.com/office/powerpoint/2013/main/command">
-  <pc:docChgLst>
-    <pc:chgData name="Joseph Conroy" userId="fbbbc97f883678bf" providerId="LiveId" clId="{B95DF629-0CF8-41CE-A53F-CB3801D29521}"/>
-    <pc:docChg chg="modSld">
-      <pc:chgData name="Joseph Conroy" userId="fbbbc97f883678bf" providerId="LiveId" clId="{B95DF629-0CF8-41CE-A53F-CB3801D29521}" dt="2020-04-25T14:29:14.892" v="643" actId="20577"/>
-      <pc:docMkLst>
-        <pc:docMk/>
-      </pc:docMkLst>
-      <pc:sldChg chg="modSp">
-        <pc:chgData name="Joseph Conroy" userId="fbbbc97f883678bf" providerId="LiveId" clId="{B95DF629-0CF8-41CE-A53F-CB3801D29521}" dt="2020-04-25T14:29:14.892" v="643" actId="20577"/>
-        <pc:sldMkLst>
-          <pc:docMk/>
-          <pc:sldMk cId="2885032159" sldId="262"/>
-        </pc:sldMkLst>
-        <pc:graphicFrameChg chg="mod">
-          <ac:chgData name="Joseph Conroy" userId="fbbbc97f883678bf" providerId="LiveId" clId="{B95DF629-0CF8-41CE-A53F-CB3801D29521}" dt="2020-04-25T14:29:14.892" v="643" actId="20577"/>
-          <ac:graphicFrameMkLst>
-            <pc:docMk/>
-            <pc:sldMk cId="2885032159" sldId="262"/>
-            <ac:graphicFrameMk id="4" creationId="{94BD4AAC-938C-45C0-8E3C-1B6219D9C759}"/>
-          </ac:graphicFrameMkLst>
-        </pc:graphicFrameChg>
-      </pc:sldChg>
-    </pc:docChg>
-  </pc:docChgLst>
-</pc:chgInfo>
 </file>
 
 <file path=ppt/diagrams/colors1.xml><?xml version="1.0" encoding="utf-8"?>
@@ -926,111 +899,6 @@
         </a:p>
       </dgm:t>
     </dgm:pt>
-    <dgm:pt modelId="{F53B4348-BCE0-4898-BF24-693479D3E376}">
-      <dgm:prSet phldrT="[Text]" phldr="1"/>
-      <dgm:spPr/>
-      <dgm:t>
-        <a:bodyPr/>
-        <a:lstStyle/>
-        <a:p>
-          <a:endParaRPr lang="en-US" dirty="0"/>
-        </a:p>
-      </dgm:t>
-    </dgm:pt>
-    <dgm:pt modelId="{F87DE592-6349-47B3-BF99-05EB23FF898E}" type="parTrans" cxnId="{1BCB3B77-D69B-4092-96D2-6CCEF3146106}">
-      <dgm:prSet/>
-      <dgm:spPr/>
-      <dgm:t>
-        <a:bodyPr/>
-        <a:lstStyle/>
-        <a:p>
-          <a:endParaRPr lang="en-US"/>
-        </a:p>
-      </dgm:t>
-    </dgm:pt>
-    <dgm:pt modelId="{56B920CD-85A7-4375-B7AB-CF9BB562392F}" type="sibTrans" cxnId="{1BCB3B77-D69B-4092-96D2-6CCEF3146106}">
-      <dgm:prSet/>
-      <dgm:spPr/>
-      <dgm:t>
-        <a:bodyPr/>
-        <a:lstStyle/>
-        <a:p>
-          <a:endParaRPr lang="en-US"/>
-        </a:p>
-      </dgm:t>
-    </dgm:pt>
-    <dgm:pt modelId="{8E0C3B55-0628-4508-890D-A7638CA23839}">
-      <dgm:prSet phldrT="[Text]"/>
-      <dgm:spPr/>
-      <dgm:t>
-        <a:bodyPr/>
-        <a:lstStyle/>
-        <a:p>
-          <a:r>
-            <a:rPr lang="en-US" dirty="0"/>
-            <a:t>Correlation does not mean causation </a:t>
-          </a:r>
-        </a:p>
-      </dgm:t>
-    </dgm:pt>
-    <dgm:pt modelId="{160677D3-3004-4EBE-A3F1-3EF886423C94}" type="parTrans" cxnId="{237A017A-3626-4D5B-9ADE-2FE6FF6BFF00}">
-      <dgm:prSet/>
-      <dgm:spPr/>
-      <dgm:t>
-        <a:bodyPr/>
-        <a:lstStyle/>
-        <a:p>
-          <a:endParaRPr lang="en-US"/>
-        </a:p>
-      </dgm:t>
-    </dgm:pt>
-    <dgm:pt modelId="{5793E5F8-D38E-4833-AD39-C166125D1289}" type="sibTrans" cxnId="{237A017A-3626-4D5B-9ADE-2FE6FF6BFF00}">
-      <dgm:prSet/>
-      <dgm:spPr/>
-      <dgm:t>
-        <a:bodyPr/>
-        <a:lstStyle/>
-        <a:p>
-          <a:endParaRPr lang="en-US"/>
-        </a:p>
-      </dgm:t>
-    </dgm:pt>
-    <dgm:pt modelId="{50110A22-9026-48B4-9CD3-BCA8C713ED43}">
-      <dgm:prSet phldrT="[Text]"/>
-      <dgm:spPr/>
-      <dgm:t>
-        <a:bodyPr/>
-        <a:lstStyle/>
-        <a:p>
-          <a:r>
-            <a:rPr lang="en-US" dirty="0"/>
-            <a:t>Education could effect the overall earnings</a:t>
-          </a:r>
-        </a:p>
-      </dgm:t>
-    </dgm:pt>
-    <dgm:pt modelId="{CC5E1091-F838-4746-8C81-BC42DD5DCF91}" type="parTrans" cxnId="{094FE38F-686B-476E-9F79-22FA805B9979}">
-      <dgm:prSet/>
-      <dgm:spPr/>
-      <dgm:t>
-        <a:bodyPr/>
-        <a:lstStyle/>
-        <a:p>
-          <a:endParaRPr lang="en-US"/>
-        </a:p>
-      </dgm:t>
-    </dgm:pt>
-    <dgm:pt modelId="{80D1716C-20DF-4CE7-8B38-41854FDA50D3}" type="sibTrans" cxnId="{094FE38F-686B-476E-9F79-22FA805B9979}">
-      <dgm:prSet/>
-      <dgm:spPr/>
-      <dgm:t>
-        <a:bodyPr/>
-        <a:lstStyle/>
-        <a:p>
-          <a:endParaRPr lang="en-US"/>
-        </a:p>
-      </dgm:t>
-    </dgm:pt>
     <dgm:pt modelId="{9EB82012-D431-4844-8731-48A3F3363503}">
       <dgm:prSet phldrT="[Text]"/>
       <dgm:spPr/>
@@ -1076,7 +944,7 @@
         <a:p>
           <a:r>
             <a:rPr lang="en-US" dirty="0"/>
-            <a:t>White workers in particular tend closer to the average salary, while Asian workers remain relatively above it</a:t>
+            <a:t>White workers tend closer to the average salary, while Asian workers remain relatively above it</a:t>
           </a:r>
         </a:p>
       </dgm:t>
@@ -1156,10 +1024,24 @@
     <dgm:pt modelId="{3F7AA779-3896-48B1-97F9-1FA432167F78}" type="parTrans" cxnId="{EE7F3C45-DC29-4CC4-93B5-BC13CFD95D51}">
       <dgm:prSet/>
       <dgm:spPr/>
+      <dgm:t>
+        <a:bodyPr/>
+        <a:lstStyle/>
+        <a:p>
+          <a:endParaRPr lang="en-US"/>
+        </a:p>
+      </dgm:t>
     </dgm:pt>
     <dgm:pt modelId="{04824E57-23E5-4790-BC01-D4805792B4C8}" type="sibTrans" cxnId="{EE7F3C45-DC29-4CC4-93B5-BC13CFD95D51}">
       <dgm:prSet/>
       <dgm:spPr/>
+      <dgm:t>
+        <a:bodyPr/>
+        <a:lstStyle/>
+        <a:p>
+          <a:endParaRPr lang="en-US"/>
+        </a:p>
+      </dgm:t>
     </dgm:pt>
     <dgm:pt modelId="{80D3C2D8-3237-4AAC-95F6-3EEFC068245D}">
       <dgm:prSet phldrT="[Text]"/>
@@ -1178,10 +1060,169 @@
     <dgm:pt modelId="{8E383C40-DC48-4992-9C3C-62BDE868AB05}" type="parTrans" cxnId="{00F02C9F-4247-479F-BB1B-E2123B4CF567}">
       <dgm:prSet/>
       <dgm:spPr/>
+      <dgm:t>
+        <a:bodyPr/>
+        <a:lstStyle/>
+        <a:p>
+          <a:endParaRPr lang="en-US"/>
+        </a:p>
+      </dgm:t>
     </dgm:pt>
     <dgm:pt modelId="{3FBB9D1A-1067-43B7-98B1-0620B67D6626}" type="sibTrans" cxnId="{00F02C9F-4247-479F-BB1B-E2123B4CF567}">
       <dgm:prSet/>
       <dgm:spPr/>
+      <dgm:t>
+        <a:bodyPr/>
+        <a:lstStyle/>
+        <a:p>
+          <a:endParaRPr lang="en-US"/>
+        </a:p>
+      </dgm:t>
+    </dgm:pt>
+    <dgm:pt modelId="{11570DA3-77E5-45A5-9BFC-1AA16EF9E916}">
+      <dgm:prSet phldrT="[Text]"/>
+      <dgm:spPr/>
+      <dgm:t>
+        <a:bodyPr/>
+        <a:lstStyle/>
+        <a:p>
+          <a:r>
+            <a:rPr lang="en-US" dirty="0"/>
+            <a:t>Gender plays a key role in affecting employment numbers and wages</a:t>
+          </a:r>
+        </a:p>
+      </dgm:t>
+    </dgm:pt>
+    <dgm:pt modelId="{36EE4C30-5777-4829-9EAA-3916731A8080}" type="parTrans" cxnId="{FE72D99C-079C-41DB-94F9-B2728BACC221}">
+      <dgm:prSet/>
+      <dgm:spPr/>
+      <dgm:t>
+        <a:bodyPr/>
+        <a:lstStyle/>
+        <a:p>
+          <a:endParaRPr lang="en-US"/>
+        </a:p>
+      </dgm:t>
+    </dgm:pt>
+    <dgm:pt modelId="{E881181E-7706-46DA-A37A-FE3F27C3420C}" type="sibTrans" cxnId="{FE72D99C-079C-41DB-94F9-B2728BACC221}">
+      <dgm:prSet/>
+      <dgm:spPr/>
+      <dgm:t>
+        <a:bodyPr/>
+        <a:lstStyle/>
+        <a:p>
+          <a:endParaRPr lang="en-US"/>
+        </a:p>
+      </dgm:t>
+    </dgm:pt>
+    <dgm:pt modelId="{072A3CAD-7779-4327-BFE8-137579366B02}">
+      <dgm:prSet phldrT="[Text]"/>
+      <dgm:spPr/>
+      <dgm:t>
+        <a:bodyPr/>
+        <a:lstStyle/>
+        <a:p>
+          <a:r>
+            <a:rPr lang="en-US" dirty="0"/>
+            <a:t>There are still job areas with major male dominance while females have surpassed men in numbers in some areas.</a:t>
+          </a:r>
+        </a:p>
+      </dgm:t>
+    </dgm:pt>
+    <dgm:pt modelId="{4DD11934-6DFC-4301-9C53-50519A8C187A}" type="sibTrans" cxnId="{81B484FE-1E35-4168-BC27-6BF50DEDEE41}">
+      <dgm:prSet/>
+      <dgm:spPr/>
+      <dgm:t>
+        <a:bodyPr/>
+        <a:lstStyle/>
+        <a:p>
+          <a:endParaRPr lang="en-US"/>
+        </a:p>
+      </dgm:t>
+    </dgm:pt>
+    <dgm:pt modelId="{F9C47C6D-9B76-4A85-A956-5B32344CFE45}" type="parTrans" cxnId="{81B484FE-1E35-4168-BC27-6BF50DEDEE41}">
+      <dgm:prSet/>
+      <dgm:spPr/>
+      <dgm:t>
+        <a:bodyPr/>
+        <a:lstStyle/>
+        <a:p>
+          <a:endParaRPr lang="en-US"/>
+        </a:p>
+      </dgm:t>
+    </dgm:pt>
+    <dgm:pt modelId="{5B8B9CA5-311D-4C9C-AAAF-0974A91ACF43}">
+      <dgm:prSet/>
+      <dgm:spPr/>
+      <dgm:t>
+        <a:bodyPr/>
+        <a:lstStyle/>
+        <a:p>
+          <a:r>
+            <a:rPr lang="en-US" dirty="0"/>
+            <a:t>Education could lead to a higher pay</a:t>
+          </a:r>
+        </a:p>
+      </dgm:t>
+    </dgm:pt>
+    <dgm:pt modelId="{4063C3C2-E76F-433C-94BF-99A453440725}" type="parTrans" cxnId="{EFC166F0-63FE-4C60-8AF2-D5A3FE9F7554}">
+      <dgm:prSet/>
+      <dgm:spPr/>
+      <dgm:t>
+        <a:bodyPr/>
+        <a:lstStyle/>
+        <a:p>
+          <a:endParaRPr lang="en-US"/>
+        </a:p>
+      </dgm:t>
+    </dgm:pt>
+    <dgm:pt modelId="{EFB71486-9465-4E98-80A7-E28A49C6D507}" type="sibTrans" cxnId="{EFC166F0-63FE-4C60-8AF2-D5A3FE9F7554}">
+      <dgm:prSet/>
+      <dgm:spPr/>
+      <dgm:t>
+        <a:bodyPr/>
+        <a:lstStyle/>
+        <a:p>
+          <a:endParaRPr lang="en-US"/>
+        </a:p>
+      </dgm:t>
+    </dgm:pt>
+    <dgm:pt modelId="{6B054DCC-6198-42D4-BFBC-3EB4331E7DBE}">
+      <dgm:prSet/>
+      <dgm:spPr/>
+      <dgm:t>
+        <a:bodyPr/>
+        <a:lstStyle/>
+        <a:p>
+          <a:r>
+            <a:rPr lang="en-US"/>
+            <a:t>Correlation does not mean causation </a:t>
+          </a:r>
+          <a:endParaRPr lang="en-US" dirty="0"/>
+        </a:p>
+      </dgm:t>
+    </dgm:pt>
+    <dgm:pt modelId="{4AACB3E3-AE2E-4E04-8E70-701A945C14AF}" type="parTrans" cxnId="{75668656-FF2E-486F-ADC3-D0D318E5A8FF}">
+      <dgm:prSet/>
+      <dgm:spPr/>
+      <dgm:t>
+        <a:bodyPr/>
+        <a:lstStyle/>
+        <a:p>
+          <a:endParaRPr lang="en-US"/>
+        </a:p>
+      </dgm:t>
+    </dgm:pt>
+    <dgm:pt modelId="{328DC886-D1F8-458E-8C65-3D1440746780}" type="sibTrans" cxnId="{75668656-FF2E-486F-ADC3-D0D318E5A8FF}">
+      <dgm:prSet/>
+      <dgm:spPr/>
+      <dgm:t>
+        <a:bodyPr/>
+        <a:lstStyle/>
+        <a:p>
+          <a:endParaRPr lang="en-US"/>
+        </a:p>
+      </dgm:t>
     </dgm:pt>
     <dgm:pt modelId="{AB63FC16-B629-4097-B4A4-04180944B00B}" type="pres">
       <dgm:prSet presAssocID="{4CB2E677-FDC3-4920-886C-4B9659B1A4EA}" presName="linear" presStyleCnt="0">
@@ -1192,8 +1233,8 @@
       </dgm:prSet>
       <dgm:spPr/>
     </dgm:pt>
-    <dgm:pt modelId="{086D9873-C6CD-46AA-A0E6-6D09F394A912}" type="pres">
-      <dgm:prSet presAssocID="{F53B4348-BCE0-4898-BF24-693479D3E376}" presName="parentText" presStyleLbl="node1" presStyleIdx="0" presStyleCnt="3">
+    <dgm:pt modelId="{DAFF5E1A-8B2B-4AB6-B757-732DDB4AE781}" type="pres">
+      <dgm:prSet presAssocID="{5B8B9CA5-311D-4C9C-AAAF-0974A91ACF43}" presName="parentText" presStyleLbl="node1" presStyleIdx="0" presStyleCnt="3">
         <dgm:presLayoutVars>
           <dgm:chMax val="0"/>
           <dgm:bulletEnabled val="1"/>
@@ -1201,16 +1242,16 @@
       </dgm:prSet>
       <dgm:spPr/>
     </dgm:pt>
-    <dgm:pt modelId="{D0122DE3-65B3-46D5-B1E1-4FA5E4B393D5}" type="pres">
-      <dgm:prSet presAssocID="{F53B4348-BCE0-4898-BF24-693479D3E376}" presName="childText" presStyleLbl="revTx" presStyleIdx="0" presStyleCnt="3">
+    <dgm:pt modelId="{DA01AFE4-A220-418C-884B-C02E3BF79338}" type="pres">
+      <dgm:prSet presAssocID="{5B8B9CA5-311D-4C9C-AAAF-0974A91ACF43}" presName="childText" presStyleLbl="revTx" presStyleIdx="0" presStyleCnt="3">
         <dgm:presLayoutVars>
           <dgm:bulletEnabled val="1"/>
         </dgm:presLayoutVars>
       </dgm:prSet>
       <dgm:spPr/>
     </dgm:pt>
-    <dgm:pt modelId="{430F4956-2AAF-439D-A580-07B539B00124}" type="pres">
-      <dgm:prSet presAssocID="{50110A22-9026-48B4-9CD3-BCA8C713ED43}" presName="parentText" presStyleLbl="node1" presStyleIdx="1" presStyleCnt="3">
+    <dgm:pt modelId="{A6D1CF66-F415-4AC2-9DB6-4EAAB05C5022}" type="pres">
+      <dgm:prSet presAssocID="{11570DA3-77E5-45A5-9BFC-1AA16EF9E916}" presName="parentText" presStyleLbl="node1" presStyleIdx="1" presStyleCnt="3">
         <dgm:presLayoutVars>
           <dgm:chMax val="0"/>
           <dgm:bulletEnabled val="1"/>
@@ -1218,8 +1259,8 @@
       </dgm:prSet>
       <dgm:spPr/>
     </dgm:pt>
-    <dgm:pt modelId="{0D0A6F49-97F0-4792-8042-D018FC981746}" type="pres">
-      <dgm:prSet presAssocID="{50110A22-9026-48B4-9CD3-BCA8C713ED43}" presName="childText" presStyleLbl="revTx" presStyleIdx="1" presStyleCnt="3">
+    <dgm:pt modelId="{E779E460-F940-4919-B3C7-859CF6C962D9}" type="pres">
+      <dgm:prSet presAssocID="{11570DA3-77E5-45A5-9BFC-1AA16EF9E916}" presName="childText" presStyleLbl="revTx" presStyleIdx="1" presStyleCnt="3">
         <dgm:presLayoutVars>
           <dgm:bulletEnabled val="1"/>
         </dgm:presLayoutVars>
@@ -1250,22 +1291,24 @@
     <dgm:cxn modelId="{1A4D4D34-BDA5-44D4-A0F1-5A796E8CA704}" srcId="{4CB2E677-FDC3-4920-886C-4B9659B1A4EA}" destId="{3461DDA6-B8E9-4BB1-8C11-2CA7FA3DB3AB}" srcOrd="2" destOrd="0" parTransId="{EBCB1322-CDEE-446B-A430-1605F0C28C65}" sibTransId="{C5DABEBB-D021-45A1-BFAF-5C3CB5E65E3B}"/>
     <dgm:cxn modelId="{524B115E-601D-4562-8880-91A949EA99B0}" type="presOf" srcId="{4CB2E677-FDC3-4920-886C-4B9659B1A4EA}" destId="{AB63FC16-B629-4097-B4A4-04180944B00B}" srcOrd="0" destOrd="0" presId="urn:microsoft.com/office/officeart/2005/8/layout/vList2"/>
     <dgm:cxn modelId="{EE7F3C45-DC29-4CC4-93B5-BC13CFD95D51}" srcId="{3461DDA6-B8E9-4BB1-8C11-2CA7FA3DB3AB}" destId="{410ACC87-2069-4B3B-8843-6CCC2C38CB71}" srcOrd="2" destOrd="0" parTransId="{3F7AA779-3896-48B1-97F9-1FA432167F78}" sibTransId="{04824E57-23E5-4790-BC01-D4805792B4C8}"/>
-    <dgm:cxn modelId="{F2AC2751-B7CD-4C79-A1C8-2F7D08DDF4E1}" type="presOf" srcId="{F53B4348-BCE0-4898-BF24-693479D3E376}" destId="{086D9873-C6CD-46AA-A0E6-6D09F394A912}" srcOrd="0" destOrd="0" presId="urn:microsoft.com/office/officeart/2005/8/layout/vList2"/>
-    <dgm:cxn modelId="{1BCB3B77-D69B-4092-96D2-6CCEF3146106}" srcId="{4CB2E677-FDC3-4920-886C-4B9659B1A4EA}" destId="{F53B4348-BCE0-4898-BF24-693479D3E376}" srcOrd="0" destOrd="0" parTransId="{F87DE592-6349-47B3-BF99-05EB23FF898E}" sibTransId="{56B920CD-85A7-4375-B7AB-CF9BB562392F}"/>
-    <dgm:cxn modelId="{237A017A-3626-4D5B-9ADE-2FE6FF6BFF00}" srcId="{F53B4348-BCE0-4898-BF24-693479D3E376}" destId="{8E0C3B55-0628-4508-890D-A7638CA23839}" srcOrd="0" destOrd="0" parTransId="{160677D3-3004-4EBE-A3F1-3EF886423C94}" sibTransId="{5793E5F8-D38E-4833-AD39-C166125D1289}"/>
+    <dgm:cxn modelId="{6D854454-6044-4C15-B3F8-27CD0B9C712D}" type="presOf" srcId="{6B054DCC-6198-42D4-BFBC-3EB4331E7DBE}" destId="{DA01AFE4-A220-418C-884B-C02E3BF79338}" srcOrd="0" destOrd="0" presId="urn:microsoft.com/office/officeart/2005/8/layout/vList2"/>
+    <dgm:cxn modelId="{75668656-FF2E-486F-ADC3-D0D318E5A8FF}" srcId="{5B8B9CA5-311D-4C9C-AAAF-0974A91ACF43}" destId="{6B054DCC-6198-42D4-BFBC-3EB4331E7DBE}" srcOrd="0" destOrd="0" parTransId="{4AACB3E3-AE2E-4E04-8E70-701A945C14AF}" sibTransId="{328DC886-D1F8-458E-8C65-3D1440746780}"/>
     <dgm:cxn modelId="{FF04F384-1B7B-46AF-9832-9564B84BEBDD}" type="presOf" srcId="{CAFC34CB-1214-40FB-895C-6E83A62EB97D}" destId="{499B3FEF-43A0-45F0-8076-D5D88FD656E7}" srcOrd="0" destOrd="0" presId="urn:microsoft.com/office/officeart/2005/8/layout/vList2"/>
-    <dgm:cxn modelId="{094FE38F-686B-476E-9F79-22FA805B9979}" srcId="{4CB2E677-FDC3-4920-886C-4B9659B1A4EA}" destId="{50110A22-9026-48B4-9CD3-BCA8C713ED43}" srcOrd="1" destOrd="0" parTransId="{CC5E1091-F838-4746-8C81-BC42DD5DCF91}" sibTransId="{80D1716C-20DF-4CE7-8B38-41854FDA50D3}"/>
-    <dgm:cxn modelId="{2C6F0197-13CE-4B8E-AE53-C07A1E2DDBBF}" type="presOf" srcId="{8E0C3B55-0628-4508-890D-A7638CA23839}" destId="{D0122DE3-65B3-46D5-B1E1-4FA5E4B393D5}" srcOrd="0" destOrd="0" presId="urn:microsoft.com/office/officeart/2005/8/layout/vList2"/>
-    <dgm:cxn modelId="{8C108C9D-359A-4BF7-A0D3-5CCB6A543BD5}" type="presOf" srcId="{9EB82012-D431-4844-8731-48A3F3363503}" destId="{0D0A6F49-97F0-4792-8042-D018FC981746}" srcOrd="0" destOrd="0" presId="urn:microsoft.com/office/officeart/2005/8/layout/vList2"/>
+    <dgm:cxn modelId="{F987878A-EA9C-4387-B7A6-95449D18FC58}" type="presOf" srcId="{9EB82012-D431-4844-8731-48A3F3363503}" destId="{E779E460-F940-4919-B3C7-859CF6C962D9}" srcOrd="0" destOrd="0" presId="urn:microsoft.com/office/officeart/2005/8/layout/vList2"/>
+    <dgm:cxn modelId="{FE72D99C-079C-41DB-94F9-B2728BACC221}" srcId="{4CB2E677-FDC3-4920-886C-4B9659B1A4EA}" destId="{11570DA3-77E5-45A5-9BFC-1AA16EF9E916}" srcOrd="1" destOrd="0" parTransId="{36EE4C30-5777-4829-9EAA-3916731A8080}" sibTransId="{E881181E-7706-46DA-A37A-FE3F27C3420C}"/>
     <dgm:cxn modelId="{00F02C9F-4247-479F-BB1B-E2123B4CF567}" srcId="{3461DDA6-B8E9-4BB1-8C11-2CA7FA3DB3AB}" destId="{80D3C2D8-3237-4AAC-95F6-3EEFC068245D}" srcOrd="1" destOrd="0" parTransId="{8E383C40-DC48-4992-9C3C-62BDE868AB05}" sibTransId="{3FBB9D1A-1067-43B7-98B1-0620B67D6626}"/>
-    <dgm:cxn modelId="{B1CA8BCB-5F1C-4F22-B573-46151D100EF9}" srcId="{50110A22-9026-48B4-9CD3-BCA8C713ED43}" destId="{9EB82012-D431-4844-8731-48A3F3363503}" srcOrd="0" destOrd="0" parTransId="{B92E295B-174F-4321-BFCA-FE4D521E232A}" sibTransId="{E7CFCFC1-CBFB-43C6-919B-E466EC9A0F58}"/>
-    <dgm:cxn modelId="{811B35CE-CF20-4A2D-B5DC-682EEF783F55}" type="presOf" srcId="{50110A22-9026-48B4-9CD3-BCA8C713ED43}" destId="{430F4956-2AAF-439D-A580-07B539B00124}" srcOrd="0" destOrd="0" presId="urn:microsoft.com/office/officeart/2005/8/layout/vList2"/>
+    <dgm:cxn modelId="{FBD2E9C0-0396-40FB-A971-3EF3BD43CA16}" type="presOf" srcId="{11570DA3-77E5-45A5-9BFC-1AA16EF9E916}" destId="{A6D1CF66-F415-4AC2-9DB6-4EAAB05C5022}" srcOrd="0" destOrd="0" presId="urn:microsoft.com/office/officeart/2005/8/layout/vList2"/>
+    <dgm:cxn modelId="{580091C8-E365-4C86-AD9A-97B366BC4BF2}" type="presOf" srcId="{5B8B9CA5-311D-4C9C-AAAF-0974A91ACF43}" destId="{DAFF5E1A-8B2B-4AB6-B757-732DDB4AE781}" srcOrd="0" destOrd="0" presId="urn:microsoft.com/office/officeart/2005/8/layout/vList2"/>
+    <dgm:cxn modelId="{B1CA8BCB-5F1C-4F22-B573-46151D100EF9}" srcId="{11570DA3-77E5-45A5-9BFC-1AA16EF9E916}" destId="{9EB82012-D431-4844-8731-48A3F3363503}" srcOrd="0" destOrd="0" parTransId="{B92E295B-174F-4321-BFCA-FE4D521E232A}" sibTransId="{E7CFCFC1-CBFB-43C6-919B-E466EC9A0F58}"/>
     <dgm:cxn modelId="{EC9D15E4-CE7B-4AE7-90A8-9557BA184821}" type="presOf" srcId="{80D3C2D8-3237-4AAC-95F6-3EEFC068245D}" destId="{499B3FEF-43A0-45F0-8076-D5D88FD656E7}" srcOrd="0" destOrd="1" presId="urn:microsoft.com/office/officeart/2005/8/layout/vList2"/>
+    <dgm:cxn modelId="{D08F78E5-1437-443D-B54B-FECE4423415B}" type="presOf" srcId="{072A3CAD-7779-4327-BFE8-137579366B02}" destId="{E779E460-F940-4919-B3C7-859CF6C962D9}" srcOrd="0" destOrd="1" presId="urn:microsoft.com/office/officeart/2005/8/layout/vList2"/>
+    <dgm:cxn modelId="{EFC166F0-63FE-4C60-8AF2-D5A3FE9F7554}" srcId="{4CB2E677-FDC3-4920-886C-4B9659B1A4EA}" destId="{5B8B9CA5-311D-4C9C-AAAF-0974A91ACF43}" srcOrd="0" destOrd="0" parTransId="{4063C3C2-E76F-433C-94BF-99A453440725}" sibTransId="{EFB71486-9465-4E98-80A7-E28A49C6D507}"/>
     <dgm:cxn modelId="{1015DDF7-3B7D-4FD2-A0A1-02681C54103D}" srcId="{3461DDA6-B8E9-4BB1-8C11-2CA7FA3DB3AB}" destId="{CAFC34CB-1214-40FB-895C-6E83A62EB97D}" srcOrd="0" destOrd="0" parTransId="{92F77B00-78AF-4873-8C7A-B68ED6A79880}" sibTransId="{2E4FD56E-B5D4-4EF4-B31A-B85F595F700E}"/>
-    <dgm:cxn modelId="{E41077B0-66E1-4814-8801-7FFFAFB44D3B}" type="presParOf" srcId="{AB63FC16-B629-4097-B4A4-04180944B00B}" destId="{086D9873-C6CD-46AA-A0E6-6D09F394A912}" srcOrd="0" destOrd="0" presId="urn:microsoft.com/office/officeart/2005/8/layout/vList2"/>
-    <dgm:cxn modelId="{30BA6D84-A348-498D-9593-665FE2F00BE5}" type="presParOf" srcId="{AB63FC16-B629-4097-B4A4-04180944B00B}" destId="{D0122DE3-65B3-46D5-B1E1-4FA5E4B393D5}" srcOrd="1" destOrd="0" presId="urn:microsoft.com/office/officeart/2005/8/layout/vList2"/>
-    <dgm:cxn modelId="{68BC94CE-99A3-4BA1-BF24-29F736AAE182}" type="presParOf" srcId="{AB63FC16-B629-4097-B4A4-04180944B00B}" destId="{430F4956-2AAF-439D-A580-07B539B00124}" srcOrd="2" destOrd="0" presId="urn:microsoft.com/office/officeart/2005/8/layout/vList2"/>
-    <dgm:cxn modelId="{E02D7358-6FD9-4B85-A4C5-B340C23700DD}" type="presParOf" srcId="{AB63FC16-B629-4097-B4A4-04180944B00B}" destId="{0D0A6F49-97F0-4792-8042-D018FC981746}" srcOrd="3" destOrd="0" presId="urn:microsoft.com/office/officeart/2005/8/layout/vList2"/>
+    <dgm:cxn modelId="{81B484FE-1E35-4168-BC27-6BF50DEDEE41}" srcId="{11570DA3-77E5-45A5-9BFC-1AA16EF9E916}" destId="{072A3CAD-7779-4327-BFE8-137579366B02}" srcOrd="1" destOrd="0" parTransId="{F9C47C6D-9B76-4A85-A956-5B32344CFE45}" sibTransId="{4DD11934-6DFC-4301-9C53-50519A8C187A}"/>
+    <dgm:cxn modelId="{3591D48B-2E9F-4FE9-BBEA-879D954DB3D3}" type="presParOf" srcId="{AB63FC16-B629-4097-B4A4-04180944B00B}" destId="{DAFF5E1A-8B2B-4AB6-B757-732DDB4AE781}" srcOrd="0" destOrd="0" presId="urn:microsoft.com/office/officeart/2005/8/layout/vList2"/>
+    <dgm:cxn modelId="{1EE7B30E-931B-4301-82E1-35AA76F3FF98}" type="presParOf" srcId="{AB63FC16-B629-4097-B4A4-04180944B00B}" destId="{DA01AFE4-A220-418C-884B-C02E3BF79338}" srcOrd="1" destOrd="0" presId="urn:microsoft.com/office/officeart/2005/8/layout/vList2"/>
+    <dgm:cxn modelId="{4320708B-9262-4ACD-AB60-74B89A309348}" type="presParOf" srcId="{AB63FC16-B629-4097-B4A4-04180944B00B}" destId="{A6D1CF66-F415-4AC2-9DB6-4EAAB05C5022}" srcOrd="2" destOrd="0" presId="urn:microsoft.com/office/officeart/2005/8/layout/vList2"/>
+    <dgm:cxn modelId="{62755CB0-C3F4-41DC-8F98-436745537328}" type="presParOf" srcId="{AB63FC16-B629-4097-B4A4-04180944B00B}" destId="{E779E460-F940-4919-B3C7-859CF6C962D9}" srcOrd="3" destOrd="0" presId="urn:microsoft.com/office/officeart/2005/8/layout/vList2"/>
     <dgm:cxn modelId="{3DA075B8-5608-4ED3-98EA-506D997E37D6}" type="presParOf" srcId="{AB63FC16-B629-4097-B4A4-04180944B00B}" destId="{BDD811DC-AB0F-4822-B174-99B430C1DCCC}" srcOrd="4" destOrd="0" presId="urn:microsoft.com/office/officeart/2005/8/layout/vList2"/>
     <dgm:cxn modelId="{7244F5C9-FA84-4F67-898D-5743158239D3}" type="presParOf" srcId="{AB63FC16-B629-4097-B4A4-04180944B00B}" destId="{499B3FEF-43A0-45F0-8076-D5D88FD656E7}" srcOrd="5" destOrd="0" presId="urn:microsoft.com/office/officeart/2005/8/layout/vList2"/>
   </dgm:cxnLst>
@@ -1287,15 +1330,15 @@
       <dsp:cNvGrpSpPr/>
     </dsp:nvGrpSpPr>
     <dsp:grpSpPr/>
-    <dsp:sp modelId="{086D9873-C6CD-46AA-A0E6-6D09F394A912}">
+    <dsp:sp modelId="{DAFF5E1A-8B2B-4AB6-B757-732DDB4AE781}">
       <dsp:nvSpPr>
         <dsp:cNvPr id="0" name=""/>
         <dsp:cNvSpPr/>
       </dsp:nvSpPr>
       <dsp:spPr>
         <a:xfrm>
-          <a:off x="0" y="16381"/>
-          <a:ext cx="10058399" cy="503685"/>
+          <a:off x="0" y="85749"/>
+          <a:ext cx="10058399" cy="455715"/>
         </a:xfrm>
         <a:prstGeom prst="roundRect">
           <a:avLst/>
@@ -1336,12 +1379,12 @@
         </a:fontRef>
       </dsp:style>
       <dsp:txBody>
-        <a:bodyPr spcFirstLastPara="0" vert="horz" wrap="square" lIns="80010" tIns="80010" rIns="80010" bIns="80010" numCol="1" spcCol="1270" anchor="ctr" anchorCtr="0">
+        <a:bodyPr spcFirstLastPara="0" vert="horz" wrap="square" lIns="72390" tIns="72390" rIns="72390" bIns="72390" numCol="1" spcCol="1270" anchor="ctr" anchorCtr="0">
           <a:noAutofit/>
         </a:bodyPr>
         <a:lstStyle/>
         <a:p>
-          <a:pPr marL="0" lvl="0" indent="0" algn="l" defTabSz="933450">
+          <a:pPr marL="0" lvl="0" indent="0" algn="l" defTabSz="844550">
             <a:lnSpc>
               <a:spcPct val="90000"/>
             </a:lnSpc>
@@ -1353,23 +1396,26 @@
             </a:spcAft>
             <a:buNone/>
           </a:pPr>
-          <a:endParaRPr lang="en-US" sz="2100" kern="1200" dirty="0"/>
+          <a:r>
+            <a:rPr lang="en-US" sz="1900" kern="1200" dirty="0"/>
+            <a:t>Education could lead to a higher pay</a:t>
+          </a:r>
         </a:p>
       </dsp:txBody>
       <dsp:txXfrm>
-        <a:off x="24588" y="40969"/>
-        <a:ext cx="10009223" cy="454509"/>
+        <a:off x="22246" y="107995"/>
+        <a:ext cx="10013907" cy="411223"/>
       </dsp:txXfrm>
     </dsp:sp>
-    <dsp:sp modelId="{D0122DE3-65B3-46D5-B1E1-4FA5E4B393D5}">
+    <dsp:sp modelId="{DA01AFE4-A220-418C-884B-C02E3BF79338}">
       <dsp:nvSpPr>
         <dsp:cNvPr id="0" name=""/>
         <dsp:cNvSpPr/>
       </dsp:nvSpPr>
       <dsp:spPr>
         <a:xfrm>
-          <a:off x="0" y="520066"/>
-          <a:ext cx="10058399" cy="347760"/>
+          <a:off x="0" y="541464"/>
+          <a:ext cx="10058399" cy="314640"/>
         </a:xfrm>
         <a:prstGeom prst="rect">
           <a:avLst/>
@@ -1393,12 +1439,12 @@
         <a:fontRef idx="minor"/>
       </dsp:style>
       <dsp:txBody>
-        <a:bodyPr spcFirstLastPara="0" vert="horz" wrap="square" lIns="319354" tIns="26670" rIns="149352" bIns="26670" numCol="1" spcCol="1270" anchor="t" anchorCtr="0">
+        <a:bodyPr spcFirstLastPara="0" vert="horz" wrap="square" lIns="319354" tIns="24130" rIns="135128" bIns="24130" numCol="1" spcCol="1270" anchor="t" anchorCtr="0">
           <a:noAutofit/>
         </a:bodyPr>
         <a:lstStyle/>
         <a:p>
-          <a:pPr marL="171450" lvl="1" indent="-171450" algn="l" defTabSz="711200">
+          <a:pPr marL="114300" lvl="1" indent="-114300" algn="l" defTabSz="666750">
             <a:lnSpc>
               <a:spcPct val="90000"/>
             </a:lnSpc>
@@ -1411,25 +1457,26 @@
             <a:buChar char="•"/>
           </a:pPr>
           <a:r>
-            <a:rPr lang="en-US" sz="1600" kern="1200" dirty="0"/>
+            <a:rPr lang="en-US" sz="1500" kern="1200"/>
             <a:t>Correlation does not mean causation </a:t>
           </a:r>
+          <a:endParaRPr lang="en-US" sz="1500" kern="1200" dirty="0"/>
         </a:p>
       </dsp:txBody>
       <dsp:txXfrm>
-        <a:off x="0" y="520066"/>
-        <a:ext cx="10058399" cy="347760"/>
+        <a:off x="0" y="541464"/>
+        <a:ext cx="10058399" cy="314640"/>
       </dsp:txXfrm>
     </dsp:sp>
-    <dsp:sp modelId="{430F4956-2AAF-439D-A580-07B539B00124}">
+    <dsp:sp modelId="{A6D1CF66-F415-4AC2-9DB6-4EAAB05C5022}">
       <dsp:nvSpPr>
         <dsp:cNvPr id="0" name=""/>
         <dsp:cNvSpPr/>
       </dsp:nvSpPr>
       <dsp:spPr>
         <a:xfrm>
-          <a:off x="0" y="867826"/>
-          <a:ext cx="10058399" cy="503685"/>
+          <a:off x="0" y="856104"/>
+          <a:ext cx="10058399" cy="455715"/>
         </a:xfrm>
         <a:prstGeom prst="roundRect">
           <a:avLst/>
@@ -1470,12 +1517,12 @@
         </a:fontRef>
       </dsp:style>
       <dsp:txBody>
-        <a:bodyPr spcFirstLastPara="0" vert="horz" wrap="square" lIns="80010" tIns="80010" rIns="80010" bIns="80010" numCol="1" spcCol="1270" anchor="ctr" anchorCtr="0">
+        <a:bodyPr spcFirstLastPara="0" vert="horz" wrap="square" lIns="72390" tIns="72390" rIns="72390" bIns="72390" numCol="1" spcCol="1270" anchor="ctr" anchorCtr="0">
           <a:noAutofit/>
         </a:bodyPr>
         <a:lstStyle/>
         <a:p>
-          <a:pPr marL="0" lvl="0" indent="0" algn="l" defTabSz="933450">
+          <a:pPr marL="0" lvl="0" indent="0" algn="l" defTabSz="844550">
             <a:lnSpc>
               <a:spcPct val="90000"/>
             </a:lnSpc>
@@ -1488,25 +1535,25 @@
             <a:buNone/>
           </a:pPr>
           <a:r>
-            <a:rPr lang="en-US" sz="2100" kern="1200" dirty="0"/>
-            <a:t>Education could effect the overall earnings</a:t>
+            <a:rPr lang="en-US" sz="1900" kern="1200" dirty="0"/>
+            <a:t>Gender plays a key role in affecting employment numbers and wages</a:t>
           </a:r>
         </a:p>
       </dsp:txBody>
       <dsp:txXfrm>
-        <a:off x="24588" y="892414"/>
-        <a:ext cx="10009223" cy="454509"/>
+        <a:off x="22246" y="878350"/>
+        <a:ext cx="10013907" cy="411223"/>
       </dsp:txXfrm>
     </dsp:sp>
-    <dsp:sp modelId="{0D0A6F49-97F0-4792-8042-D018FC981746}">
+    <dsp:sp modelId="{E779E460-F940-4919-B3C7-859CF6C962D9}">
       <dsp:nvSpPr>
         <dsp:cNvPr id="0" name=""/>
         <dsp:cNvSpPr/>
       </dsp:nvSpPr>
       <dsp:spPr>
         <a:xfrm>
-          <a:off x="0" y="1371511"/>
-          <a:ext cx="10058399" cy="347760"/>
+          <a:off x="0" y="1311819"/>
+          <a:ext cx="10058399" cy="727605"/>
         </a:xfrm>
         <a:prstGeom prst="rect">
           <a:avLst/>
@@ -1530,12 +1577,12 @@
         <a:fontRef idx="minor"/>
       </dsp:style>
       <dsp:txBody>
-        <a:bodyPr spcFirstLastPara="0" vert="horz" wrap="square" lIns="319354" tIns="26670" rIns="149352" bIns="26670" numCol="1" spcCol="1270" anchor="t" anchorCtr="0">
+        <a:bodyPr spcFirstLastPara="0" vert="horz" wrap="square" lIns="319354" tIns="24130" rIns="135128" bIns="24130" numCol="1" spcCol="1270" anchor="t" anchorCtr="0">
           <a:noAutofit/>
         </a:bodyPr>
         <a:lstStyle/>
         <a:p>
-          <a:pPr marL="171450" lvl="1" indent="-171450" algn="l" defTabSz="711200">
+          <a:pPr marL="114300" lvl="1" indent="-114300" algn="l" defTabSz="666750">
             <a:lnSpc>
               <a:spcPct val="90000"/>
             </a:lnSpc>
@@ -1548,14 +1595,32 @@
             <a:buChar char="•"/>
           </a:pPr>
           <a:r>
-            <a:rPr lang="en-US" sz="1600" kern="1200" dirty="0"/>
+            <a:rPr lang="en-US" sz="1500" kern="1200" dirty="0"/>
             <a:t>There is also still a significant gap between the earnings of men and women</a:t>
+          </a:r>
+        </a:p>
+        <a:p>
+          <a:pPr marL="114300" lvl="1" indent="-114300" algn="l" defTabSz="666750">
+            <a:lnSpc>
+              <a:spcPct val="90000"/>
+            </a:lnSpc>
+            <a:spcBef>
+              <a:spcPct val="0"/>
+            </a:spcBef>
+            <a:spcAft>
+              <a:spcPct val="20000"/>
+            </a:spcAft>
+            <a:buChar char="•"/>
+          </a:pPr>
+          <a:r>
+            <a:rPr lang="en-US" sz="1500" kern="1200" dirty="0"/>
+            <a:t>There are still job areas with major male dominance while females have surpassed men in numbers in some areas.</a:t>
           </a:r>
         </a:p>
       </dsp:txBody>
       <dsp:txXfrm>
-        <a:off x="0" y="1371511"/>
-        <a:ext cx="10058399" cy="347760"/>
+        <a:off x="0" y="1311819"/>
+        <a:ext cx="10058399" cy="727605"/>
       </dsp:txXfrm>
     </dsp:sp>
     <dsp:sp modelId="{BDD811DC-AB0F-4822-B174-99B430C1DCCC}">
@@ -1565,8 +1630,8 @@
       </dsp:nvSpPr>
       <dsp:spPr>
         <a:xfrm>
-          <a:off x="0" y="1719271"/>
-          <a:ext cx="10058399" cy="503685"/>
+          <a:off x="0" y="2039424"/>
+          <a:ext cx="10058399" cy="455715"/>
         </a:xfrm>
         <a:prstGeom prst="roundRect">
           <a:avLst/>
@@ -1607,12 +1672,12 @@
         </a:fontRef>
       </dsp:style>
       <dsp:txBody>
-        <a:bodyPr spcFirstLastPara="0" vert="horz" wrap="square" lIns="80010" tIns="80010" rIns="80010" bIns="80010" numCol="1" spcCol="1270" anchor="ctr" anchorCtr="0">
+        <a:bodyPr spcFirstLastPara="0" vert="horz" wrap="square" lIns="72390" tIns="72390" rIns="72390" bIns="72390" numCol="1" spcCol="1270" anchor="ctr" anchorCtr="0">
           <a:noAutofit/>
         </a:bodyPr>
         <a:lstStyle/>
         <a:p>
-          <a:pPr marL="0" lvl="0" indent="0" algn="l" defTabSz="933450">
+          <a:pPr marL="0" lvl="0" indent="0" algn="l" defTabSz="844550">
             <a:lnSpc>
               <a:spcPct val="90000"/>
             </a:lnSpc>
@@ -1625,14 +1690,14 @@
             <a:buNone/>
           </a:pPr>
           <a:r>
-            <a:rPr lang="en-US" sz="2100" kern="1200" dirty="0"/>
+            <a:rPr lang="en-US" sz="1900" kern="1200" dirty="0"/>
             <a:t>There is a relationship between race, sex and the average wage</a:t>
           </a:r>
         </a:p>
       </dsp:txBody>
       <dsp:txXfrm>
-        <a:off x="24588" y="1743859"/>
-        <a:ext cx="10009223" cy="454509"/>
+        <a:off x="22246" y="2061670"/>
+        <a:ext cx="10013907" cy="411223"/>
       </dsp:txXfrm>
     </dsp:sp>
     <dsp:sp modelId="{499B3FEF-43A0-45F0-8076-D5D88FD656E7}">
@@ -1642,8 +1707,8 @@
       </dsp:nvSpPr>
       <dsp:spPr>
         <a:xfrm>
-          <a:off x="0" y="2222956"/>
-          <a:ext cx="10058399" cy="1521450"/>
+          <a:off x="0" y="2495139"/>
+          <a:ext cx="10058399" cy="1179900"/>
         </a:xfrm>
         <a:prstGeom prst="rect">
           <a:avLst/>
@@ -1667,12 +1732,12 @@
         <a:fontRef idx="minor"/>
       </dsp:style>
       <dsp:txBody>
-        <a:bodyPr spcFirstLastPara="0" vert="horz" wrap="square" lIns="319354" tIns="26670" rIns="149352" bIns="26670" numCol="1" spcCol="1270" anchor="t" anchorCtr="0">
+        <a:bodyPr spcFirstLastPara="0" vert="horz" wrap="square" lIns="319354" tIns="24130" rIns="135128" bIns="24130" numCol="1" spcCol="1270" anchor="t" anchorCtr="0">
           <a:noAutofit/>
         </a:bodyPr>
         <a:lstStyle/>
         <a:p>
-          <a:pPr marL="171450" lvl="1" indent="-171450" algn="l" defTabSz="711200">
+          <a:pPr marL="114300" lvl="1" indent="-114300" algn="l" defTabSz="666750">
             <a:lnSpc>
               <a:spcPct val="90000"/>
             </a:lnSpc>
@@ -1685,12 +1750,12 @@
             <a:buChar char="•"/>
           </a:pPr>
           <a:r>
-            <a:rPr lang="en-US" sz="1600" kern="1200" dirty="0"/>
-            <a:t>White workers in particular tend closer to the average salary, while Asian workers remain relatively above it</a:t>
+            <a:rPr lang="en-US" sz="1500" kern="1200" dirty="0"/>
+            <a:t>White workers tend closer to the average salary, while Asian workers remain relatively above it</a:t>
           </a:r>
         </a:p>
         <a:p>
-          <a:pPr marL="171450" lvl="1" indent="-171450" algn="l" defTabSz="711200">
+          <a:pPr marL="114300" lvl="1" indent="-114300" algn="l" defTabSz="666750">
             <a:lnSpc>
               <a:spcPct val="90000"/>
             </a:lnSpc>
@@ -1703,12 +1768,12 @@
             <a:buChar char="•"/>
           </a:pPr>
           <a:r>
-            <a:rPr lang="en-US" sz="1600" kern="1200" dirty="0"/>
+            <a:rPr lang="en-US" sz="1500" kern="1200" dirty="0"/>
             <a:t>Men have consistently had higher average wages then women from 1979 through 2018, though there appears to be a slight downward trend</a:t>
           </a:r>
         </a:p>
         <a:p>
-          <a:pPr marL="171450" lvl="1" indent="-171450" algn="l" defTabSz="711200">
+          <a:pPr marL="114300" lvl="1" indent="-114300" algn="l" defTabSz="666750">
             <a:lnSpc>
               <a:spcPct val="90000"/>
             </a:lnSpc>
@@ -1721,14 +1786,14 @@
             <a:buChar char="•"/>
           </a:pPr>
           <a:r>
-            <a:rPr lang="en-US" sz="1600" kern="1200" dirty="0"/>
+            <a:rPr lang="en-US" sz="1500" kern="1200" dirty="0"/>
             <a:t>Hispanic and Black workers have consistently had the lowest average annual wages regardless of their sex category</a:t>
           </a:r>
         </a:p>
       </dsp:txBody>
       <dsp:txXfrm>
-        <a:off x="0" y="2222956"/>
-        <a:ext cx="10058399" cy="1521450"/>
+        <a:off x="0" y="2495139"/>
+        <a:ext cx="10058399" cy="1179900"/>
       </dsp:txXfrm>
     </dsp:sp>
   </dsp:spTree>
@@ -3683,726 +3748,6 @@
 </p:sldLayout>
 </file>
 
-<file path=ppt/slideLayouts/slideLayout12.xml><?xml version="1.0" encoding="utf-8"?>
-<p:sldLayout xmlns:a="http://schemas.openxmlformats.org/drawingml/2006/main" xmlns:r="http://schemas.openxmlformats.org/officeDocument/2006/relationships" xmlns:p="http://schemas.openxmlformats.org/presentationml/2006/main">
-  <p:cSld name="3 Picture Column">
-    <p:spTree>
-      <p:nvGrpSpPr>
-        <p:cNvPr id="1" name=""/>
-        <p:cNvGrpSpPr/>
-        <p:nvPr/>
-      </p:nvGrpSpPr>
-      <p:grpSpPr>
-        <a:xfrm>
-          <a:off x="0" y="0"/>
-          <a:ext cx="0" cy="0"/>
-          <a:chOff x="0" y="0"/>
-          <a:chExt cx="0" cy="0"/>
-        </a:xfrm>
-      </p:grpSpPr>
-      <p:sp>
-        <p:nvSpPr>
-          <p:cNvPr id="30" name="Title 1"/>
-          <p:cNvSpPr>
-            <a:spLocks noGrp="1"/>
-          </p:cNvSpPr>
-          <p:nvPr>
-            <p:ph type="title"/>
-          </p:nvPr>
-        </p:nvSpPr>
-        <p:spPr>
-          <a:xfrm>
-            <a:off x="1141411" y="609600"/>
-            <a:ext cx="9905999" cy="1905000"/>
-          </a:xfrm>
-        </p:spPr>
-        <p:txBody>
-          <a:bodyPr/>
-          <a:lstStyle/>
-          <a:p>
-            <a:r>
-              <a:rPr lang="en-US"/>
-              <a:t>Click to edit Master title style</a:t>
-            </a:r>
-            <a:endParaRPr lang="en-US" dirty="0"/>
-          </a:p>
-        </p:txBody>
-      </p:sp>
-      <p:sp>
-        <p:nvSpPr>
-          <p:cNvPr id="19" name="Text Placeholder 2"/>
-          <p:cNvSpPr>
-            <a:spLocks noGrp="1"/>
-          </p:cNvSpPr>
-          <p:nvPr>
-            <p:ph type="body" idx="1"/>
-          </p:nvPr>
-        </p:nvSpPr>
-        <p:spPr>
-          <a:xfrm>
-            <a:off x="1141413" y="4404596"/>
-            <a:ext cx="3195240" cy="576262"/>
-          </a:xfrm>
-        </p:spPr>
-        <p:txBody>
-          <a:bodyPr anchor="b">
-            <a:noAutofit/>
-          </a:bodyPr>
-          <a:lstStyle>
-            <a:lvl1pPr marL="0" indent="0">
-              <a:lnSpc>
-                <a:spcPct val="90000"/>
-              </a:lnSpc>
-              <a:buNone/>
-              <a:defRPr sz="2000" b="0" cap="all" baseline="0">
-                <a:solidFill>
-                  <a:schemeClr val="tx1"/>
-                </a:solidFill>
-              </a:defRPr>
-            </a:lvl1pPr>
-            <a:lvl2pPr marL="457200" indent="0">
-              <a:buNone/>
-              <a:defRPr sz="2000" b="1"/>
-            </a:lvl2pPr>
-            <a:lvl3pPr marL="914400" indent="0">
-              <a:buNone/>
-              <a:defRPr sz="1800" b="1"/>
-            </a:lvl3pPr>
-            <a:lvl4pPr marL="1371600" indent="0">
-              <a:buNone/>
-              <a:defRPr sz="1600" b="1"/>
-            </a:lvl4pPr>
-            <a:lvl5pPr marL="1828800" indent="0">
-              <a:buNone/>
-              <a:defRPr sz="1600" b="1"/>
-            </a:lvl5pPr>
-            <a:lvl6pPr marL="2286000" indent="0">
-              <a:buNone/>
-              <a:defRPr sz="1600" b="1"/>
-            </a:lvl6pPr>
-            <a:lvl7pPr marL="2743200" indent="0">
-              <a:buNone/>
-              <a:defRPr sz="1600" b="1"/>
-            </a:lvl7pPr>
-            <a:lvl8pPr marL="3200400" indent="0">
-              <a:buNone/>
-              <a:defRPr sz="1600" b="1"/>
-            </a:lvl8pPr>
-            <a:lvl9pPr marL="3657600" indent="0">
-              <a:buNone/>
-              <a:defRPr sz="1600" b="1"/>
-            </a:lvl9pPr>
-          </a:lstStyle>
-          <a:p>
-            <a:pPr lvl="0"/>
-            <a:r>
-              <a:rPr lang="en-US"/>
-              <a:t>Click to edit Master text styles</a:t>
-            </a:r>
-          </a:p>
-        </p:txBody>
-      </p:sp>
-      <p:sp>
-        <p:nvSpPr>
-          <p:cNvPr id="20" name="Picture Placeholder 2"/>
-          <p:cNvSpPr>
-            <a:spLocks noGrp="1" noChangeAspect="1"/>
-          </p:cNvSpPr>
-          <p:nvPr>
-            <p:ph type="pic" idx="15"/>
-          </p:nvPr>
-        </p:nvSpPr>
-        <p:spPr>
-          <a:xfrm>
-            <a:off x="1141413" y="2666998"/>
-            <a:ext cx="3195240" cy="1524000"/>
-          </a:xfrm>
-          <a:prstGeom prst="round2DiagRect">
-            <a:avLst/>
-          </a:prstGeom>
-          <a:ln w="19050" cap="sq">
-            <a:solidFill>
-              <a:schemeClr val="tx2">
-                <a:lumMod val="60000"/>
-                <a:lumOff val="40000"/>
-                <a:alpha val="60000"/>
-              </a:schemeClr>
-            </a:solidFill>
-            <a:miter lim="800000"/>
-          </a:ln>
-          <a:effectLst>
-            <a:outerShdw blurRad="88900" dist="38100" dir="5400000" algn="t" rotWithShape="0">
-              <a:prstClr val="black">
-                <a:alpha val="40000"/>
-              </a:prstClr>
-            </a:outerShdw>
-          </a:effectLst>
-        </p:spPr>
-        <p:txBody>
-          <a:bodyPr vert="horz" lIns="91440" tIns="45720" rIns="91440" bIns="45720" rtlCol="0" anchor="t">
-            <a:normAutofit/>
-          </a:bodyPr>
-          <a:lstStyle>
-            <a:lvl1pPr>
-              <a:buNone/>
-              <a:defRPr lang="en-US" sz="2000" dirty="0"/>
-            </a:lvl1pPr>
-          </a:lstStyle>
-          <a:p>
-            <a:pPr marL="0" lvl="0" indent="0">
-              <a:buNone/>
-            </a:pPr>
-            <a:r>
-              <a:rPr lang="en-US"/>
-              <a:t>Click icon to add picture</a:t>
-            </a:r>
-            <a:endParaRPr lang="en-US" dirty="0"/>
-          </a:p>
-        </p:txBody>
-      </p:sp>
-      <p:sp>
-        <p:nvSpPr>
-          <p:cNvPr id="21" name="Text Placeholder 3"/>
-          <p:cNvSpPr>
-            <a:spLocks noGrp="1"/>
-          </p:cNvSpPr>
-          <p:nvPr>
-            <p:ph type="body" sz="half" idx="18"/>
-          </p:nvPr>
-        </p:nvSpPr>
-        <p:spPr>
-          <a:xfrm>
-            <a:off x="1141413" y="4980858"/>
-            <a:ext cx="3195240" cy="817843"/>
-          </a:xfrm>
-        </p:spPr>
-        <p:txBody>
-          <a:bodyPr anchor="t">
-            <a:normAutofit/>
-          </a:bodyPr>
-          <a:lstStyle>
-            <a:lvl1pPr marL="0" indent="0">
-              <a:buNone/>
-              <a:defRPr sz="1400"/>
-            </a:lvl1pPr>
-            <a:lvl2pPr marL="457200" indent="0">
-              <a:buNone/>
-              <a:defRPr sz="1200"/>
-            </a:lvl2pPr>
-            <a:lvl3pPr marL="914400" indent="0">
-              <a:buNone/>
-              <a:defRPr sz="1000"/>
-            </a:lvl3pPr>
-            <a:lvl4pPr marL="1371600" indent="0">
-              <a:buNone/>
-              <a:defRPr sz="900"/>
-            </a:lvl4pPr>
-            <a:lvl5pPr marL="1828800" indent="0">
-              <a:buNone/>
-              <a:defRPr sz="900"/>
-            </a:lvl5pPr>
-            <a:lvl6pPr marL="2286000" indent="0">
-              <a:buNone/>
-              <a:defRPr sz="900"/>
-            </a:lvl6pPr>
-            <a:lvl7pPr marL="2743200" indent="0">
-              <a:buNone/>
-              <a:defRPr sz="900"/>
-            </a:lvl7pPr>
-            <a:lvl8pPr marL="3200400" indent="0">
-              <a:buNone/>
-              <a:defRPr sz="900"/>
-            </a:lvl8pPr>
-            <a:lvl9pPr marL="3657600" indent="0">
-              <a:buNone/>
-              <a:defRPr sz="900"/>
-            </a:lvl9pPr>
-          </a:lstStyle>
-          <a:p>
-            <a:pPr lvl="0"/>
-            <a:r>
-              <a:rPr lang="en-US"/>
-              <a:t>Click to edit Master text styles</a:t>
-            </a:r>
-          </a:p>
-        </p:txBody>
-      </p:sp>
-      <p:sp>
-        <p:nvSpPr>
-          <p:cNvPr id="22" name="Text Placeholder 4"/>
-          <p:cNvSpPr>
-            <a:spLocks noGrp="1"/>
-          </p:cNvSpPr>
-          <p:nvPr>
-            <p:ph type="body" sz="quarter" idx="3"/>
-          </p:nvPr>
-        </p:nvSpPr>
-        <p:spPr>
-          <a:xfrm>
-            <a:off x="4489053" y="4404596"/>
-            <a:ext cx="3200400" cy="576262"/>
-          </a:xfrm>
-        </p:spPr>
-        <p:txBody>
-          <a:bodyPr anchor="b">
-            <a:noAutofit/>
-          </a:bodyPr>
-          <a:lstStyle>
-            <a:lvl1pPr marL="0" indent="0">
-              <a:lnSpc>
-                <a:spcPct val="90000"/>
-              </a:lnSpc>
-              <a:buNone/>
-              <a:defRPr sz="2000" b="0" cap="all" baseline="0">
-                <a:solidFill>
-                  <a:schemeClr val="tx1"/>
-                </a:solidFill>
-              </a:defRPr>
-            </a:lvl1pPr>
-            <a:lvl2pPr marL="457200" indent="0">
-              <a:buNone/>
-              <a:defRPr sz="2000" b="1"/>
-            </a:lvl2pPr>
-            <a:lvl3pPr marL="914400" indent="0">
-              <a:buNone/>
-              <a:defRPr sz="1800" b="1"/>
-            </a:lvl3pPr>
-            <a:lvl4pPr marL="1371600" indent="0">
-              <a:buNone/>
-              <a:defRPr sz="1600" b="1"/>
-            </a:lvl4pPr>
-            <a:lvl5pPr marL="1828800" indent="0">
-              <a:buNone/>
-              <a:defRPr sz="1600" b="1"/>
-            </a:lvl5pPr>
-            <a:lvl6pPr marL="2286000" indent="0">
-              <a:buNone/>
-              <a:defRPr sz="1600" b="1"/>
-            </a:lvl6pPr>
-            <a:lvl7pPr marL="2743200" indent="0">
-              <a:buNone/>
-              <a:defRPr sz="1600" b="1"/>
-            </a:lvl7pPr>
-            <a:lvl8pPr marL="3200400" indent="0">
-              <a:buNone/>
-              <a:defRPr sz="1600" b="1"/>
-            </a:lvl8pPr>
-            <a:lvl9pPr marL="3657600" indent="0">
-              <a:buNone/>
-              <a:defRPr sz="1600" b="1"/>
-            </a:lvl9pPr>
-          </a:lstStyle>
-          <a:p>
-            <a:pPr lvl="0"/>
-            <a:r>
-              <a:rPr lang="en-US"/>
-              <a:t>Click to edit Master text styles</a:t>
-            </a:r>
-          </a:p>
-        </p:txBody>
-      </p:sp>
-      <p:sp>
-        <p:nvSpPr>
-          <p:cNvPr id="23" name="Picture Placeholder 2"/>
-          <p:cNvSpPr>
-            <a:spLocks noGrp="1" noChangeAspect="1"/>
-          </p:cNvSpPr>
-          <p:nvPr>
-            <p:ph type="pic" idx="21"/>
-          </p:nvPr>
-        </p:nvSpPr>
-        <p:spPr>
-          <a:xfrm>
-            <a:off x="4489053" y="2666998"/>
-            <a:ext cx="3198940" cy="1524000"/>
-          </a:xfrm>
-          <a:prstGeom prst="round2DiagRect">
-            <a:avLst/>
-          </a:prstGeom>
-          <a:ln w="19050" cap="sq">
-            <a:solidFill>
-              <a:schemeClr val="tx2">
-                <a:lumMod val="60000"/>
-                <a:lumOff val="40000"/>
-                <a:alpha val="60000"/>
-              </a:schemeClr>
-            </a:solidFill>
-            <a:miter lim="800000"/>
-          </a:ln>
-          <a:effectLst>
-            <a:outerShdw blurRad="88900" dist="38100" dir="5400000" algn="t" rotWithShape="0">
-              <a:prstClr val="black">
-                <a:alpha val="40000"/>
-              </a:prstClr>
-            </a:outerShdw>
-          </a:effectLst>
-        </p:spPr>
-        <p:txBody>
-          <a:bodyPr vert="horz" lIns="91440" tIns="45720" rIns="91440" bIns="45720" rtlCol="0" anchor="t">
-            <a:normAutofit/>
-          </a:bodyPr>
-          <a:lstStyle>
-            <a:lvl1pPr>
-              <a:buNone/>
-              <a:defRPr lang="en-US" sz="2000" dirty="0"/>
-            </a:lvl1pPr>
-          </a:lstStyle>
-          <a:p>
-            <a:pPr marL="0" lvl="0" indent="0">
-              <a:buNone/>
-            </a:pPr>
-            <a:r>
-              <a:rPr lang="en-US"/>
-              <a:t>Click icon to add picture</a:t>
-            </a:r>
-            <a:endParaRPr lang="en-US" dirty="0"/>
-          </a:p>
-        </p:txBody>
-      </p:sp>
-      <p:sp>
-        <p:nvSpPr>
-          <p:cNvPr id="24" name="Text Placeholder 3"/>
-          <p:cNvSpPr>
-            <a:spLocks noGrp="1"/>
-          </p:cNvSpPr>
-          <p:nvPr>
-            <p:ph type="body" sz="half" idx="19"/>
-          </p:nvPr>
-        </p:nvSpPr>
-        <p:spPr>
-          <a:xfrm>
-            <a:off x="4487593" y="4980857"/>
-            <a:ext cx="3200400" cy="810342"/>
-          </a:xfrm>
-        </p:spPr>
-        <p:txBody>
-          <a:bodyPr anchor="t">
-            <a:normAutofit/>
-          </a:bodyPr>
-          <a:lstStyle>
-            <a:lvl1pPr marL="0" indent="0">
-              <a:buNone/>
-              <a:defRPr sz="1400"/>
-            </a:lvl1pPr>
-            <a:lvl2pPr marL="457200" indent="0">
-              <a:buNone/>
-              <a:defRPr sz="1200"/>
-            </a:lvl2pPr>
-            <a:lvl3pPr marL="914400" indent="0">
-              <a:buNone/>
-              <a:defRPr sz="1000"/>
-            </a:lvl3pPr>
-            <a:lvl4pPr marL="1371600" indent="0">
-              <a:buNone/>
-              <a:defRPr sz="900"/>
-            </a:lvl4pPr>
-            <a:lvl5pPr marL="1828800" indent="0">
-              <a:buNone/>
-              <a:defRPr sz="900"/>
-            </a:lvl5pPr>
-            <a:lvl6pPr marL="2286000" indent="0">
-              <a:buNone/>
-              <a:defRPr sz="900"/>
-            </a:lvl6pPr>
-            <a:lvl7pPr marL="2743200" indent="0">
-              <a:buNone/>
-              <a:defRPr sz="900"/>
-            </a:lvl7pPr>
-            <a:lvl8pPr marL="3200400" indent="0">
-              <a:buNone/>
-              <a:defRPr sz="900"/>
-            </a:lvl8pPr>
-            <a:lvl9pPr marL="3657600" indent="0">
-              <a:buNone/>
-              <a:defRPr sz="900"/>
-            </a:lvl9pPr>
-          </a:lstStyle>
-          <a:p>
-            <a:pPr lvl="0"/>
-            <a:r>
-              <a:rPr lang="en-US"/>
-              <a:t>Click to edit Master text styles</a:t>
-            </a:r>
-          </a:p>
-        </p:txBody>
-      </p:sp>
-      <p:sp>
-        <p:nvSpPr>
-          <p:cNvPr id="25" name="Text Placeholder 4"/>
-          <p:cNvSpPr>
-            <a:spLocks noGrp="1"/>
-          </p:cNvSpPr>
-          <p:nvPr>
-            <p:ph type="body" sz="quarter" idx="13"/>
-          </p:nvPr>
-        </p:nvSpPr>
-        <p:spPr>
-          <a:xfrm>
-            <a:off x="7852567" y="4404595"/>
-            <a:ext cx="3190741" cy="576262"/>
-          </a:xfrm>
-        </p:spPr>
-        <p:txBody>
-          <a:bodyPr anchor="b">
-            <a:noAutofit/>
-          </a:bodyPr>
-          <a:lstStyle>
-            <a:lvl1pPr marL="0" indent="0">
-              <a:lnSpc>
-                <a:spcPct val="90000"/>
-              </a:lnSpc>
-              <a:buNone/>
-              <a:defRPr sz="2000" b="0" cap="all" baseline="0">
-                <a:solidFill>
-                  <a:schemeClr val="tx1"/>
-                </a:solidFill>
-              </a:defRPr>
-            </a:lvl1pPr>
-            <a:lvl2pPr marL="457200" indent="0">
-              <a:buNone/>
-              <a:defRPr sz="2000" b="1"/>
-            </a:lvl2pPr>
-            <a:lvl3pPr marL="914400" indent="0">
-              <a:buNone/>
-              <a:defRPr sz="1800" b="1"/>
-            </a:lvl3pPr>
-            <a:lvl4pPr marL="1371600" indent="0">
-              <a:buNone/>
-              <a:defRPr sz="1600" b="1"/>
-            </a:lvl4pPr>
-            <a:lvl5pPr marL="1828800" indent="0">
-              <a:buNone/>
-              <a:defRPr sz="1600" b="1"/>
-            </a:lvl5pPr>
-            <a:lvl6pPr marL="2286000" indent="0">
-              <a:buNone/>
-              <a:defRPr sz="1600" b="1"/>
-            </a:lvl6pPr>
-            <a:lvl7pPr marL="2743200" indent="0">
-              <a:buNone/>
-              <a:defRPr sz="1600" b="1"/>
-            </a:lvl7pPr>
-            <a:lvl8pPr marL="3200400" indent="0">
-              <a:buNone/>
-              <a:defRPr sz="1600" b="1"/>
-            </a:lvl8pPr>
-            <a:lvl9pPr marL="3657600" indent="0">
-              <a:buNone/>
-              <a:defRPr sz="1600" b="1"/>
-            </a:lvl9pPr>
-          </a:lstStyle>
-          <a:p>
-            <a:pPr lvl="0"/>
-            <a:r>
-              <a:rPr lang="en-US"/>
-              <a:t>Click to edit Master text styles</a:t>
-            </a:r>
-          </a:p>
-        </p:txBody>
-      </p:sp>
-      <p:sp>
-        <p:nvSpPr>
-          <p:cNvPr id="26" name="Picture Placeholder 2"/>
-          <p:cNvSpPr>
-            <a:spLocks noGrp="1" noChangeAspect="1"/>
-          </p:cNvSpPr>
-          <p:nvPr>
-            <p:ph type="pic" idx="22"/>
-          </p:nvPr>
-        </p:nvSpPr>
-        <p:spPr>
-          <a:xfrm>
-            <a:off x="7852442" y="2666998"/>
-            <a:ext cx="3194969" cy="1524000"/>
-          </a:xfrm>
-          <a:prstGeom prst="round2DiagRect">
-            <a:avLst/>
-          </a:prstGeom>
-          <a:ln w="19050" cap="sq">
-            <a:solidFill>
-              <a:schemeClr val="tx2">
-                <a:lumMod val="60000"/>
-                <a:lumOff val="40000"/>
-                <a:alpha val="60000"/>
-              </a:schemeClr>
-            </a:solidFill>
-            <a:miter lim="800000"/>
-          </a:ln>
-          <a:effectLst>
-            <a:outerShdw blurRad="88900" dist="38100" dir="5400000" algn="t" rotWithShape="0">
-              <a:prstClr val="black">
-                <a:alpha val="40000"/>
-              </a:prstClr>
-            </a:outerShdw>
-          </a:effectLst>
-        </p:spPr>
-        <p:txBody>
-          <a:bodyPr vert="horz" lIns="91440" tIns="45720" rIns="91440" bIns="45720" rtlCol="0" anchor="t">
-            <a:normAutofit/>
-          </a:bodyPr>
-          <a:lstStyle>
-            <a:lvl1pPr>
-              <a:buNone/>
-              <a:defRPr lang="en-US" sz="2000" dirty="0"/>
-            </a:lvl1pPr>
-          </a:lstStyle>
-          <a:p>
-            <a:pPr marL="0" lvl="0" indent="0">
-              <a:buNone/>
-            </a:pPr>
-            <a:r>
-              <a:rPr lang="en-US"/>
-              <a:t>Click icon to add picture</a:t>
-            </a:r>
-            <a:endParaRPr lang="en-US" dirty="0"/>
-          </a:p>
-        </p:txBody>
-      </p:sp>
-      <p:sp>
-        <p:nvSpPr>
-          <p:cNvPr id="27" name="Text Placeholder 3"/>
-          <p:cNvSpPr>
-            <a:spLocks noGrp="1"/>
-          </p:cNvSpPr>
-          <p:nvPr>
-            <p:ph type="body" sz="half" idx="20"/>
-          </p:nvPr>
-        </p:nvSpPr>
-        <p:spPr>
-          <a:xfrm>
-            <a:off x="7852442" y="4980854"/>
-            <a:ext cx="3194968" cy="810345"/>
-          </a:xfrm>
-        </p:spPr>
-        <p:txBody>
-          <a:bodyPr anchor="t">
-            <a:normAutofit/>
-          </a:bodyPr>
-          <a:lstStyle>
-            <a:lvl1pPr marL="0" indent="0">
-              <a:buNone/>
-              <a:defRPr sz="1400"/>
-            </a:lvl1pPr>
-            <a:lvl2pPr marL="457200" indent="0">
-              <a:buNone/>
-              <a:defRPr sz="1200"/>
-            </a:lvl2pPr>
-            <a:lvl3pPr marL="914400" indent="0">
-              <a:buNone/>
-              <a:defRPr sz="1000"/>
-            </a:lvl3pPr>
-            <a:lvl4pPr marL="1371600" indent="0">
-              <a:buNone/>
-              <a:defRPr sz="900"/>
-            </a:lvl4pPr>
-            <a:lvl5pPr marL="1828800" indent="0">
-              <a:buNone/>
-              <a:defRPr sz="900"/>
-            </a:lvl5pPr>
-            <a:lvl6pPr marL="2286000" indent="0">
-              <a:buNone/>
-              <a:defRPr sz="900"/>
-            </a:lvl6pPr>
-            <a:lvl7pPr marL="2743200" indent="0">
-              <a:buNone/>
-              <a:defRPr sz="900"/>
-            </a:lvl7pPr>
-            <a:lvl8pPr marL="3200400" indent="0">
-              <a:buNone/>
-              <a:defRPr sz="900"/>
-            </a:lvl8pPr>
-            <a:lvl9pPr marL="3657600" indent="0">
-              <a:buNone/>
-              <a:defRPr sz="900"/>
-            </a:lvl9pPr>
-          </a:lstStyle>
-          <a:p>
-            <a:pPr lvl="0"/>
-            <a:r>
-              <a:rPr lang="en-US"/>
-              <a:t>Click to edit Master text styles</a:t>
-            </a:r>
-          </a:p>
-        </p:txBody>
-      </p:sp>
-      <p:sp>
-        <p:nvSpPr>
-          <p:cNvPr id="3" name="Date Placeholder 2"/>
-          <p:cNvSpPr>
-            <a:spLocks noGrp="1"/>
-          </p:cNvSpPr>
-          <p:nvPr>
-            <p:ph type="dt" sz="half" idx="10"/>
-          </p:nvPr>
-        </p:nvSpPr>
-        <p:spPr/>
-        <p:txBody>
-          <a:bodyPr/>
-          <a:lstStyle/>
-          <a:p>
-            <a:fld id="{48A87A34-81AB-432B-8DAE-1953F412C126}" type="datetimeFigureOut">
-              <a:rPr lang="en-US" dirty="0"/>
-              <a:t>4/25/2020</a:t>
-            </a:fld>
-            <a:endParaRPr lang="en-US" dirty="0"/>
-          </a:p>
-        </p:txBody>
-      </p:sp>
-      <p:sp>
-        <p:nvSpPr>
-          <p:cNvPr id="4" name="Footer Placeholder 3"/>
-          <p:cNvSpPr>
-            <a:spLocks noGrp="1"/>
-          </p:cNvSpPr>
-          <p:nvPr>
-            <p:ph type="ftr" sz="quarter" idx="11"/>
-          </p:nvPr>
-        </p:nvSpPr>
-        <p:spPr/>
-        <p:txBody>
-          <a:bodyPr/>
-          <a:lstStyle/>
-          <a:p>
-            <a:endParaRPr lang="en-US" dirty="0"/>
-          </a:p>
-        </p:txBody>
-      </p:sp>
-      <p:sp>
-        <p:nvSpPr>
-          <p:cNvPr id="5" name="Slide Number Placeholder 4"/>
-          <p:cNvSpPr>
-            <a:spLocks noGrp="1"/>
-          </p:cNvSpPr>
-          <p:nvPr>
-            <p:ph type="sldNum" sz="quarter" idx="12"/>
-          </p:nvPr>
-        </p:nvSpPr>
-        <p:spPr/>
-        <p:txBody>
-          <a:bodyPr/>
-          <a:lstStyle/>
-          <a:p>
-            <a:fld id="{6D22F896-40B5-4ADD-8801-0D06FADFA095}" type="slidenum">
-              <a:rPr lang="en-US" dirty="0"/>
-              <a:t>‹#›</a:t>
-            </a:fld>
-            <a:endParaRPr lang="en-US" dirty="0"/>
-          </a:p>
-        </p:txBody>
-      </p:sp>
-    </p:spTree>
-    <p:extLst>
-      <p:ext uri="{BB962C8B-B14F-4D97-AF65-F5344CB8AC3E}">
-        <p14:creationId xmlns:p14="http://schemas.microsoft.com/office/powerpoint/2010/main" val="1533324066"/>
-      </p:ext>
-    </p:extLst>
-  </p:cSld>
-  <p:clrMapOvr>
-    <a:masterClrMapping/>
-  </p:clrMapOvr>
-</p:sldLayout>
-</file>
-
 <file path=ppt/slideLayouts/slideLayout2.xml><?xml version="1.0" encoding="utf-8"?>
 <p:sldLayout xmlns:a="http://schemas.openxmlformats.org/drawingml/2006/main" xmlns:r="http://schemas.openxmlformats.org/officeDocument/2006/relationships" xmlns:p="http://schemas.openxmlformats.org/presentationml/2006/main" type="obj" preserve="1">
   <p:cSld name="Title and Content">
@@ -5617,7 +4962,7 @@
 </file>
 
 <file path=ppt/slideLayouts/slideLayout6.xml><?xml version="1.0" encoding="utf-8"?>
-<p:sldLayout xmlns:a="http://schemas.openxmlformats.org/drawingml/2006/main" xmlns:r="http://schemas.openxmlformats.org/officeDocument/2006/relationships" xmlns:p="http://schemas.openxmlformats.org/presentationml/2006/main" type="titleOnly" preserve="1">
+<p:sldLayout xmlns:a="http://schemas.openxmlformats.org/drawingml/2006/main" xmlns:r="http://schemas.openxmlformats.org/officeDocument/2006/relationships" xmlns:p="http://schemas.openxmlformats.org/presentationml/2006/main" preserve="1" userDrawn="1">
   <p:cSld name="Title Only">
     <p:spTree>
       <p:nvGrpSpPr>
@@ -6920,7 +6265,6 @@
     <p:sldLayoutId id="2147483663" r:id="rId9"/>
     <p:sldLayoutId id="2147483662" r:id="rId10"/>
     <p:sldLayoutId id="2147483661" r:id="rId11"/>
-    <p:sldLayoutId id="2147483672" r:id="rId12"/>
   </p:sldLayoutIdLst>
   <p:hf sldNum="0" hdr="0" ftr="0" dt="0"/>
   <p:txStyles>
@@ -7670,141 +7014,10 @@
       </p:grpSpPr>
       <p:sp>
         <p:nvSpPr>
-          <p:cNvPr id="3" name="Text Placeholder 2">
+          <p:cNvPr id="2" name="Text Placeholder 2">
             <a:extLst>
               <a:ext uri="{FF2B5EF4-FFF2-40B4-BE49-F238E27FC236}">
-                <a16:creationId xmlns:a16="http://schemas.microsoft.com/office/drawing/2014/main" id="{B276625F-28BA-4551-9D6B-E69486424E4C}"/>
-              </a:ext>
-            </a:extLst>
-          </p:cNvPr>
-          <p:cNvSpPr>
-            <a:spLocks noGrp="1"/>
-          </p:cNvSpPr>
-          <p:nvPr>
-            <p:ph type="body" idx="1"/>
-          </p:nvPr>
-        </p:nvSpPr>
-        <p:spPr>
-          <a:xfrm>
-            <a:off x="281990" y="62091"/>
-            <a:ext cx="4501243" cy="823912"/>
-          </a:xfrm>
-        </p:spPr>
-        <p:txBody>
-          <a:bodyPr/>
-          <a:lstStyle/>
-          <a:p>
-            <a:r>
-              <a:rPr lang="en-US" dirty="0">
-                <a:solidFill>
-                  <a:schemeClr val="bg1"/>
-                </a:solidFill>
-              </a:rPr>
-              <a:t>How race affects workers’ wages (Both Sexes)</a:t>
-            </a:r>
-          </a:p>
-        </p:txBody>
-      </p:sp>
-      <p:pic>
-        <p:nvPicPr>
-          <p:cNvPr id="8" name="Content Placeholder 7">
-            <a:extLst>
-              <a:ext uri="{FF2B5EF4-FFF2-40B4-BE49-F238E27FC236}">
-                <a16:creationId xmlns:a16="http://schemas.microsoft.com/office/drawing/2014/main" id="{1A0D9839-0692-4227-9EC3-AFA5D3D90129}"/>
-              </a:ext>
-            </a:extLst>
-          </p:cNvPr>
-          <p:cNvPicPr>
-            <a:picLocks noGrp="1" noChangeAspect="1"/>
-          </p:cNvPicPr>
-          <p:nvPr>
-            <p:ph sz="half" idx="2"/>
-          </p:nvPr>
-        </p:nvPicPr>
-        <p:blipFill>
-          <a:blip r:embed="rId2"/>
-          <a:stretch>
-            <a:fillRect/>
-          </a:stretch>
-        </p:blipFill>
-        <p:spPr>
-          <a:xfrm>
-            <a:off x="281990" y="3071548"/>
-            <a:ext cx="4975990" cy="3317326"/>
-          </a:xfrm>
-        </p:spPr>
-      </p:pic>
-      <p:sp>
-        <p:nvSpPr>
-          <p:cNvPr id="5" name="Text Placeholder 4">
-            <a:extLst>
-              <a:ext uri="{FF2B5EF4-FFF2-40B4-BE49-F238E27FC236}">
-                <a16:creationId xmlns:a16="http://schemas.microsoft.com/office/drawing/2014/main" id="{E5911A8A-5CBB-4EF2-B593-2DD2086E4033}"/>
-              </a:ext>
-            </a:extLst>
-          </p:cNvPr>
-          <p:cNvSpPr>
-            <a:spLocks noGrp="1"/>
-          </p:cNvSpPr>
-          <p:nvPr>
-            <p:ph type="body" sz="quarter" idx="3"/>
-          </p:nvPr>
-        </p:nvSpPr>
-        <p:spPr>
-          <a:xfrm>
-            <a:off x="5737915" y="4057451"/>
-            <a:ext cx="4559420" cy="823912"/>
-          </a:xfrm>
-        </p:spPr>
-        <p:txBody>
-          <a:bodyPr/>
-          <a:lstStyle/>
-          <a:p>
-            <a:r>
-              <a:rPr lang="en-US" dirty="0">
-                <a:solidFill>
-                  <a:schemeClr val="bg1"/>
-                </a:solidFill>
-              </a:rPr>
-              <a:t>How sex category affects workers’ wages (All Races)</a:t>
-            </a:r>
-          </a:p>
-        </p:txBody>
-      </p:sp>
-      <p:pic>
-        <p:nvPicPr>
-          <p:cNvPr id="10" name="Content Placeholder 9">
-            <a:extLst>
-              <a:ext uri="{FF2B5EF4-FFF2-40B4-BE49-F238E27FC236}">
-                <a16:creationId xmlns:a16="http://schemas.microsoft.com/office/drawing/2014/main" id="{E8BBEC45-237C-4167-98E1-C2EA3E2141E3}"/>
-              </a:ext>
-            </a:extLst>
-          </p:cNvPr>
-          <p:cNvPicPr>
-            <a:picLocks noGrp="1" noChangeAspect="1"/>
-          </p:cNvPicPr>
-          <p:nvPr>
-            <p:ph sz="quarter" idx="4"/>
-          </p:nvPr>
-        </p:nvPicPr>
-        <p:blipFill>
-          <a:blip r:embed="rId3"/>
-          <a:srcRect/>
-          <a:stretch/>
-        </p:blipFill>
-        <p:spPr>
-          <a:xfrm>
-            <a:off x="5749883" y="161673"/>
-            <a:ext cx="5784619" cy="3856411"/>
-          </a:xfrm>
-        </p:spPr>
-      </p:pic>
-      <p:sp>
-        <p:nvSpPr>
-          <p:cNvPr id="13" name="Text Placeholder 4">
-            <a:extLst>
-              <a:ext uri="{FF2B5EF4-FFF2-40B4-BE49-F238E27FC236}">
-                <a16:creationId xmlns:a16="http://schemas.microsoft.com/office/drawing/2014/main" id="{448CC16F-2DDE-4B7B-951A-3B0BC9BC7FE7}"/>
+                <a16:creationId xmlns:a16="http://schemas.microsoft.com/office/drawing/2014/main" id="{0F405E1D-162B-4063-9264-51444FB380B3}"/>
               </a:ext>
             </a:extLst>
           </p:cNvPr>
@@ -7815,183 +7028,246 @@
         </p:nvSpPr>
         <p:spPr>
           <a:xfrm>
-            <a:off x="281991" y="913928"/>
-            <a:ext cx="5197878" cy="2157620"/>
+            <a:off x="247084" y="3766657"/>
+            <a:ext cx="3335015" cy="396222"/>
           </a:xfrm>
           <a:prstGeom prst="rect">
             <a:avLst/>
           </a:prstGeom>
         </p:spPr>
         <p:txBody>
-          <a:bodyPr vert="horz" lIns="91440" tIns="45720" rIns="91440" bIns="45720" rtlCol="0" anchor="t">
-            <a:normAutofit/>
-          </a:bodyPr>
+          <a:bodyPr/>
           <a:lstStyle>
-            <a:lvl1pPr marL="0" indent="0" algn="l" defTabSz="914400" rtl="0" eaLnBrk="1" latinLnBrk="0" hangingPunct="1">
+            <a:lvl1pPr marL="91440" indent="-91440" algn="l" defTabSz="914400" rtl="0" eaLnBrk="1" latinLnBrk="0" hangingPunct="1">
               <a:lnSpc>
                 <a:spcPct val="120000"/>
               </a:lnSpc>
               <a:spcBef>
-                <a:spcPts val="1000"/>
+                <a:spcPts val="1200"/>
               </a:spcBef>
-              <a:buSzPct val="125000"/>
-              <a:buFont typeface="Arial" panose="020B0604020202020204" pitchFamily="34" charset="0"/>
-              <a:buNone/>
-              <a:defRPr sz="1400" kern="1200">
-                <a:solidFill>
-                  <a:schemeClr val="tx1"/>
+              <a:spcAft>
+                <a:spcPts val="200"/>
+              </a:spcAft>
+              <a:buClr>
+                <a:schemeClr val="accent1"/>
+              </a:buClr>
+              <a:buSzPct val="100000"/>
+              <a:buFont typeface="Calibri" panose="020F0502020204030204" pitchFamily="34" charset="0"/>
+              <a:buChar char=" "/>
+              <a:defRPr sz="1800" kern="1200">
+                <a:solidFill>
+                  <a:schemeClr val="tx1">
+                    <a:lumMod val="75000"/>
+                    <a:lumOff val="25000"/>
+                  </a:schemeClr>
                 </a:solidFill>
                 <a:latin typeface="+mn-lt"/>
                 <a:ea typeface="+mn-ea"/>
                 <a:cs typeface="+mn-cs"/>
               </a:defRPr>
             </a:lvl1pPr>
-            <a:lvl2pPr marL="457200" indent="0" algn="l" defTabSz="914400" rtl="0" eaLnBrk="1" latinLnBrk="0" hangingPunct="1">
+            <a:lvl2pPr marL="384048" indent="-182880" algn="l" defTabSz="914400" rtl="0" eaLnBrk="1" latinLnBrk="0" hangingPunct="1">
               <a:lnSpc>
-                <a:spcPct val="120000"/>
+                <a:spcPct val="100000"/>
               </a:lnSpc>
               <a:spcBef>
-                <a:spcPts val="500"/>
+                <a:spcPts val="200"/>
               </a:spcBef>
-              <a:buSzPct val="125000"/>
-              <a:buFont typeface="Arial" panose="020B0604020202020204" pitchFamily="34" charset="0"/>
-              <a:buNone/>
-              <a:defRPr sz="1200" kern="1200">
-                <a:solidFill>
-                  <a:schemeClr val="tx1"/>
+              <a:spcAft>
+                <a:spcPts val="400"/>
+              </a:spcAft>
+              <a:buClrTx/>
+              <a:buFont typeface="Calibri" pitchFamily="34" charset="0"/>
+              <a:buChar char="◦"/>
+              <a:defRPr sz="1600" kern="1200">
+                <a:solidFill>
+                  <a:schemeClr val="tx1">
+                    <a:lumMod val="75000"/>
+                    <a:lumOff val="25000"/>
+                  </a:schemeClr>
                 </a:solidFill>
                 <a:latin typeface="+mn-lt"/>
                 <a:ea typeface="+mn-ea"/>
                 <a:cs typeface="+mn-cs"/>
               </a:defRPr>
             </a:lvl2pPr>
-            <a:lvl3pPr marL="914400" indent="0" algn="l" defTabSz="914400" rtl="0" eaLnBrk="1" latinLnBrk="0" hangingPunct="1">
+            <a:lvl3pPr marL="566928" indent="-182880" algn="l" defTabSz="914400" rtl="0" eaLnBrk="1" latinLnBrk="0" hangingPunct="1">
               <a:lnSpc>
-                <a:spcPct val="120000"/>
+                <a:spcPct val="100000"/>
               </a:lnSpc>
               <a:spcBef>
-                <a:spcPts val="500"/>
+                <a:spcPts val="200"/>
               </a:spcBef>
-              <a:buSzPct val="125000"/>
-              <a:buFont typeface="Arial" panose="020B0604020202020204" pitchFamily="34" charset="0"/>
-              <a:buNone/>
-              <a:defRPr sz="1000" kern="1200">
-                <a:solidFill>
-                  <a:schemeClr val="tx1"/>
+              <a:spcAft>
+                <a:spcPts val="400"/>
+              </a:spcAft>
+              <a:buClrTx/>
+              <a:buFont typeface="Calibri" pitchFamily="34" charset="0"/>
+              <a:buChar char="◦"/>
+              <a:defRPr sz="1200" kern="1200">
+                <a:solidFill>
+                  <a:schemeClr val="tx1">
+                    <a:lumMod val="75000"/>
+                    <a:lumOff val="25000"/>
+                  </a:schemeClr>
                 </a:solidFill>
                 <a:latin typeface="+mn-lt"/>
                 <a:ea typeface="+mn-ea"/>
                 <a:cs typeface="+mn-cs"/>
               </a:defRPr>
             </a:lvl3pPr>
-            <a:lvl4pPr marL="1371600" indent="0" algn="l" defTabSz="914400" rtl="0" eaLnBrk="1" latinLnBrk="0" hangingPunct="1">
+            <a:lvl4pPr marL="749808" indent="-182880" algn="l" defTabSz="914400" rtl="0" eaLnBrk="1" latinLnBrk="0" hangingPunct="1">
               <a:lnSpc>
-                <a:spcPct val="120000"/>
+                <a:spcPct val="100000"/>
               </a:lnSpc>
               <a:spcBef>
-                <a:spcPts val="500"/>
+                <a:spcPts val="200"/>
               </a:spcBef>
-              <a:buSzPct val="125000"/>
-              <a:buFont typeface="Arial" panose="020B0604020202020204" pitchFamily="34" charset="0"/>
-              <a:buNone/>
-              <a:defRPr sz="900" kern="1200">
-                <a:solidFill>
-                  <a:schemeClr val="tx1"/>
+              <a:spcAft>
+                <a:spcPts val="400"/>
+              </a:spcAft>
+              <a:buClrTx/>
+              <a:buFont typeface="Calibri" pitchFamily="34" charset="0"/>
+              <a:buChar char="◦"/>
+              <a:defRPr sz="1200" kern="1200">
+                <a:solidFill>
+                  <a:schemeClr val="tx1">
+                    <a:lumMod val="75000"/>
+                    <a:lumOff val="25000"/>
+                  </a:schemeClr>
                 </a:solidFill>
                 <a:latin typeface="+mn-lt"/>
                 <a:ea typeface="+mn-ea"/>
                 <a:cs typeface="+mn-cs"/>
               </a:defRPr>
             </a:lvl4pPr>
-            <a:lvl5pPr marL="1828800" indent="0" algn="l" defTabSz="914400" rtl="0" eaLnBrk="1" latinLnBrk="0" hangingPunct="1">
+            <a:lvl5pPr marL="932688" indent="-182880" algn="l" defTabSz="914400" rtl="0" eaLnBrk="1" latinLnBrk="0" hangingPunct="1">
               <a:lnSpc>
-                <a:spcPct val="120000"/>
+                <a:spcPct val="100000"/>
               </a:lnSpc>
               <a:spcBef>
-                <a:spcPts val="500"/>
+                <a:spcPts val="200"/>
               </a:spcBef>
-              <a:buSzPct val="125000"/>
-              <a:buFont typeface="Arial" panose="020B0604020202020204" pitchFamily="34" charset="0"/>
-              <a:buNone/>
-              <a:defRPr sz="900" kern="1200">
-                <a:solidFill>
-                  <a:schemeClr val="tx1"/>
+              <a:spcAft>
+                <a:spcPts val="400"/>
+              </a:spcAft>
+              <a:buClrTx/>
+              <a:buFont typeface="Calibri" pitchFamily="34" charset="0"/>
+              <a:buChar char="◦"/>
+              <a:defRPr sz="1200" kern="1200">
+                <a:solidFill>
+                  <a:schemeClr val="tx1">
+                    <a:lumMod val="75000"/>
+                    <a:lumOff val="25000"/>
+                  </a:schemeClr>
                 </a:solidFill>
                 <a:latin typeface="+mn-lt"/>
                 <a:ea typeface="+mn-ea"/>
                 <a:cs typeface="+mn-cs"/>
               </a:defRPr>
             </a:lvl5pPr>
-            <a:lvl6pPr marL="2286000" indent="0" algn="l" defTabSz="914400" rtl="0" eaLnBrk="1" latinLnBrk="0" hangingPunct="1">
+            <a:lvl6pPr marL="1100000" indent="-228600" algn="l" defTabSz="914400" rtl="0" eaLnBrk="1" latinLnBrk="0" hangingPunct="1">
               <a:lnSpc>
-                <a:spcPct val="120000"/>
+                <a:spcPct val="90000"/>
               </a:lnSpc>
               <a:spcBef>
-                <a:spcPts val="500"/>
+                <a:spcPts val="200"/>
               </a:spcBef>
-              <a:buSzPct val="125000"/>
-              <a:buFont typeface="Arial" panose="020B0604020202020204" pitchFamily="34" charset="0"/>
-              <a:buNone/>
-              <a:defRPr sz="900" kern="1200">
-                <a:solidFill>
-                  <a:schemeClr val="tx1"/>
+              <a:spcAft>
+                <a:spcPts val="400"/>
+              </a:spcAft>
+              <a:buClr>
+                <a:schemeClr val="accent1"/>
+              </a:buClr>
+              <a:buFont typeface="Calibri" pitchFamily="34" charset="0"/>
+              <a:buChar char="◦"/>
+              <a:defRPr sz="1400" kern="1200">
+                <a:solidFill>
+                  <a:schemeClr val="tx1">
+                    <a:lumMod val="75000"/>
+                    <a:lumOff val="25000"/>
+                  </a:schemeClr>
                 </a:solidFill>
                 <a:latin typeface="+mn-lt"/>
                 <a:ea typeface="+mn-ea"/>
                 <a:cs typeface="+mn-cs"/>
               </a:defRPr>
             </a:lvl6pPr>
-            <a:lvl7pPr marL="2743200" indent="0" algn="l" defTabSz="914400" rtl="0" eaLnBrk="1" latinLnBrk="0" hangingPunct="1">
+            <a:lvl7pPr marL="1300000" indent="-228600" algn="l" defTabSz="914400" rtl="0" eaLnBrk="1" latinLnBrk="0" hangingPunct="1">
               <a:lnSpc>
-                <a:spcPct val="120000"/>
+                <a:spcPct val="90000"/>
               </a:lnSpc>
               <a:spcBef>
-                <a:spcPts val="500"/>
+                <a:spcPts val="200"/>
               </a:spcBef>
-              <a:buSzPct val="125000"/>
-              <a:buFont typeface="Arial" panose="020B0604020202020204" pitchFamily="34" charset="0"/>
-              <a:buNone/>
-              <a:defRPr sz="900" kern="1200">
-                <a:solidFill>
-                  <a:schemeClr val="tx1"/>
+              <a:spcAft>
+                <a:spcPts val="400"/>
+              </a:spcAft>
+              <a:buClr>
+                <a:schemeClr val="accent1"/>
+              </a:buClr>
+              <a:buFont typeface="Calibri" pitchFamily="34" charset="0"/>
+              <a:buChar char="◦"/>
+              <a:defRPr sz="1400" kern="1200">
+                <a:solidFill>
+                  <a:schemeClr val="tx1">
+                    <a:lumMod val="75000"/>
+                    <a:lumOff val="25000"/>
+                  </a:schemeClr>
                 </a:solidFill>
                 <a:latin typeface="+mn-lt"/>
                 <a:ea typeface="+mn-ea"/>
                 <a:cs typeface="+mn-cs"/>
               </a:defRPr>
             </a:lvl7pPr>
-            <a:lvl8pPr marL="3200400" indent="0" algn="l" defTabSz="914400" rtl="0" eaLnBrk="1" latinLnBrk="0" hangingPunct="1">
+            <a:lvl8pPr marL="1500000" indent="-228600" algn="l" defTabSz="914400" rtl="0" eaLnBrk="1" latinLnBrk="0" hangingPunct="1">
               <a:lnSpc>
-                <a:spcPct val="120000"/>
+                <a:spcPct val="90000"/>
               </a:lnSpc>
               <a:spcBef>
-                <a:spcPts val="500"/>
+                <a:spcPts val="200"/>
               </a:spcBef>
-              <a:buSzPct val="125000"/>
-              <a:buFont typeface="Arial" panose="020B0604020202020204" pitchFamily="34" charset="0"/>
-              <a:buNone/>
-              <a:defRPr sz="900" kern="1200">
-                <a:solidFill>
-                  <a:schemeClr val="tx1"/>
+              <a:spcAft>
+                <a:spcPts val="400"/>
+              </a:spcAft>
+              <a:buClr>
+                <a:schemeClr val="accent1"/>
+              </a:buClr>
+              <a:buFont typeface="Calibri" pitchFamily="34" charset="0"/>
+              <a:buChar char="◦"/>
+              <a:defRPr sz="1400" kern="1200">
+                <a:solidFill>
+                  <a:schemeClr val="tx1">
+                    <a:lumMod val="75000"/>
+                    <a:lumOff val="25000"/>
+                  </a:schemeClr>
                 </a:solidFill>
                 <a:latin typeface="+mn-lt"/>
                 <a:ea typeface="+mn-ea"/>
                 <a:cs typeface="+mn-cs"/>
               </a:defRPr>
             </a:lvl8pPr>
-            <a:lvl9pPr marL="3657600" indent="0" algn="l" defTabSz="914400" rtl="0" eaLnBrk="1" latinLnBrk="0" hangingPunct="1">
+            <a:lvl9pPr marL="1700000" indent="-228600" algn="l" defTabSz="914400" rtl="0" eaLnBrk="1" latinLnBrk="0" hangingPunct="1">
               <a:lnSpc>
-                <a:spcPct val="120000"/>
+                <a:spcPct val="90000"/>
               </a:lnSpc>
               <a:spcBef>
-                <a:spcPts val="500"/>
+                <a:spcPts val="200"/>
               </a:spcBef>
-              <a:buSzPct val="125000"/>
-              <a:buFont typeface="Arial" panose="020B0604020202020204" pitchFamily="34" charset="0"/>
-              <a:buNone/>
-              <a:defRPr sz="900" kern="1200">
-                <a:solidFill>
-                  <a:schemeClr val="tx1"/>
+              <a:spcAft>
+                <a:spcPts val="400"/>
+              </a:spcAft>
+              <a:buClr>
+                <a:schemeClr val="accent1"/>
+              </a:buClr>
+              <a:buFont typeface="Calibri" pitchFamily="34" charset="0"/>
+              <a:buChar char="◦"/>
+              <a:defRPr sz="1400" kern="1200">
+                <a:solidFill>
+                  <a:schemeClr val="tx1">
+                    <a:lumMod val="75000"/>
+                    <a:lumOff val="25000"/>
+                  </a:schemeClr>
                 </a:solidFill>
                 <a:latin typeface="+mn-lt"/>
                 <a:ea typeface="+mn-ea"/>
@@ -8000,55 +7276,26 @@
             </a:lvl9pPr>
           </a:lstStyle>
           <a:p>
+            <a:pPr marL="0" indent="0">
+              <a:buNone/>
+            </a:pPr>
             <a:r>
-              <a:rPr lang="en-US" dirty="0">
+              <a:rPr lang="en-US" b="1" dirty="0">
                 <a:solidFill>
                   <a:schemeClr val="bg1"/>
                 </a:solidFill>
               </a:rPr>
-              <a:t>The data shows us that white and Asian workers had the highest average wages while Hispanic and Black workers had the lowest wages.  All race categories appear to exhibit similar rise- and fall-patterns between each other over time that reflect a shared impact from economic events (such as the recession following the 2008 financial crisis).  White and Asian salaries stay above $14/</a:t>
-            </a:r>
-            <a:r>
-              <a:rPr lang="en-US" dirty="0" err="1">
-                <a:solidFill>
-                  <a:schemeClr val="bg1"/>
-                </a:solidFill>
-              </a:rPr>
-              <a:t>hr</a:t>
-            </a:r>
-            <a:r>
-              <a:rPr lang="en-US" dirty="0">
-                <a:solidFill>
-                  <a:schemeClr val="bg1"/>
-                </a:solidFill>
-              </a:rPr>
-              <a:t> post 1997 while Hispanic and Black workers have yet to pass $14/</a:t>
-            </a:r>
-            <a:r>
-              <a:rPr lang="en-US" dirty="0" err="1">
-                <a:solidFill>
-                  <a:schemeClr val="bg1"/>
-                </a:solidFill>
-              </a:rPr>
-              <a:t>hr</a:t>
-            </a:r>
-            <a:r>
-              <a:rPr lang="en-US" dirty="0">
-                <a:solidFill>
-                  <a:schemeClr val="bg1"/>
-                </a:solidFill>
-              </a:rPr>
-              <a:t> by 2018.</a:t>
+              <a:t>WHITE WORKER TRENDS</a:t>
             </a:r>
           </a:p>
         </p:txBody>
       </p:sp>
       <p:sp>
         <p:nvSpPr>
-          <p:cNvPr id="14" name="Text Placeholder 4">
+          <p:cNvPr id="3" name="Text Placeholder 4">
             <a:extLst>
               <a:ext uri="{FF2B5EF4-FFF2-40B4-BE49-F238E27FC236}">
-                <a16:creationId xmlns:a16="http://schemas.microsoft.com/office/drawing/2014/main" id="{CE0ECDA1-C57C-4590-BAC1-04D1B9EB95D1}"/>
+                <a16:creationId xmlns:a16="http://schemas.microsoft.com/office/drawing/2014/main" id="{DA6F9E95-8F80-4C1A-9E07-52AFFC8FCB25}"/>
               </a:ext>
             </a:extLst>
           </p:cNvPr>
@@ -8059,183 +7306,248 @@
         </p:nvSpPr>
         <p:spPr>
           <a:xfrm>
-            <a:off x="6253719" y="4154690"/>
-            <a:ext cx="4501242" cy="1981460"/>
+            <a:off x="350167" y="4162879"/>
+            <a:ext cx="4637568" cy="2371573"/>
           </a:xfrm>
           <a:prstGeom prst="rect">
             <a:avLst/>
           </a:prstGeom>
         </p:spPr>
         <p:txBody>
-          <a:bodyPr vert="horz" lIns="91440" tIns="45720" rIns="91440" bIns="45720" rtlCol="0" anchor="t">
-            <a:normAutofit/>
+          <a:bodyPr>
+            <a:normAutofit fontScale="70000" lnSpcReduction="20000"/>
           </a:bodyPr>
           <a:lstStyle>
-            <a:lvl1pPr marL="0" indent="0" algn="l" defTabSz="914400" rtl="0" eaLnBrk="1" latinLnBrk="0" hangingPunct="1">
+            <a:lvl1pPr marL="91440" indent="-91440" algn="l" defTabSz="914400" rtl="0" eaLnBrk="1" latinLnBrk="0" hangingPunct="1">
               <a:lnSpc>
                 <a:spcPct val="120000"/>
               </a:lnSpc>
               <a:spcBef>
-                <a:spcPts val="1000"/>
+                <a:spcPts val="1200"/>
               </a:spcBef>
-              <a:buSzPct val="125000"/>
-              <a:buFont typeface="Arial" panose="020B0604020202020204" pitchFamily="34" charset="0"/>
-              <a:buNone/>
-              <a:defRPr sz="1400" kern="1200">
-                <a:solidFill>
-                  <a:schemeClr val="tx1"/>
+              <a:spcAft>
+                <a:spcPts val="200"/>
+              </a:spcAft>
+              <a:buClr>
+                <a:schemeClr val="accent1"/>
+              </a:buClr>
+              <a:buSzPct val="100000"/>
+              <a:buFont typeface="Calibri" panose="020F0502020204030204" pitchFamily="34" charset="0"/>
+              <a:buChar char=" "/>
+              <a:defRPr sz="1800" kern="1200">
+                <a:solidFill>
+                  <a:schemeClr val="tx1">
+                    <a:lumMod val="75000"/>
+                    <a:lumOff val="25000"/>
+                  </a:schemeClr>
                 </a:solidFill>
                 <a:latin typeface="+mn-lt"/>
                 <a:ea typeface="+mn-ea"/>
                 <a:cs typeface="+mn-cs"/>
               </a:defRPr>
             </a:lvl1pPr>
-            <a:lvl2pPr marL="457200" indent="0" algn="l" defTabSz="914400" rtl="0" eaLnBrk="1" latinLnBrk="0" hangingPunct="1">
+            <a:lvl2pPr marL="384048" indent="-182880" algn="l" defTabSz="914400" rtl="0" eaLnBrk="1" latinLnBrk="0" hangingPunct="1">
               <a:lnSpc>
-                <a:spcPct val="120000"/>
+                <a:spcPct val="100000"/>
               </a:lnSpc>
               <a:spcBef>
-                <a:spcPts val="500"/>
+                <a:spcPts val="200"/>
               </a:spcBef>
-              <a:buSzPct val="125000"/>
-              <a:buFont typeface="Arial" panose="020B0604020202020204" pitchFamily="34" charset="0"/>
-              <a:buNone/>
-              <a:defRPr sz="1200" kern="1200">
-                <a:solidFill>
-                  <a:schemeClr val="tx1"/>
+              <a:spcAft>
+                <a:spcPts val="400"/>
+              </a:spcAft>
+              <a:buClrTx/>
+              <a:buFont typeface="Calibri" pitchFamily="34" charset="0"/>
+              <a:buChar char="◦"/>
+              <a:defRPr sz="1600" kern="1200">
+                <a:solidFill>
+                  <a:schemeClr val="tx1">
+                    <a:lumMod val="75000"/>
+                    <a:lumOff val="25000"/>
+                  </a:schemeClr>
                 </a:solidFill>
                 <a:latin typeface="+mn-lt"/>
                 <a:ea typeface="+mn-ea"/>
                 <a:cs typeface="+mn-cs"/>
               </a:defRPr>
             </a:lvl2pPr>
-            <a:lvl3pPr marL="914400" indent="0" algn="l" defTabSz="914400" rtl="0" eaLnBrk="1" latinLnBrk="0" hangingPunct="1">
+            <a:lvl3pPr marL="566928" indent="-182880" algn="l" defTabSz="914400" rtl="0" eaLnBrk="1" latinLnBrk="0" hangingPunct="1">
               <a:lnSpc>
-                <a:spcPct val="120000"/>
+                <a:spcPct val="100000"/>
               </a:lnSpc>
               <a:spcBef>
-                <a:spcPts val="500"/>
+                <a:spcPts val="200"/>
               </a:spcBef>
-              <a:buSzPct val="125000"/>
-              <a:buFont typeface="Arial" panose="020B0604020202020204" pitchFamily="34" charset="0"/>
-              <a:buNone/>
-              <a:defRPr sz="1000" kern="1200">
-                <a:solidFill>
-                  <a:schemeClr val="tx1"/>
+              <a:spcAft>
+                <a:spcPts val="400"/>
+              </a:spcAft>
+              <a:buClrTx/>
+              <a:buFont typeface="Calibri" pitchFamily="34" charset="0"/>
+              <a:buChar char="◦"/>
+              <a:defRPr sz="1200" kern="1200">
+                <a:solidFill>
+                  <a:schemeClr val="tx1">
+                    <a:lumMod val="75000"/>
+                    <a:lumOff val="25000"/>
+                  </a:schemeClr>
                 </a:solidFill>
                 <a:latin typeface="+mn-lt"/>
                 <a:ea typeface="+mn-ea"/>
                 <a:cs typeface="+mn-cs"/>
               </a:defRPr>
             </a:lvl3pPr>
-            <a:lvl4pPr marL="1371600" indent="0" algn="l" defTabSz="914400" rtl="0" eaLnBrk="1" latinLnBrk="0" hangingPunct="1">
+            <a:lvl4pPr marL="749808" indent="-182880" algn="l" defTabSz="914400" rtl="0" eaLnBrk="1" latinLnBrk="0" hangingPunct="1">
               <a:lnSpc>
-                <a:spcPct val="120000"/>
+                <a:spcPct val="100000"/>
               </a:lnSpc>
               <a:spcBef>
-                <a:spcPts val="500"/>
+                <a:spcPts val="200"/>
               </a:spcBef>
-              <a:buSzPct val="125000"/>
-              <a:buFont typeface="Arial" panose="020B0604020202020204" pitchFamily="34" charset="0"/>
-              <a:buNone/>
-              <a:defRPr sz="900" kern="1200">
-                <a:solidFill>
-                  <a:schemeClr val="tx1"/>
+              <a:spcAft>
+                <a:spcPts val="400"/>
+              </a:spcAft>
+              <a:buClrTx/>
+              <a:buFont typeface="Calibri" pitchFamily="34" charset="0"/>
+              <a:buChar char="◦"/>
+              <a:defRPr sz="1200" kern="1200">
+                <a:solidFill>
+                  <a:schemeClr val="tx1">
+                    <a:lumMod val="75000"/>
+                    <a:lumOff val="25000"/>
+                  </a:schemeClr>
                 </a:solidFill>
                 <a:latin typeface="+mn-lt"/>
                 <a:ea typeface="+mn-ea"/>
                 <a:cs typeface="+mn-cs"/>
               </a:defRPr>
             </a:lvl4pPr>
-            <a:lvl5pPr marL="1828800" indent="0" algn="l" defTabSz="914400" rtl="0" eaLnBrk="1" latinLnBrk="0" hangingPunct="1">
+            <a:lvl5pPr marL="932688" indent="-182880" algn="l" defTabSz="914400" rtl="0" eaLnBrk="1" latinLnBrk="0" hangingPunct="1">
               <a:lnSpc>
-                <a:spcPct val="120000"/>
+                <a:spcPct val="100000"/>
               </a:lnSpc>
               <a:spcBef>
-                <a:spcPts val="500"/>
+                <a:spcPts val="200"/>
               </a:spcBef>
-              <a:buSzPct val="125000"/>
-              <a:buFont typeface="Arial" panose="020B0604020202020204" pitchFamily="34" charset="0"/>
-              <a:buNone/>
-              <a:defRPr sz="900" kern="1200">
-                <a:solidFill>
-                  <a:schemeClr val="tx1"/>
+              <a:spcAft>
+                <a:spcPts val="400"/>
+              </a:spcAft>
+              <a:buClrTx/>
+              <a:buFont typeface="Calibri" pitchFamily="34" charset="0"/>
+              <a:buChar char="◦"/>
+              <a:defRPr sz="1200" kern="1200">
+                <a:solidFill>
+                  <a:schemeClr val="tx1">
+                    <a:lumMod val="75000"/>
+                    <a:lumOff val="25000"/>
+                  </a:schemeClr>
                 </a:solidFill>
                 <a:latin typeface="+mn-lt"/>
                 <a:ea typeface="+mn-ea"/>
                 <a:cs typeface="+mn-cs"/>
               </a:defRPr>
             </a:lvl5pPr>
-            <a:lvl6pPr marL="2286000" indent="0" algn="l" defTabSz="914400" rtl="0" eaLnBrk="1" latinLnBrk="0" hangingPunct="1">
+            <a:lvl6pPr marL="1100000" indent="-228600" algn="l" defTabSz="914400" rtl="0" eaLnBrk="1" latinLnBrk="0" hangingPunct="1">
               <a:lnSpc>
-                <a:spcPct val="120000"/>
+                <a:spcPct val="90000"/>
               </a:lnSpc>
               <a:spcBef>
-                <a:spcPts val="500"/>
+                <a:spcPts val="200"/>
               </a:spcBef>
-              <a:buSzPct val="125000"/>
-              <a:buFont typeface="Arial" panose="020B0604020202020204" pitchFamily="34" charset="0"/>
-              <a:buNone/>
-              <a:defRPr sz="900" kern="1200">
-                <a:solidFill>
-                  <a:schemeClr val="tx1"/>
+              <a:spcAft>
+                <a:spcPts val="400"/>
+              </a:spcAft>
+              <a:buClr>
+                <a:schemeClr val="accent1"/>
+              </a:buClr>
+              <a:buFont typeface="Calibri" pitchFamily="34" charset="0"/>
+              <a:buChar char="◦"/>
+              <a:defRPr sz="1400" kern="1200">
+                <a:solidFill>
+                  <a:schemeClr val="tx1">
+                    <a:lumMod val="75000"/>
+                    <a:lumOff val="25000"/>
+                  </a:schemeClr>
                 </a:solidFill>
                 <a:latin typeface="+mn-lt"/>
                 <a:ea typeface="+mn-ea"/>
                 <a:cs typeface="+mn-cs"/>
               </a:defRPr>
             </a:lvl6pPr>
-            <a:lvl7pPr marL="2743200" indent="0" algn="l" defTabSz="914400" rtl="0" eaLnBrk="1" latinLnBrk="0" hangingPunct="1">
+            <a:lvl7pPr marL="1300000" indent="-228600" algn="l" defTabSz="914400" rtl="0" eaLnBrk="1" latinLnBrk="0" hangingPunct="1">
               <a:lnSpc>
-                <a:spcPct val="120000"/>
+                <a:spcPct val="90000"/>
               </a:lnSpc>
               <a:spcBef>
-                <a:spcPts val="500"/>
+                <a:spcPts val="200"/>
               </a:spcBef>
-              <a:buSzPct val="125000"/>
-              <a:buFont typeface="Arial" panose="020B0604020202020204" pitchFamily="34" charset="0"/>
-              <a:buNone/>
-              <a:defRPr sz="900" kern="1200">
-                <a:solidFill>
-                  <a:schemeClr val="tx1"/>
+              <a:spcAft>
+                <a:spcPts val="400"/>
+              </a:spcAft>
+              <a:buClr>
+                <a:schemeClr val="accent1"/>
+              </a:buClr>
+              <a:buFont typeface="Calibri" pitchFamily="34" charset="0"/>
+              <a:buChar char="◦"/>
+              <a:defRPr sz="1400" kern="1200">
+                <a:solidFill>
+                  <a:schemeClr val="tx1">
+                    <a:lumMod val="75000"/>
+                    <a:lumOff val="25000"/>
+                  </a:schemeClr>
                 </a:solidFill>
                 <a:latin typeface="+mn-lt"/>
                 <a:ea typeface="+mn-ea"/>
                 <a:cs typeface="+mn-cs"/>
               </a:defRPr>
             </a:lvl7pPr>
-            <a:lvl8pPr marL="3200400" indent="0" algn="l" defTabSz="914400" rtl="0" eaLnBrk="1" latinLnBrk="0" hangingPunct="1">
+            <a:lvl8pPr marL="1500000" indent="-228600" algn="l" defTabSz="914400" rtl="0" eaLnBrk="1" latinLnBrk="0" hangingPunct="1">
               <a:lnSpc>
-                <a:spcPct val="120000"/>
+                <a:spcPct val="90000"/>
               </a:lnSpc>
               <a:spcBef>
-                <a:spcPts val="500"/>
+                <a:spcPts val="200"/>
               </a:spcBef>
-              <a:buSzPct val="125000"/>
-              <a:buFont typeface="Arial" panose="020B0604020202020204" pitchFamily="34" charset="0"/>
-              <a:buNone/>
-              <a:defRPr sz="900" kern="1200">
-                <a:solidFill>
-                  <a:schemeClr val="tx1"/>
+              <a:spcAft>
+                <a:spcPts val="400"/>
+              </a:spcAft>
+              <a:buClr>
+                <a:schemeClr val="accent1"/>
+              </a:buClr>
+              <a:buFont typeface="Calibri" pitchFamily="34" charset="0"/>
+              <a:buChar char="◦"/>
+              <a:defRPr sz="1400" kern="1200">
+                <a:solidFill>
+                  <a:schemeClr val="tx1">
+                    <a:lumMod val="75000"/>
+                    <a:lumOff val="25000"/>
+                  </a:schemeClr>
                 </a:solidFill>
                 <a:latin typeface="+mn-lt"/>
                 <a:ea typeface="+mn-ea"/>
                 <a:cs typeface="+mn-cs"/>
               </a:defRPr>
             </a:lvl8pPr>
-            <a:lvl9pPr marL="3657600" indent="0" algn="l" defTabSz="914400" rtl="0" eaLnBrk="1" latinLnBrk="0" hangingPunct="1">
+            <a:lvl9pPr marL="1700000" indent="-228600" algn="l" defTabSz="914400" rtl="0" eaLnBrk="1" latinLnBrk="0" hangingPunct="1">
               <a:lnSpc>
-                <a:spcPct val="120000"/>
+                <a:spcPct val="90000"/>
               </a:lnSpc>
               <a:spcBef>
-                <a:spcPts val="500"/>
+                <a:spcPts val="200"/>
               </a:spcBef>
-              <a:buSzPct val="125000"/>
-              <a:buFont typeface="Arial" panose="020B0604020202020204" pitchFamily="34" charset="0"/>
-              <a:buNone/>
-              <a:defRPr sz="900" kern="1200">
-                <a:solidFill>
-                  <a:schemeClr val="tx1"/>
+              <a:spcAft>
+                <a:spcPts val="400"/>
+              </a:spcAft>
+              <a:buClr>
+                <a:schemeClr val="accent1"/>
+              </a:buClr>
+              <a:buFont typeface="Calibri" pitchFamily="34" charset="0"/>
+              <a:buChar char="◦"/>
+              <a:defRPr sz="1400" kern="1200">
+                <a:solidFill>
+                  <a:schemeClr val="tx1">
+                    <a:lumMod val="75000"/>
+                    <a:lumOff val="25000"/>
+                  </a:schemeClr>
                 </a:solidFill>
                 <a:latin typeface="+mn-lt"/>
                 <a:ea typeface="+mn-ea"/>
@@ -8244,16 +7556,23 @@
             </a:lvl9pPr>
           </a:lstStyle>
           <a:p>
-            <a:endParaRPr lang="en-US" dirty="0"/>
+            <a:r>
+              <a:rPr lang="en-US" dirty="0">
+                <a:solidFill>
+                  <a:schemeClr val="bg1"/>
+                </a:solidFill>
+              </a:rPr>
+              <a:t>The data reflects a constant trend in which white workers, either male or female, were above the average salary and within 50¢ to $1/hr. of the average salary of their respective sex category.  This demonstrates how much the white workers’ salaries influences the average salary across all racial groups and indicates that white workers for either category contribute largely to the total number of workers.  The fact they have annual average salaries above the total averages implies that white workers also make more than the average salary across both sex categories.</a:t>
+            </a:r>
           </a:p>
         </p:txBody>
       </p:sp>
       <p:sp>
         <p:nvSpPr>
-          <p:cNvPr id="15" name="Text Placeholder 4">
+          <p:cNvPr id="4" name="Text Placeholder 8">
             <a:extLst>
               <a:ext uri="{FF2B5EF4-FFF2-40B4-BE49-F238E27FC236}">
-                <a16:creationId xmlns:a16="http://schemas.microsoft.com/office/drawing/2014/main" id="{9B4B64A7-583B-459C-93F4-93F18A2E4511}"/>
+                <a16:creationId xmlns:a16="http://schemas.microsoft.com/office/drawing/2014/main" id="{A81D9167-31EB-4186-8585-EA2374B52010}"/>
               </a:ext>
             </a:extLst>
           </p:cNvPr>
@@ -8264,183 +7583,246 @@
         </p:nvSpPr>
         <p:spPr>
           <a:xfrm>
-            <a:off x="5737915" y="4833335"/>
-            <a:ext cx="6364822" cy="1439422"/>
+            <a:off x="5852720" y="260059"/>
+            <a:ext cx="4264404" cy="416750"/>
           </a:xfrm>
           <a:prstGeom prst="rect">
             <a:avLst/>
           </a:prstGeom>
         </p:spPr>
         <p:txBody>
-          <a:bodyPr vert="horz" lIns="91440" tIns="45720" rIns="91440" bIns="45720" rtlCol="0" anchor="t">
-            <a:normAutofit fontScale="77500" lnSpcReduction="20000"/>
-          </a:bodyPr>
+          <a:bodyPr/>
           <a:lstStyle>
-            <a:lvl1pPr marL="0" indent="0" algn="l" defTabSz="914400" rtl="0" eaLnBrk="1" latinLnBrk="0" hangingPunct="1">
+            <a:lvl1pPr marL="91440" indent="-91440" algn="l" defTabSz="914400" rtl="0" eaLnBrk="1" latinLnBrk="0" hangingPunct="1">
               <a:lnSpc>
                 <a:spcPct val="120000"/>
               </a:lnSpc>
               <a:spcBef>
-                <a:spcPts val="1000"/>
+                <a:spcPts val="1200"/>
               </a:spcBef>
-              <a:buSzPct val="125000"/>
-              <a:buFont typeface="Arial" panose="020B0604020202020204" pitchFamily="34" charset="0"/>
-              <a:buNone/>
-              <a:defRPr sz="1400" kern="1200">
-                <a:solidFill>
-                  <a:schemeClr val="tx1"/>
+              <a:spcAft>
+                <a:spcPts val="200"/>
+              </a:spcAft>
+              <a:buClr>
+                <a:schemeClr val="accent1"/>
+              </a:buClr>
+              <a:buSzPct val="100000"/>
+              <a:buFont typeface="Calibri" panose="020F0502020204030204" pitchFamily="34" charset="0"/>
+              <a:buChar char=" "/>
+              <a:defRPr sz="1800" kern="1200">
+                <a:solidFill>
+                  <a:schemeClr val="tx1">
+                    <a:lumMod val="75000"/>
+                    <a:lumOff val="25000"/>
+                  </a:schemeClr>
                 </a:solidFill>
                 <a:latin typeface="+mn-lt"/>
                 <a:ea typeface="+mn-ea"/>
                 <a:cs typeface="+mn-cs"/>
               </a:defRPr>
             </a:lvl1pPr>
-            <a:lvl2pPr marL="457200" indent="0" algn="l" defTabSz="914400" rtl="0" eaLnBrk="1" latinLnBrk="0" hangingPunct="1">
+            <a:lvl2pPr marL="384048" indent="-182880" algn="l" defTabSz="914400" rtl="0" eaLnBrk="1" latinLnBrk="0" hangingPunct="1">
               <a:lnSpc>
-                <a:spcPct val="120000"/>
+                <a:spcPct val="100000"/>
               </a:lnSpc>
               <a:spcBef>
-                <a:spcPts val="500"/>
+                <a:spcPts val="200"/>
               </a:spcBef>
-              <a:buSzPct val="125000"/>
-              <a:buFont typeface="Arial" panose="020B0604020202020204" pitchFamily="34" charset="0"/>
-              <a:buNone/>
-              <a:defRPr sz="1200" kern="1200">
-                <a:solidFill>
-                  <a:schemeClr val="tx1"/>
+              <a:spcAft>
+                <a:spcPts val="400"/>
+              </a:spcAft>
+              <a:buClrTx/>
+              <a:buFont typeface="Calibri" pitchFamily="34" charset="0"/>
+              <a:buChar char="◦"/>
+              <a:defRPr sz="1600" kern="1200">
+                <a:solidFill>
+                  <a:schemeClr val="tx1">
+                    <a:lumMod val="75000"/>
+                    <a:lumOff val="25000"/>
+                  </a:schemeClr>
                 </a:solidFill>
                 <a:latin typeface="+mn-lt"/>
                 <a:ea typeface="+mn-ea"/>
                 <a:cs typeface="+mn-cs"/>
               </a:defRPr>
             </a:lvl2pPr>
-            <a:lvl3pPr marL="914400" indent="0" algn="l" defTabSz="914400" rtl="0" eaLnBrk="1" latinLnBrk="0" hangingPunct="1">
+            <a:lvl3pPr marL="566928" indent="-182880" algn="l" defTabSz="914400" rtl="0" eaLnBrk="1" latinLnBrk="0" hangingPunct="1">
               <a:lnSpc>
-                <a:spcPct val="120000"/>
+                <a:spcPct val="100000"/>
               </a:lnSpc>
               <a:spcBef>
-                <a:spcPts val="500"/>
+                <a:spcPts val="200"/>
               </a:spcBef>
-              <a:buSzPct val="125000"/>
-              <a:buFont typeface="Arial" panose="020B0604020202020204" pitchFamily="34" charset="0"/>
-              <a:buNone/>
-              <a:defRPr sz="1000" kern="1200">
-                <a:solidFill>
-                  <a:schemeClr val="tx1"/>
+              <a:spcAft>
+                <a:spcPts val="400"/>
+              </a:spcAft>
+              <a:buClrTx/>
+              <a:buFont typeface="Calibri" pitchFamily="34" charset="0"/>
+              <a:buChar char="◦"/>
+              <a:defRPr sz="1200" kern="1200">
+                <a:solidFill>
+                  <a:schemeClr val="tx1">
+                    <a:lumMod val="75000"/>
+                    <a:lumOff val="25000"/>
+                  </a:schemeClr>
                 </a:solidFill>
                 <a:latin typeface="+mn-lt"/>
                 <a:ea typeface="+mn-ea"/>
                 <a:cs typeface="+mn-cs"/>
               </a:defRPr>
             </a:lvl3pPr>
-            <a:lvl4pPr marL="1371600" indent="0" algn="l" defTabSz="914400" rtl="0" eaLnBrk="1" latinLnBrk="0" hangingPunct="1">
+            <a:lvl4pPr marL="749808" indent="-182880" algn="l" defTabSz="914400" rtl="0" eaLnBrk="1" latinLnBrk="0" hangingPunct="1">
               <a:lnSpc>
-                <a:spcPct val="120000"/>
+                <a:spcPct val="100000"/>
               </a:lnSpc>
               <a:spcBef>
-                <a:spcPts val="500"/>
+                <a:spcPts val="200"/>
               </a:spcBef>
-              <a:buSzPct val="125000"/>
-              <a:buFont typeface="Arial" panose="020B0604020202020204" pitchFamily="34" charset="0"/>
-              <a:buNone/>
-              <a:defRPr sz="900" kern="1200">
-                <a:solidFill>
-                  <a:schemeClr val="tx1"/>
+              <a:spcAft>
+                <a:spcPts val="400"/>
+              </a:spcAft>
+              <a:buClrTx/>
+              <a:buFont typeface="Calibri" pitchFamily="34" charset="0"/>
+              <a:buChar char="◦"/>
+              <a:defRPr sz="1200" kern="1200">
+                <a:solidFill>
+                  <a:schemeClr val="tx1">
+                    <a:lumMod val="75000"/>
+                    <a:lumOff val="25000"/>
+                  </a:schemeClr>
                 </a:solidFill>
                 <a:latin typeface="+mn-lt"/>
                 <a:ea typeface="+mn-ea"/>
                 <a:cs typeface="+mn-cs"/>
               </a:defRPr>
             </a:lvl4pPr>
-            <a:lvl5pPr marL="1828800" indent="0" algn="l" defTabSz="914400" rtl="0" eaLnBrk="1" latinLnBrk="0" hangingPunct="1">
+            <a:lvl5pPr marL="932688" indent="-182880" algn="l" defTabSz="914400" rtl="0" eaLnBrk="1" latinLnBrk="0" hangingPunct="1">
               <a:lnSpc>
-                <a:spcPct val="120000"/>
+                <a:spcPct val="100000"/>
               </a:lnSpc>
               <a:spcBef>
-                <a:spcPts val="500"/>
+                <a:spcPts val="200"/>
               </a:spcBef>
-              <a:buSzPct val="125000"/>
-              <a:buFont typeface="Arial" panose="020B0604020202020204" pitchFamily="34" charset="0"/>
-              <a:buNone/>
-              <a:defRPr sz="900" kern="1200">
-                <a:solidFill>
-                  <a:schemeClr val="tx1"/>
+              <a:spcAft>
+                <a:spcPts val="400"/>
+              </a:spcAft>
+              <a:buClrTx/>
+              <a:buFont typeface="Calibri" pitchFamily="34" charset="0"/>
+              <a:buChar char="◦"/>
+              <a:defRPr sz="1200" kern="1200">
+                <a:solidFill>
+                  <a:schemeClr val="tx1">
+                    <a:lumMod val="75000"/>
+                    <a:lumOff val="25000"/>
+                  </a:schemeClr>
                 </a:solidFill>
                 <a:latin typeface="+mn-lt"/>
                 <a:ea typeface="+mn-ea"/>
                 <a:cs typeface="+mn-cs"/>
               </a:defRPr>
             </a:lvl5pPr>
-            <a:lvl6pPr marL="2286000" indent="0" algn="l" defTabSz="914400" rtl="0" eaLnBrk="1" latinLnBrk="0" hangingPunct="1">
+            <a:lvl6pPr marL="1100000" indent="-228600" algn="l" defTabSz="914400" rtl="0" eaLnBrk="1" latinLnBrk="0" hangingPunct="1">
               <a:lnSpc>
-                <a:spcPct val="120000"/>
+                <a:spcPct val="90000"/>
               </a:lnSpc>
               <a:spcBef>
-                <a:spcPts val="500"/>
+                <a:spcPts val="200"/>
               </a:spcBef>
-              <a:buSzPct val="125000"/>
-              <a:buFont typeface="Arial" panose="020B0604020202020204" pitchFamily="34" charset="0"/>
-              <a:buNone/>
-              <a:defRPr sz="900" kern="1200">
-                <a:solidFill>
-                  <a:schemeClr val="tx1"/>
+              <a:spcAft>
+                <a:spcPts val="400"/>
+              </a:spcAft>
+              <a:buClr>
+                <a:schemeClr val="accent1"/>
+              </a:buClr>
+              <a:buFont typeface="Calibri" pitchFamily="34" charset="0"/>
+              <a:buChar char="◦"/>
+              <a:defRPr sz="1400" kern="1200">
+                <a:solidFill>
+                  <a:schemeClr val="tx1">
+                    <a:lumMod val="75000"/>
+                    <a:lumOff val="25000"/>
+                  </a:schemeClr>
                 </a:solidFill>
                 <a:latin typeface="+mn-lt"/>
                 <a:ea typeface="+mn-ea"/>
                 <a:cs typeface="+mn-cs"/>
               </a:defRPr>
             </a:lvl6pPr>
-            <a:lvl7pPr marL="2743200" indent="0" algn="l" defTabSz="914400" rtl="0" eaLnBrk="1" latinLnBrk="0" hangingPunct="1">
+            <a:lvl7pPr marL="1300000" indent="-228600" algn="l" defTabSz="914400" rtl="0" eaLnBrk="1" latinLnBrk="0" hangingPunct="1">
               <a:lnSpc>
-                <a:spcPct val="120000"/>
+                <a:spcPct val="90000"/>
               </a:lnSpc>
               <a:spcBef>
-                <a:spcPts val="500"/>
+                <a:spcPts val="200"/>
               </a:spcBef>
-              <a:buSzPct val="125000"/>
-              <a:buFont typeface="Arial" panose="020B0604020202020204" pitchFamily="34" charset="0"/>
-              <a:buNone/>
-              <a:defRPr sz="900" kern="1200">
-                <a:solidFill>
-                  <a:schemeClr val="tx1"/>
+              <a:spcAft>
+                <a:spcPts val="400"/>
+              </a:spcAft>
+              <a:buClr>
+                <a:schemeClr val="accent1"/>
+              </a:buClr>
+              <a:buFont typeface="Calibri" pitchFamily="34" charset="0"/>
+              <a:buChar char="◦"/>
+              <a:defRPr sz="1400" kern="1200">
+                <a:solidFill>
+                  <a:schemeClr val="tx1">
+                    <a:lumMod val="75000"/>
+                    <a:lumOff val="25000"/>
+                  </a:schemeClr>
                 </a:solidFill>
                 <a:latin typeface="+mn-lt"/>
                 <a:ea typeface="+mn-ea"/>
                 <a:cs typeface="+mn-cs"/>
               </a:defRPr>
             </a:lvl7pPr>
-            <a:lvl8pPr marL="3200400" indent="0" algn="l" defTabSz="914400" rtl="0" eaLnBrk="1" latinLnBrk="0" hangingPunct="1">
+            <a:lvl8pPr marL="1500000" indent="-228600" algn="l" defTabSz="914400" rtl="0" eaLnBrk="1" latinLnBrk="0" hangingPunct="1">
               <a:lnSpc>
-                <a:spcPct val="120000"/>
+                <a:spcPct val="90000"/>
               </a:lnSpc>
               <a:spcBef>
-                <a:spcPts val="500"/>
+                <a:spcPts val="200"/>
               </a:spcBef>
-              <a:buSzPct val="125000"/>
-              <a:buFont typeface="Arial" panose="020B0604020202020204" pitchFamily="34" charset="0"/>
-              <a:buNone/>
-              <a:defRPr sz="900" kern="1200">
-                <a:solidFill>
-                  <a:schemeClr val="tx1"/>
+              <a:spcAft>
+                <a:spcPts val="400"/>
+              </a:spcAft>
+              <a:buClr>
+                <a:schemeClr val="accent1"/>
+              </a:buClr>
+              <a:buFont typeface="Calibri" pitchFamily="34" charset="0"/>
+              <a:buChar char="◦"/>
+              <a:defRPr sz="1400" kern="1200">
+                <a:solidFill>
+                  <a:schemeClr val="tx1">
+                    <a:lumMod val="75000"/>
+                    <a:lumOff val="25000"/>
+                  </a:schemeClr>
                 </a:solidFill>
                 <a:latin typeface="+mn-lt"/>
                 <a:ea typeface="+mn-ea"/>
                 <a:cs typeface="+mn-cs"/>
               </a:defRPr>
             </a:lvl8pPr>
-            <a:lvl9pPr marL="3657600" indent="0" algn="l" defTabSz="914400" rtl="0" eaLnBrk="1" latinLnBrk="0" hangingPunct="1">
+            <a:lvl9pPr marL="1700000" indent="-228600" algn="l" defTabSz="914400" rtl="0" eaLnBrk="1" latinLnBrk="0" hangingPunct="1">
               <a:lnSpc>
-                <a:spcPct val="120000"/>
+                <a:spcPct val="90000"/>
               </a:lnSpc>
               <a:spcBef>
-                <a:spcPts val="500"/>
+                <a:spcPts val="200"/>
               </a:spcBef>
-              <a:buSzPct val="125000"/>
-              <a:buFont typeface="Arial" panose="020B0604020202020204" pitchFamily="34" charset="0"/>
-              <a:buNone/>
-              <a:defRPr sz="900" kern="1200">
-                <a:solidFill>
-                  <a:schemeClr val="tx1"/>
+              <a:spcAft>
+                <a:spcPts val="400"/>
+              </a:spcAft>
+              <a:buClr>
+                <a:schemeClr val="accent1"/>
+              </a:buClr>
+              <a:buFont typeface="Calibri" pitchFamily="34" charset="0"/>
+              <a:buChar char="◦"/>
+              <a:defRPr sz="1400" kern="1200">
+                <a:solidFill>
+                  <a:schemeClr val="tx1">
+                    <a:lumMod val="75000"/>
+                    <a:lumOff val="25000"/>
+                  </a:schemeClr>
                 </a:solidFill>
                 <a:latin typeface="+mn-lt"/>
                 <a:ea typeface="+mn-ea"/>
@@ -8450,20 +7832,360 @@
           </a:lstStyle>
           <a:p>
             <a:r>
-              <a:rPr lang="en-US" dirty="0">
+              <a:rPr lang="en-US" b="1" dirty="0">
                 <a:solidFill>
                   <a:schemeClr val="bg1"/>
                 </a:solidFill>
               </a:rPr>
-              <a:t>The two most noteworthy portions of the chart comparing annual average wages between the sexes are the periods of 1979-1995 and 1995-2018.  In the chronologically first period of time, there was a drop in the male annual average salary and a rise in the female salary.  This could reflect a rise of the female presence in the workforce that drives the medians of each category closer to the median between the two during this time.  The second time period shows a mirror-like relationship between the two sexes’ average salaries.  This indicates that both categories had similar reactions to market trends.  It also indicates that the differences in the average salaries between the two sexes did not change as significantly as they did in the first time period.</a:t>
+              <a:t>NON-WHITE WORKER TRENDS</a:t>
             </a:r>
           </a:p>
         </p:txBody>
       </p:sp>
+      <p:sp>
+        <p:nvSpPr>
+          <p:cNvPr id="5" name="Text Placeholder 10">
+            <a:extLst>
+              <a:ext uri="{FF2B5EF4-FFF2-40B4-BE49-F238E27FC236}">
+                <a16:creationId xmlns:a16="http://schemas.microsoft.com/office/drawing/2014/main" id="{6EAE60CB-8EC0-438F-B2DF-75BE223E669F}"/>
+              </a:ext>
+            </a:extLst>
+          </p:cNvPr>
+          <p:cNvSpPr txBox="1">
+            <a:spLocks/>
+          </p:cNvSpPr>
+          <p:nvPr/>
+        </p:nvSpPr>
+        <p:spPr>
+          <a:xfrm>
+            <a:off x="6096000" y="676809"/>
+            <a:ext cx="5837169" cy="2364066"/>
+          </a:xfrm>
+          <a:prstGeom prst="rect">
+            <a:avLst/>
+          </a:prstGeom>
+        </p:spPr>
+        <p:txBody>
+          <a:bodyPr>
+            <a:normAutofit fontScale="85000" lnSpcReduction="10000"/>
+          </a:bodyPr>
+          <a:lstStyle>
+            <a:lvl1pPr marL="91440" indent="-91440" algn="l" defTabSz="914400" rtl="0" eaLnBrk="1" latinLnBrk="0" hangingPunct="1">
+              <a:lnSpc>
+                <a:spcPct val="120000"/>
+              </a:lnSpc>
+              <a:spcBef>
+                <a:spcPts val="1200"/>
+              </a:spcBef>
+              <a:spcAft>
+                <a:spcPts val="200"/>
+              </a:spcAft>
+              <a:buClr>
+                <a:schemeClr val="accent1"/>
+              </a:buClr>
+              <a:buSzPct val="100000"/>
+              <a:buFont typeface="Calibri" panose="020F0502020204030204" pitchFamily="34" charset="0"/>
+              <a:buChar char=" "/>
+              <a:defRPr sz="1800" kern="1200">
+                <a:solidFill>
+                  <a:schemeClr val="tx1">
+                    <a:lumMod val="75000"/>
+                    <a:lumOff val="25000"/>
+                  </a:schemeClr>
+                </a:solidFill>
+                <a:latin typeface="+mn-lt"/>
+                <a:ea typeface="+mn-ea"/>
+                <a:cs typeface="+mn-cs"/>
+              </a:defRPr>
+            </a:lvl1pPr>
+            <a:lvl2pPr marL="384048" indent="-182880" algn="l" defTabSz="914400" rtl="0" eaLnBrk="1" latinLnBrk="0" hangingPunct="1">
+              <a:lnSpc>
+                <a:spcPct val="100000"/>
+              </a:lnSpc>
+              <a:spcBef>
+                <a:spcPts val="200"/>
+              </a:spcBef>
+              <a:spcAft>
+                <a:spcPts val="400"/>
+              </a:spcAft>
+              <a:buClrTx/>
+              <a:buFont typeface="Calibri" pitchFamily="34" charset="0"/>
+              <a:buChar char="◦"/>
+              <a:defRPr sz="1600" kern="1200">
+                <a:solidFill>
+                  <a:schemeClr val="tx1">
+                    <a:lumMod val="75000"/>
+                    <a:lumOff val="25000"/>
+                  </a:schemeClr>
+                </a:solidFill>
+                <a:latin typeface="+mn-lt"/>
+                <a:ea typeface="+mn-ea"/>
+                <a:cs typeface="+mn-cs"/>
+              </a:defRPr>
+            </a:lvl2pPr>
+            <a:lvl3pPr marL="566928" indent="-182880" algn="l" defTabSz="914400" rtl="0" eaLnBrk="1" latinLnBrk="0" hangingPunct="1">
+              <a:lnSpc>
+                <a:spcPct val="100000"/>
+              </a:lnSpc>
+              <a:spcBef>
+                <a:spcPts val="200"/>
+              </a:spcBef>
+              <a:spcAft>
+                <a:spcPts val="400"/>
+              </a:spcAft>
+              <a:buClrTx/>
+              <a:buFont typeface="Calibri" pitchFamily="34" charset="0"/>
+              <a:buChar char="◦"/>
+              <a:defRPr sz="1200" kern="1200">
+                <a:solidFill>
+                  <a:schemeClr val="tx1">
+                    <a:lumMod val="75000"/>
+                    <a:lumOff val="25000"/>
+                  </a:schemeClr>
+                </a:solidFill>
+                <a:latin typeface="+mn-lt"/>
+                <a:ea typeface="+mn-ea"/>
+                <a:cs typeface="+mn-cs"/>
+              </a:defRPr>
+            </a:lvl3pPr>
+            <a:lvl4pPr marL="749808" indent="-182880" algn="l" defTabSz="914400" rtl="0" eaLnBrk="1" latinLnBrk="0" hangingPunct="1">
+              <a:lnSpc>
+                <a:spcPct val="100000"/>
+              </a:lnSpc>
+              <a:spcBef>
+                <a:spcPts val="200"/>
+              </a:spcBef>
+              <a:spcAft>
+                <a:spcPts val="400"/>
+              </a:spcAft>
+              <a:buClrTx/>
+              <a:buFont typeface="Calibri" pitchFamily="34" charset="0"/>
+              <a:buChar char="◦"/>
+              <a:defRPr sz="1200" kern="1200">
+                <a:solidFill>
+                  <a:schemeClr val="tx1">
+                    <a:lumMod val="75000"/>
+                    <a:lumOff val="25000"/>
+                  </a:schemeClr>
+                </a:solidFill>
+                <a:latin typeface="+mn-lt"/>
+                <a:ea typeface="+mn-ea"/>
+                <a:cs typeface="+mn-cs"/>
+              </a:defRPr>
+            </a:lvl4pPr>
+            <a:lvl5pPr marL="932688" indent="-182880" algn="l" defTabSz="914400" rtl="0" eaLnBrk="1" latinLnBrk="0" hangingPunct="1">
+              <a:lnSpc>
+                <a:spcPct val="100000"/>
+              </a:lnSpc>
+              <a:spcBef>
+                <a:spcPts val="200"/>
+              </a:spcBef>
+              <a:spcAft>
+                <a:spcPts val="400"/>
+              </a:spcAft>
+              <a:buClrTx/>
+              <a:buFont typeface="Calibri" pitchFamily="34" charset="0"/>
+              <a:buChar char="◦"/>
+              <a:defRPr sz="1200" kern="1200">
+                <a:solidFill>
+                  <a:schemeClr val="tx1">
+                    <a:lumMod val="75000"/>
+                    <a:lumOff val="25000"/>
+                  </a:schemeClr>
+                </a:solidFill>
+                <a:latin typeface="+mn-lt"/>
+                <a:ea typeface="+mn-ea"/>
+                <a:cs typeface="+mn-cs"/>
+              </a:defRPr>
+            </a:lvl5pPr>
+            <a:lvl6pPr marL="1100000" indent="-228600" algn="l" defTabSz="914400" rtl="0" eaLnBrk="1" latinLnBrk="0" hangingPunct="1">
+              <a:lnSpc>
+                <a:spcPct val="90000"/>
+              </a:lnSpc>
+              <a:spcBef>
+                <a:spcPts val="200"/>
+              </a:spcBef>
+              <a:spcAft>
+                <a:spcPts val="400"/>
+              </a:spcAft>
+              <a:buClr>
+                <a:schemeClr val="accent1"/>
+              </a:buClr>
+              <a:buFont typeface="Calibri" pitchFamily="34" charset="0"/>
+              <a:buChar char="◦"/>
+              <a:defRPr sz="1400" kern="1200">
+                <a:solidFill>
+                  <a:schemeClr val="tx1">
+                    <a:lumMod val="75000"/>
+                    <a:lumOff val="25000"/>
+                  </a:schemeClr>
+                </a:solidFill>
+                <a:latin typeface="+mn-lt"/>
+                <a:ea typeface="+mn-ea"/>
+                <a:cs typeface="+mn-cs"/>
+              </a:defRPr>
+            </a:lvl6pPr>
+            <a:lvl7pPr marL="1300000" indent="-228600" algn="l" defTabSz="914400" rtl="0" eaLnBrk="1" latinLnBrk="0" hangingPunct="1">
+              <a:lnSpc>
+                <a:spcPct val="90000"/>
+              </a:lnSpc>
+              <a:spcBef>
+                <a:spcPts val="200"/>
+              </a:spcBef>
+              <a:spcAft>
+                <a:spcPts val="400"/>
+              </a:spcAft>
+              <a:buClr>
+                <a:schemeClr val="accent1"/>
+              </a:buClr>
+              <a:buFont typeface="Calibri" pitchFamily="34" charset="0"/>
+              <a:buChar char="◦"/>
+              <a:defRPr sz="1400" kern="1200">
+                <a:solidFill>
+                  <a:schemeClr val="tx1">
+                    <a:lumMod val="75000"/>
+                    <a:lumOff val="25000"/>
+                  </a:schemeClr>
+                </a:solidFill>
+                <a:latin typeface="+mn-lt"/>
+                <a:ea typeface="+mn-ea"/>
+                <a:cs typeface="+mn-cs"/>
+              </a:defRPr>
+            </a:lvl7pPr>
+            <a:lvl8pPr marL="1500000" indent="-228600" algn="l" defTabSz="914400" rtl="0" eaLnBrk="1" latinLnBrk="0" hangingPunct="1">
+              <a:lnSpc>
+                <a:spcPct val="90000"/>
+              </a:lnSpc>
+              <a:spcBef>
+                <a:spcPts val="200"/>
+              </a:spcBef>
+              <a:spcAft>
+                <a:spcPts val="400"/>
+              </a:spcAft>
+              <a:buClr>
+                <a:schemeClr val="accent1"/>
+              </a:buClr>
+              <a:buFont typeface="Calibri" pitchFamily="34" charset="0"/>
+              <a:buChar char="◦"/>
+              <a:defRPr sz="1400" kern="1200">
+                <a:solidFill>
+                  <a:schemeClr val="tx1">
+                    <a:lumMod val="75000"/>
+                    <a:lumOff val="25000"/>
+                  </a:schemeClr>
+                </a:solidFill>
+                <a:latin typeface="+mn-lt"/>
+                <a:ea typeface="+mn-ea"/>
+                <a:cs typeface="+mn-cs"/>
+              </a:defRPr>
+            </a:lvl8pPr>
+            <a:lvl9pPr marL="1700000" indent="-228600" algn="l" defTabSz="914400" rtl="0" eaLnBrk="1" latinLnBrk="0" hangingPunct="1">
+              <a:lnSpc>
+                <a:spcPct val="90000"/>
+              </a:lnSpc>
+              <a:spcBef>
+                <a:spcPts val="200"/>
+              </a:spcBef>
+              <a:spcAft>
+                <a:spcPts val="400"/>
+              </a:spcAft>
+              <a:buClr>
+                <a:schemeClr val="accent1"/>
+              </a:buClr>
+              <a:buFont typeface="Calibri" pitchFamily="34" charset="0"/>
+              <a:buChar char="◦"/>
+              <a:defRPr sz="1400" kern="1200">
+                <a:solidFill>
+                  <a:schemeClr val="tx1">
+                    <a:lumMod val="75000"/>
+                    <a:lumOff val="25000"/>
+                  </a:schemeClr>
+                </a:solidFill>
+                <a:latin typeface="+mn-lt"/>
+                <a:ea typeface="+mn-ea"/>
+                <a:cs typeface="+mn-cs"/>
+              </a:defRPr>
+            </a:lvl9pPr>
+          </a:lstStyle>
+          <a:p>
+            <a:r>
+              <a:rPr lang="en-US">
+                <a:solidFill>
+                  <a:schemeClr val="bg1"/>
+                </a:solidFill>
+              </a:rPr>
+              <a:t>Black and Hispanic workers are consistently beneath the median salary for each of their sex categories between 1979 and 2018.  While not tabulated until 2000, Asian men consistently had a median salary above the median salaries across all racial categories.  Asian women worker’s median salaries tended around the average white female worker’s median salaries with visible spikes either above (2017) or below (2002) the average salary for white female workers.</a:t>
+            </a:r>
+            <a:endParaRPr lang="en-US" dirty="0">
+              <a:solidFill>
+                <a:schemeClr val="bg1"/>
+              </a:solidFill>
+            </a:endParaRPr>
+          </a:p>
+        </p:txBody>
+      </p:sp>
+      <p:pic>
+        <p:nvPicPr>
+          <p:cNvPr id="6" name="Content Placeholder 5">
+            <a:extLst>
+              <a:ext uri="{FF2B5EF4-FFF2-40B4-BE49-F238E27FC236}">
+                <a16:creationId xmlns:a16="http://schemas.microsoft.com/office/drawing/2014/main" id="{31C99331-1B17-440D-8D6A-DAC06E069D88}"/>
+              </a:ext>
+            </a:extLst>
+          </p:cNvPr>
+          <p:cNvPicPr>
+            <a:picLocks noChangeAspect="1"/>
+          </p:cNvPicPr>
+          <p:nvPr/>
+        </p:nvPicPr>
+        <p:blipFill>
+          <a:blip r:embed="rId2"/>
+          <a:srcRect/>
+          <a:stretch/>
+        </p:blipFill>
+        <p:spPr>
+          <a:xfrm>
+            <a:off x="247083" y="131068"/>
+            <a:ext cx="5222539" cy="3481693"/>
+          </a:xfrm>
+          <a:prstGeom prst="rect">
+            <a:avLst/>
+          </a:prstGeom>
+        </p:spPr>
+      </p:pic>
+      <p:pic>
+        <p:nvPicPr>
+          <p:cNvPr id="7" name="Content Placeholder 5">
+            <a:extLst>
+              <a:ext uri="{FF2B5EF4-FFF2-40B4-BE49-F238E27FC236}">
+                <a16:creationId xmlns:a16="http://schemas.microsoft.com/office/drawing/2014/main" id="{39CE96E3-9F2A-4F01-95C7-2EFF8FA4754C}"/>
+              </a:ext>
+            </a:extLst>
+          </p:cNvPr>
+          <p:cNvPicPr>
+            <a:picLocks noChangeAspect="1"/>
+          </p:cNvPicPr>
+          <p:nvPr/>
+        </p:nvPicPr>
+        <p:blipFill>
+          <a:blip r:embed="rId3"/>
+          <a:srcRect/>
+          <a:stretch/>
+        </p:blipFill>
+        <p:spPr>
+          <a:xfrm>
+            <a:off x="6096000" y="2753339"/>
+            <a:ext cx="5304639" cy="3536425"/>
+          </a:xfrm>
+          <a:prstGeom prst="rect">
+            <a:avLst/>
+          </a:prstGeom>
+        </p:spPr>
+      </p:pic>
     </p:spTree>
     <p:extLst>
       <p:ext uri="{BB962C8B-B14F-4D97-AF65-F5344CB8AC3E}">
-        <p14:creationId xmlns:p14="http://schemas.microsoft.com/office/powerpoint/2010/main" val="1224019296"/>
+        <p14:creationId xmlns:p14="http://schemas.microsoft.com/office/powerpoint/2010/main" val="517496017"/>
       </p:ext>
     </p:extLst>
   </p:cSld>
@@ -8498,6 +8220,1109 @@
           <a:chExt cx="0" cy="0"/>
         </a:xfrm>
       </p:grpSpPr>
+      <p:sp>
+        <p:nvSpPr>
+          <p:cNvPr id="2" name="Text Placeholder 2">
+            <a:extLst>
+              <a:ext uri="{FF2B5EF4-FFF2-40B4-BE49-F238E27FC236}">
+                <a16:creationId xmlns:a16="http://schemas.microsoft.com/office/drawing/2014/main" id="{08790C71-BFAF-451F-8252-DB7EEED2C0E8}"/>
+              </a:ext>
+            </a:extLst>
+          </p:cNvPr>
+          <p:cNvSpPr txBox="1">
+            <a:spLocks/>
+          </p:cNvSpPr>
+          <p:nvPr/>
+        </p:nvSpPr>
+        <p:spPr>
+          <a:xfrm>
+            <a:off x="122599" y="57170"/>
+            <a:ext cx="4501243" cy="823912"/>
+          </a:xfrm>
+          <a:prstGeom prst="rect">
+            <a:avLst/>
+          </a:prstGeom>
+        </p:spPr>
+        <p:txBody>
+          <a:bodyPr/>
+          <a:lstStyle>
+            <a:lvl1pPr marL="91440" indent="-91440" algn="l" defTabSz="914400" rtl="0" eaLnBrk="1" latinLnBrk="0" hangingPunct="1">
+              <a:lnSpc>
+                <a:spcPct val="120000"/>
+              </a:lnSpc>
+              <a:spcBef>
+                <a:spcPts val="1200"/>
+              </a:spcBef>
+              <a:spcAft>
+                <a:spcPts val="200"/>
+              </a:spcAft>
+              <a:buClr>
+                <a:schemeClr val="accent1"/>
+              </a:buClr>
+              <a:buSzPct val="100000"/>
+              <a:buFont typeface="Calibri" panose="020F0502020204030204" pitchFamily="34" charset="0"/>
+              <a:buChar char=" "/>
+              <a:defRPr sz="1800" kern="1200">
+                <a:solidFill>
+                  <a:schemeClr val="tx1">
+                    <a:lumMod val="75000"/>
+                    <a:lumOff val="25000"/>
+                  </a:schemeClr>
+                </a:solidFill>
+                <a:latin typeface="+mn-lt"/>
+                <a:ea typeface="+mn-ea"/>
+                <a:cs typeface="+mn-cs"/>
+              </a:defRPr>
+            </a:lvl1pPr>
+            <a:lvl2pPr marL="384048" indent="-182880" algn="l" defTabSz="914400" rtl="0" eaLnBrk="1" latinLnBrk="0" hangingPunct="1">
+              <a:lnSpc>
+                <a:spcPct val="100000"/>
+              </a:lnSpc>
+              <a:spcBef>
+                <a:spcPts val="200"/>
+              </a:spcBef>
+              <a:spcAft>
+                <a:spcPts val="400"/>
+              </a:spcAft>
+              <a:buClrTx/>
+              <a:buFont typeface="Calibri" pitchFamily="34" charset="0"/>
+              <a:buChar char="◦"/>
+              <a:defRPr sz="1600" kern="1200">
+                <a:solidFill>
+                  <a:schemeClr val="tx1">
+                    <a:lumMod val="75000"/>
+                    <a:lumOff val="25000"/>
+                  </a:schemeClr>
+                </a:solidFill>
+                <a:latin typeface="+mn-lt"/>
+                <a:ea typeface="+mn-ea"/>
+                <a:cs typeface="+mn-cs"/>
+              </a:defRPr>
+            </a:lvl2pPr>
+            <a:lvl3pPr marL="566928" indent="-182880" algn="l" defTabSz="914400" rtl="0" eaLnBrk="1" latinLnBrk="0" hangingPunct="1">
+              <a:lnSpc>
+                <a:spcPct val="100000"/>
+              </a:lnSpc>
+              <a:spcBef>
+                <a:spcPts val="200"/>
+              </a:spcBef>
+              <a:spcAft>
+                <a:spcPts val="400"/>
+              </a:spcAft>
+              <a:buClrTx/>
+              <a:buFont typeface="Calibri" pitchFamily="34" charset="0"/>
+              <a:buChar char="◦"/>
+              <a:defRPr sz="1200" kern="1200">
+                <a:solidFill>
+                  <a:schemeClr val="tx1">
+                    <a:lumMod val="75000"/>
+                    <a:lumOff val="25000"/>
+                  </a:schemeClr>
+                </a:solidFill>
+                <a:latin typeface="+mn-lt"/>
+                <a:ea typeface="+mn-ea"/>
+                <a:cs typeface="+mn-cs"/>
+              </a:defRPr>
+            </a:lvl3pPr>
+            <a:lvl4pPr marL="749808" indent="-182880" algn="l" defTabSz="914400" rtl="0" eaLnBrk="1" latinLnBrk="0" hangingPunct="1">
+              <a:lnSpc>
+                <a:spcPct val="100000"/>
+              </a:lnSpc>
+              <a:spcBef>
+                <a:spcPts val="200"/>
+              </a:spcBef>
+              <a:spcAft>
+                <a:spcPts val="400"/>
+              </a:spcAft>
+              <a:buClrTx/>
+              <a:buFont typeface="Calibri" pitchFamily="34" charset="0"/>
+              <a:buChar char="◦"/>
+              <a:defRPr sz="1200" kern="1200">
+                <a:solidFill>
+                  <a:schemeClr val="tx1">
+                    <a:lumMod val="75000"/>
+                    <a:lumOff val="25000"/>
+                  </a:schemeClr>
+                </a:solidFill>
+                <a:latin typeface="+mn-lt"/>
+                <a:ea typeface="+mn-ea"/>
+                <a:cs typeface="+mn-cs"/>
+              </a:defRPr>
+            </a:lvl4pPr>
+            <a:lvl5pPr marL="932688" indent="-182880" algn="l" defTabSz="914400" rtl="0" eaLnBrk="1" latinLnBrk="0" hangingPunct="1">
+              <a:lnSpc>
+                <a:spcPct val="100000"/>
+              </a:lnSpc>
+              <a:spcBef>
+                <a:spcPts val="200"/>
+              </a:spcBef>
+              <a:spcAft>
+                <a:spcPts val="400"/>
+              </a:spcAft>
+              <a:buClrTx/>
+              <a:buFont typeface="Calibri" pitchFamily="34" charset="0"/>
+              <a:buChar char="◦"/>
+              <a:defRPr sz="1200" kern="1200">
+                <a:solidFill>
+                  <a:schemeClr val="tx1">
+                    <a:lumMod val="75000"/>
+                    <a:lumOff val="25000"/>
+                  </a:schemeClr>
+                </a:solidFill>
+                <a:latin typeface="+mn-lt"/>
+                <a:ea typeface="+mn-ea"/>
+                <a:cs typeface="+mn-cs"/>
+              </a:defRPr>
+            </a:lvl5pPr>
+            <a:lvl6pPr marL="1100000" indent="-228600" algn="l" defTabSz="914400" rtl="0" eaLnBrk="1" latinLnBrk="0" hangingPunct="1">
+              <a:lnSpc>
+                <a:spcPct val="90000"/>
+              </a:lnSpc>
+              <a:spcBef>
+                <a:spcPts val="200"/>
+              </a:spcBef>
+              <a:spcAft>
+                <a:spcPts val="400"/>
+              </a:spcAft>
+              <a:buClr>
+                <a:schemeClr val="accent1"/>
+              </a:buClr>
+              <a:buFont typeface="Calibri" pitchFamily="34" charset="0"/>
+              <a:buChar char="◦"/>
+              <a:defRPr sz="1400" kern="1200">
+                <a:solidFill>
+                  <a:schemeClr val="tx1">
+                    <a:lumMod val="75000"/>
+                    <a:lumOff val="25000"/>
+                  </a:schemeClr>
+                </a:solidFill>
+                <a:latin typeface="+mn-lt"/>
+                <a:ea typeface="+mn-ea"/>
+                <a:cs typeface="+mn-cs"/>
+              </a:defRPr>
+            </a:lvl6pPr>
+            <a:lvl7pPr marL="1300000" indent="-228600" algn="l" defTabSz="914400" rtl="0" eaLnBrk="1" latinLnBrk="0" hangingPunct="1">
+              <a:lnSpc>
+                <a:spcPct val="90000"/>
+              </a:lnSpc>
+              <a:spcBef>
+                <a:spcPts val="200"/>
+              </a:spcBef>
+              <a:spcAft>
+                <a:spcPts val="400"/>
+              </a:spcAft>
+              <a:buClr>
+                <a:schemeClr val="accent1"/>
+              </a:buClr>
+              <a:buFont typeface="Calibri" pitchFamily="34" charset="0"/>
+              <a:buChar char="◦"/>
+              <a:defRPr sz="1400" kern="1200">
+                <a:solidFill>
+                  <a:schemeClr val="tx1">
+                    <a:lumMod val="75000"/>
+                    <a:lumOff val="25000"/>
+                  </a:schemeClr>
+                </a:solidFill>
+                <a:latin typeface="+mn-lt"/>
+                <a:ea typeface="+mn-ea"/>
+                <a:cs typeface="+mn-cs"/>
+              </a:defRPr>
+            </a:lvl7pPr>
+            <a:lvl8pPr marL="1500000" indent="-228600" algn="l" defTabSz="914400" rtl="0" eaLnBrk="1" latinLnBrk="0" hangingPunct="1">
+              <a:lnSpc>
+                <a:spcPct val="90000"/>
+              </a:lnSpc>
+              <a:spcBef>
+                <a:spcPts val="200"/>
+              </a:spcBef>
+              <a:spcAft>
+                <a:spcPts val="400"/>
+              </a:spcAft>
+              <a:buClr>
+                <a:schemeClr val="accent1"/>
+              </a:buClr>
+              <a:buFont typeface="Calibri" pitchFamily="34" charset="0"/>
+              <a:buChar char="◦"/>
+              <a:defRPr sz="1400" kern="1200">
+                <a:solidFill>
+                  <a:schemeClr val="tx1">
+                    <a:lumMod val="75000"/>
+                    <a:lumOff val="25000"/>
+                  </a:schemeClr>
+                </a:solidFill>
+                <a:latin typeface="+mn-lt"/>
+                <a:ea typeface="+mn-ea"/>
+                <a:cs typeface="+mn-cs"/>
+              </a:defRPr>
+            </a:lvl8pPr>
+            <a:lvl9pPr marL="1700000" indent="-228600" algn="l" defTabSz="914400" rtl="0" eaLnBrk="1" latinLnBrk="0" hangingPunct="1">
+              <a:lnSpc>
+                <a:spcPct val="90000"/>
+              </a:lnSpc>
+              <a:spcBef>
+                <a:spcPts val="200"/>
+              </a:spcBef>
+              <a:spcAft>
+                <a:spcPts val="400"/>
+              </a:spcAft>
+              <a:buClr>
+                <a:schemeClr val="accent1"/>
+              </a:buClr>
+              <a:buFont typeface="Calibri" pitchFamily="34" charset="0"/>
+              <a:buChar char="◦"/>
+              <a:defRPr sz="1400" kern="1200">
+                <a:solidFill>
+                  <a:schemeClr val="tx1">
+                    <a:lumMod val="75000"/>
+                    <a:lumOff val="25000"/>
+                  </a:schemeClr>
+                </a:solidFill>
+                <a:latin typeface="+mn-lt"/>
+                <a:ea typeface="+mn-ea"/>
+                <a:cs typeface="+mn-cs"/>
+              </a:defRPr>
+            </a:lvl9pPr>
+          </a:lstStyle>
+          <a:p>
+            <a:r>
+              <a:rPr lang="en-US" b="1" dirty="0">
+                <a:solidFill>
+                  <a:schemeClr val="bg1"/>
+                </a:solidFill>
+              </a:rPr>
+              <a:t>HOW RACE AFFECTS WORKERS’ WAGES (BOTH SEXES)</a:t>
+            </a:r>
+          </a:p>
+        </p:txBody>
+      </p:sp>
+      <p:pic>
+        <p:nvPicPr>
+          <p:cNvPr id="3" name="Content Placeholder 7">
+            <a:extLst>
+              <a:ext uri="{FF2B5EF4-FFF2-40B4-BE49-F238E27FC236}">
+                <a16:creationId xmlns:a16="http://schemas.microsoft.com/office/drawing/2014/main" id="{89AB755C-67B4-478E-B86C-4BCECB3429E7}"/>
+              </a:ext>
+            </a:extLst>
+          </p:cNvPr>
+          <p:cNvPicPr>
+            <a:picLocks noChangeAspect="1"/>
+          </p:cNvPicPr>
+          <p:nvPr/>
+        </p:nvPicPr>
+        <p:blipFill>
+          <a:blip r:embed="rId2"/>
+          <a:stretch>
+            <a:fillRect/>
+          </a:stretch>
+        </p:blipFill>
+        <p:spPr>
+          <a:xfrm>
+            <a:off x="281990" y="3071548"/>
+            <a:ext cx="4975990" cy="3317326"/>
+          </a:xfrm>
+          <a:prstGeom prst="rect">
+            <a:avLst/>
+          </a:prstGeom>
+        </p:spPr>
+      </p:pic>
+      <p:sp>
+        <p:nvSpPr>
+          <p:cNvPr id="4" name="Text Placeholder 4">
+            <a:extLst>
+              <a:ext uri="{FF2B5EF4-FFF2-40B4-BE49-F238E27FC236}">
+                <a16:creationId xmlns:a16="http://schemas.microsoft.com/office/drawing/2014/main" id="{37EAEBEE-06A4-4A1B-8C9D-F6F784E0CDBD}"/>
+              </a:ext>
+            </a:extLst>
+          </p:cNvPr>
+          <p:cNvSpPr txBox="1">
+            <a:spLocks/>
+          </p:cNvSpPr>
+          <p:nvPr/>
+        </p:nvSpPr>
+        <p:spPr>
+          <a:xfrm>
+            <a:off x="5570134" y="4099395"/>
+            <a:ext cx="5964367" cy="823912"/>
+          </a:xfrm>
+          <a:prstGeom prst="rect">
+            <a:avLst/>
+          </a:prstGeom>
+        </p:spPr>
+        <p:txBody>
+          <a:bodyPr/>
+          <a:lstStyle>
+            <a:lvl1pPr marL="91440" indent="-91440" algn="l" defTabSz="914400" rtl="0" eaLnBrk="1" latinLnBrk="0" hangingPunct="1">
+              <a:lnSpc>
+                <a:spcPct val="120000"/>
+              </a:lnSpc>
+              <a:spcBef>
+                <a:spcPts val="1200"/>
+              </a:spcBef>
+              <a:spcAft>
+                <a:spcPts val="200"/>
+              </a:spcAft>
+              <a:buClr>
+                <a:schemeClr val="accent1"/>
+              </a:buClr>
+              <a:buSzPct val="100000"/>
+              <a:buFont typeface="Calibri" panose="020F0502020204030204" pitchFamily="34" charset="0"/>
+              <a:buChar char=" "/>
+              <a:defRPr sz="1800" kern="1200">
+                <a:solidFill>
+                  <a:schemeClr val="tx1">
+                    <a:lumMod val="75000"/>
+                    <a:lumOff val="25000"/>
+                  </a:schemeClr>
+                </a:solidFill>
+                <a:latin typeface="+mn-lt"/>
+                <a:ea typeface="+mn-ea"/>
+                <a:cs typeface="+mn-cs"/>
+              </a:defRPr>
+            </a:lvl1pPr>
+            <a:lvl2pPr marL="384048" indent="-182880" algn="l" defTabSz="914400" rtl="0" eaLnBrk="1" latinLnBrk="0" hangingPunct="1">
+              <a:lnSpc>
+                <a:spcPct val="100000"/>
+              </a:lnSpc>
+              <a:spcBef>
+                <a:spcPts val="200"/>
+              </a:spcBef>
+              <a:spcAft>
+                <a:spcPts val="400"/>
+              </a:spcAft>
+              <a:buClrTx/>
+              <a:buFont typeface="Calibri" pitchFamily="34" charset="0"/>
+              <a:buChar char="◦"/>
+              <a:defRPr sz="1600" kern="1200">
+                <a:solidFill>
+                  <a:schemeClr val="tx1">
+                    <a:lumMod val="75000"/>
+                    <a:lumOff val="25000"/>
+                  </a:schemeClr>
+                </a:solidFill>
+                <a:latin typeface="+mn-lt"/>
+                <a:ea typeface="+mn-ea"/>
+                <a:cs typeface="+mn-cs"/>
+              </a:defRPr>
+            </a:lvl2pPr>
+            <a:lvl3pPr marL="566928" indent="-182880" algn="l" defTabSz="914400" rtl="0" eaLnBrk="1" latinLnBrk="0" hangingPunct="1">
+              <a:lnSpc>
+                <a:spcPct val="100000"/>
+              </a:lnSpc>
+              <a:spcBef>
+                <a:spcPts val="200"/>
+              </a:spcBef>
+              <a:spcAft>
+                <a:spcPts val="400"/>
+              </a:spcAft>
+              <a:buClrTx/>
+              <a:buFont typeface="Calibri" pitchFamily="34" charset="0"/>
+              <a:buChar char="◦"/>
+              <a:defRPr sz="1200" kern="1200">
+                <a:solidFill>
+                  <a:schemeClr val="tx1">
+                    <a:lumMod val="75000"/>
+                    <a:lumOff val="25000"/>
+                  </a:schemeClr>
+                </a:solidFill>
+                <a:latin typeface="+mn-lt"/>
+                <a:ea typeface="+mn-ea"/>
+                <a:cs typeface="+mn-cs"/>
+              </a:defRPr>
+            </a:lvl3pPr>
+            <a:lvl4pPr marL="749808" indent="-182880" algn="l" defTabSz="914400" rtl="0" eaLnBrk="1" latinLnBrk="0" hangingPunct="1">
+              <a:lnSpc>
+                <a:spcPct val="100000"/>
+              </a:lnSpc>
+              <a:spcBef>
+                <a:spcPts val="200"/>
+              </a:spcBef>
+              <a:spcAft>
+                <a:spcPts val="400"/>
+              </a:spcAft>
+              <a:buClrTx/>
+              <a:buFont typeface="Calibri" pitchFamily="34" charset="0"/>
+              <a:buChar char="◦"/>
+              <a:defRPr sz="1200" kern="1200">
+                <a:solidFill>
+                  <a:schemeClr val="tx1">
+                    <a:lumMod val="75000"/>
+                    <a:lumOff val="25000"/>
+                  </a:schemeClr>
+                </a:solidFill>
+                <a:latin typeface="+mn-lt"/>
+                <a:ea typeface="+mn-ea"/>
+                <a:cs typeface="+mn-cs"/>
+              </a:defRPr>
+            </a:lvl4pPr>
+            <a:lvl5pPr marL="932688" indent="-182880" algn="l" defTabSz="914400" rtl="0" eaLnBrk="1" latinLnBrk="0" hangingPunct="1">
+              <a:lnSpc>
+                <a:spcPct val="100000"/>
+              </a:lnSpc>
+              <a:spcBef>
+                <a:spcPts val="200"/>
+              </a:spcBef>
+              <a:spcAft>
+                <a:spcPts val="400"/>
+              </a:spcAft>
+              <a:buClrTx/>
+              <a:buFont typeface="Calibri" pitchFamily="34" charset="0"/>
+              <a:buChar char="◦"/>
+              <a:defRPr sz="1200" kern="1200">
+                <a:solidFill>
+                  <a:schemeClr val="tx1">
+                    <a:lumMod val="75000"/>
+                    <a:lumOff val="25000"/>
+                  </a:schemeClr>
+                </a:solidFill>
+                <a:latin typeface="+mn-lt"/>
+                <a:ea typeface="+mn-ea"/>
+                <a:cs typeface="+mn-cs"/>
+              </a:defRPr>
+            </a:lvl5pPr>
+            <a:lvl6pPr marL="1100000" indent="-228600" algn="l" defTabSz="914400" rtl="0" eaLnBrk="1" latinLnBrk="0" hangingPunct="1">
+              <a:lnSpc>
+                <a:spcPct val="90000"/>
+              </a:lnSpc>
+              <a:spcBef>
+                <a:spcPts val="200"/>
+              </a:spcBef>
+              <a:spcAft>
+                <a:spcPts val="400"/>
+              </a:spcAft>
+              <a:buClr>
+                <a:schemeClr val="accent1"/>
+              </a:buClr>
+              <a:buFont typeface="Calibri" pitchFamily="34" charset="0"/>
+              <a:buChar char="◦"/>
+              <a:defRPr sz="1400" kern="1200">
+                <a:solidFill>
+                  <a:schemeClr val="tx1">
+                    <a:lumMod val="75000"/>
+                    <a:lumOff val="25000"/>
+                  </a:schemeClr>
+                </a:solidFill>
+                <a:latin typeface="+mn-lt"/>
+                <a:ea typeface="+mn-ea"/>
+                <a:cs typeface="+mn-cs"/>
+              </a:defRPr>
+            </a:lvl6pPr>
+            <a:lvl7pPr marL="1300000" indent="-228600" algn="l" defTabSz="914400" rtl="0" eaLnBrk="1" latinLnBrk="0" hangingPunct="1">
+              <a:lnSpc>
+                <a:spcPct val="90000"/>
+              </a:lnSpc>
+              <a:spcBef>
+                <a:spcPts val="200"/>
+              </a:spcBef>
+              <a:spcAft>
+                <a:spcPts val="400"/>
+              </a:spcAft>
+              <a:buClr>
+                <a:schemeClr val="accent1"/>
+              </a:buClr>
+              <a:buFont typeface="Calibri" pitchFamily="34" charset="0"/>
+              <a:buChar char="◦"/>
+              <a:defRPr sz="1400" kern="1200">
+                <a:solidFill>
+                  <a:schemeClr val="tx1">
+                    <a:lumMod val="75000"/>
+                    <a:lumOff val="25000"/>
+                  </a:schemeClr>
+                </a:solidFill>
+                <a:latin typeface="+mn-lt"/>
+                <a:ea typeface="+mn-ea"/>
+                <a:cs typeface="+mn-cs"/>
+              </a:defRPr>
+            </a:lvl7pPr>
+            <a:lvl8pPr marL="1500000" indent="-228600" algn="l" defTabSz="914400" rtl="0" eaLnBrk="1" latinLnBrk="0" hangingPunct="1">
+              <a:lnSpc>
+                <a:spcPct val="90000"/>
+              </a:lnSpc>
+              <a:spcBef>
+                <a:spcPts val="200"/>
+              </a:spcBef>
+              <a:spcAft>
+                <a:spcPts val="400"/>
+              </a:spcAft>
+              <a:buClr>
+                <a:schemeClr val="accent1"/>
+              </a:buClr>
+              <a:buFont typeface="Calibri" pitchFamily="34" charset="0"/>
+              <a:buChar char="◦"/>
+              <a:defRPr sz="1400" kern="1200">
+                <a:solidFill>
+                  <a:schemeClr val="tx1">
+                    <a:lumMod val="75000"/>
+                    <a:lumOff val="25000"/>
+                  </a:schemeClr>
+                </a:solidFill>
+                <a:latin typeface="+mn-lt"/>
+                <a:ea typeface="+mn-ea"/>
+                <a:cs typeface="+mn-cs"/>
+              </a:defRPr>
+            </a:lvl8pPr>
+            <a:lvl9pPr marL="1700000" indent="-228600" algn="l" defTabSz="914400" rtl="0" eaLnBrk="1" latinLnBrk="0" hangingPunct="1">
+              <a:lnSpc>
+                <a:spcPct val="90000"/>
+              </a:lnSpc>
+              <a:spcBef>
+                <a:spcPts val="200"/>
+              </a:spcBef>
+              <a:spcAft>
+                <a:spcPts val="400"/>
+              </a:spcAft>
+              <a:buClr>
+                <a:schemeClr val="accent1"/>
+              </a:buClr>
+              <a:buFont typeface="Calibri" pitchFamily="34" charset="0"/>
+              <a:buChar char="◦"/>
+              <a:defRPr sz="1400" kern="1200">
+                <a:solidFill>
+                  <a:schemeClr val="tx1">
+                    <a:lumMod val="75000"/>
+                    <a:lumOff val="25000"/>
+                  </a:schemeClr>
+                </a:solidFill>
+                <a:latin typeface="+mn-lt"/>
+                <a:ea typeface="+mn-ea"/>
+                <a:cs typeface="+mn-cs"/>
+              </a:defRPr>
+            </a:lvl9pPr>
+          </a:lstStyle>
+          <a:p>
+            <a:r>
+              <a:rPr lang="en-US" b="1" dirty="0">
+                <a:solidFill>
+                  <a:schemeClr val="bg1"/>
+                </a:solidFill>
+              </a:rPr>
+              <a:t>HOW SEX CATEGORY AFFECTS WORKERS’ WAGES (ALL RACES)</a:t>
+            </a:r>
+          </a:p>
+        </p:txBody>
+      </p:sp>
+      <p:pic>
+        <p:nvPicPr>
+          <p:cNvPr id="5" name="Content Placeholder 9">
+            <a:extLst>
+              <a:ext uri="{FF2B5EF4-FFF2-40B4-BE49-F238E27FC236}">
+                <a16:creationId xmlns:a16="http://schemas.microsoft.com/office/drawing/2014/main" id="{AF6D243A-2F1C-444A-8E60-A7D419AF2F78}"/>
+              </a:ext>
+            </a:extLst>
+          </p:cNvPr>
+          <p:cNvPicPr>
+            <a:picLocks noChangeAspect="1"/>
+          </p:cNvPicPr>
+          <p:nvPr/>
+        </p:nvPicPr>
+        <p:blipFill>
+          <a:blip r:embed="rId3"/>
+          <a:srcRect/>
+          <a:stretch/>
+        </p:blipFill>
+        <p:spPr>
+          <a:xfrm>
+            <a:off x="5749883" y="161673"/>
+            <a:ext cx="5784619" cy="3856411"/>
+          </a:xfrm>
+          <a:prstGeom prst="rect">
+            <a:avLst/>
+          </a:prstGeom>
+        </p:spPr>
+      </p:pic>
+      <p:sp>
+        <p:nvSpPr>
+          <p:cNvPr id="6" name="Text Placeholder 4">
+            <a:extLst>
+              <a:ext uri="{FF2B5EF4-FFF2-40B4-BE49-F238E27FC236}">
+                <a16:creationId xmlns:a16="http://schemas.microsoft.com/office/drawing/2014/main" id="{48BF8331-6EEC-4140-A826-A042CAA4A517}"/>
+              </a:ext>
+            </a:extLst>
+          </p:cNvPr>
+          <p:cNvSpPr txBox="1">
+            <a:spLocks/>
+          </p:cNvSpPr>
+          <p:nvPr/>
+        </p:nvSpPr>
+        <p:spPr>
+          <a:xfrm>
+            <a:off x="281991" y="913928"/>
+            <a:ext cx="5197878" cy="2157620"/>
+          </a:xfrm>
+          <a:prstGeom prst="rect">
+            <a:avLst/>
+          </a:prstGeom>
+        </p:spPr>
+        <p:txBody>
+          <a:bodyPr vert="horz" lIns="91440" tIns="45720" rIns="91440" bIns="45720" rtlCol="0" anchor="t">
+            <a:normAutofit/>
+          </a:bodyPr>
+          <a:lstStyle>
+            <a:lvl1pPr marL="0" indent="0" algn="l" defTabSz="914400" rtl="0" eaLnBrk="1" latinLnBrk="0" hangingPunct="1">
+              <a:lnSpc>
+                <a:spcPct val="120000"/>
+              </a:lnSpc>
+              <a:spcBef>
+                <a:spcPts val="1000"/>
+              </a:spcBef>
+              <a:buSzPct val="125000"/>
+              <a:buFont typeface="Arial" panose="020B0604020202020204" pitchFamily="34" charset="0"/>
+              <a:buNone/>
+              <a:defRPr sz="1400" kern="1200">
+                <a:solidFill>
+                  <a:schemeClr val="tx1"/>
+                </a:solidFill>
+                <a:latin typeface="+mn-lt"/>
+                <a:ea typeface="+mn-ea"/>
+                <a:cs typeface="+mn-cs"/>
+              </a:defRPr>
+            </a:lvl1pPr>
+            <a:lvl2pPr marL="457200" indent="0" algn="l" defTabSz="914400" rtl="0" eaLnBrk="1" latinLnBrk="0" hangingPunct="1">
+              <a:lnSpc>
+                <a:spcPct val="120000"/>
+              </a:lnSpc>
+              <a:spcBef>
+                <a:spcPts val="500"/>
+              </a:spcBef>
+              <a:buSzPct val="125000"/>
+              <a:buFont typeface="Arial" panose="020B0604020202020204" pitchFamily="34" charset="0"/>
+              <a:buNone/>
+              <a:defRPr sz="1200" kern="1200">
+                <a:solidFill>
+                  <a:schemeClr val="tx1"/>
+                </a:solidFill>
+                <a:latin typeface="+mn-lt"/>
+                <a:ea typeface="+mn-ea"/>
+                <a:cs typeface="+mn-cs"/>
+              </a:defRPr>
+            </a:lvl2pPr>
+            <a:lvl3pPr marL="914400" indent="0" algn="l" defTabSz="914400" rtl="0" eaLnBrk="1" latinLnBrk="0" hangingPunct="1">
+              <a:lnSpc>
+                <a:spcPct val="120000"/>
+              </a:lnSpc>
+              <a:spcBef>
+                <a:spcPts val="500"/>
+              </a:spcBef>
+              <a:buSzPct val="125000"/>
+              <a:buFont typeface="Arial" panose="020B0604020202020204" pitchFamily="34" charset="0"/>
+              <a:buNone/>
+              <a:defRPr sz="1000" kern="1200">
+                <a:solidFill>
+                  <a:schemeClr val="tx1"/>
+                </a:solidFill>
+                <a:latin typeface="+mn-lt"/>
+                <a:ea typeface="+mn-ea"/>
+                <a:cs typeface="+mn-cs"/>
+              </a:defRPr>
+            </a:lvl3pPr>
+            <a:lvl4pPr marL="1371600" indent="0" algn="l" defTabSz="914400" rtl="0" eaLnBrk="1" latinLnBrk="0" hangingPunct="1">
+              <a:lnSpc>
+                <a:spcPct val="120000"/>
+              </a:lnSpc>
+              <a:spcBef>
+                <a:spcPts val="500"/>
+              </a:spcBef>
+              <a:buSzPct val="125000"/>
+              <a:buFont typeface="Arial" panose="020B0604020202020204" pitchFamily="34" charset="0"/>
+              <a:buNone/>
+              <a:defRPr sz="900" kern="1200">
+                <a:solidFill>
+                  <a:schemeClr val="tx1"/>
+                </a:solidFill>
+                <a:latin typeface="+mn-lt"/>
+                <a:ea typeface="+mn-ea"/>
+                <a:cs typeface="+mn-cs"/>
+              </a:defRPr>
+            </a:lvl4pPr>
+            <a:lvl5pPr marL="1828800" indent="0" algn="l" defTabSz="914400" rtl="0" eaLnBrk="1" latinLnBrk="0" hangingPunct="1">
+              <a:lnSpc>
+                <a:spcPct val="120000"/>
+              </a:lnSpc>
+              <a:spcBef>
+                <a:spcPts val="500"/>
+              </a:spcBef>
+              <a:buSzPct val="125000"/>
+              <a:buFont typeface="Arial" panose="020B0604020202020204" pitchFamily="34" charset="0"/>
+              <a:buNone/>
+              <a:defRPr sz="900" kern="1200">
+                <a:solidFill>
+                  <a:schemeClr val="tx1"/>
+                </a:solidFill>
+                <a:latin typeface="+mn-lt"/>
+                <a:ea typeface="+mn-ea"/>
+                <a:cs typeface="+mn-cs"/>
+              </a:defRPr>
+            </a:lvl5pPr>
+            <a:lvl6pPr marL="2286000" indent="0" algn="l" defTabSz="914400" rtl="0" eaLnBrk="1" latinLnBrk="0" hangingPunct="1">
+              <a:lnSpc>
+                <a:spcPct val="120000"/>
+              </a:lnSpc>
+              <a:spcBef>
+                <a:spcPts val="500"/>
+              </a:spcBef>
+              <a:buSzPct val="125000"/>
+              <a:buFont typeface="Arial" panose="020B0604020202020204" pitchFamily="34" charset="0"/>
+              <a:buNone/>
+              <a:defRPr sz="900" kern="1200">
+                <a:solidFill>
+                  <a:schemeClr val="tx1"/>
+                </a:solidFill>
+                <a:latin typeface="+mn-lt"/>
+                <a:ea typeface="+mn-ea"/>
+                <a:cs typeface="+mn-cs"/>
+              </a:defRPr>
+            </a:lvl6pPr>
+            <a:lvl7pPr marL="2743200" indent="0" algn="l" defTabSz="914400" rtl="0" eaLnBrk="1" latinLnBrk="0" hangingPunct="1">
+              <a:lnSpc>
+                <a:spcPct val="120000"/>
+              </a:lnSpc>
+              <a:spcBef>
+                <a:spcPts val="500"/>
+              </a:spcBef>
+              <a:buSzPct val="125000"/>
+              <a:buFont typeface="Arial" panose="020B0604020202020204" pitchFamily="34" charset="0"/>
+              <a:buNone/>
+              <a:defRPr sz="900" kern="1200">
+                <a:solidFill>
+                  <a:schemeClr val="tx1"/>
+                </a:solidFill>
+                <a:latin typeface="+mn-lt"/>
+                <a:ea typeface="+mn-ea"/>
+                <a:cs typeface="+mn-cs"/>
+              </a:defRPr>
+            </a:lvl7pPr>
+            <a:lvl8pPr marL="3200400" indent="0" algn="l" defTabSz="914400" rtl="0" eaLnBrk="1" latinLnBrk="0" hangingPunct="1">
+              <a:lnSpc>
+                <a:spcPct val="120000"/>
+              </a:lnSpc>
+              <a:spcBef>
+                <a:spcPts val="500"/>
+              </a:spcBef>
+              <a:buSzPct val="125000"/>
+              <a:buFont typeface="Arial" panose="020B0604020202020204" pitchFamily="34" charset="0"/>
+              <a:buNone/>
+              <a:defRPr sz="900" kern="1200">
+                <a:solidFill>
+                  <a:schemeClr val="tx1"/>
+                </a:solidFill>
+                <a:latin typeface="+mn-lt"/>
+                <a:ea typeface="+mn-ea"/>
+                <a:cs typeface="+mn-cs"/>
+              </a:defRPr>
+            </a:lvl8pPr>
+            <a:lvl9pPr marL="3657600" indent="0" algn="l" defTabSz="914400" rtl="0" eaLnBrk="1" latinLnBrk="0" hangingPunct="1">
+              <a:lnSpc>
+                <a:spcPct val="120000"/>
+              </a:lnSpc>
+              <a:spcBef>
+                <a:spcPts val="500"/>
+              </a:spcBef>
+              <a:buSzPct val="125000"/>
+              <a:buFont typeface="Arial" panose="020B0604020202020204" pitchFamily="34" charset="0"/>
+              <a:buNone/>
+              <a:defRPr sz="900" kern="1200">
+                <a:solidFill>
+                  <a:schemeClr val="tx1"/>
+                </a:solidFill>
+                <a:latin typeface="+mn-lt"/>
+                <a:ea typeface="+mn-ea"/>
+                <a:cs typeface="+mn-cs"/>
+              </a:defRPr>
+            </a:lvl9pPr>
+          </a:lstStyle>
+          <a:p>
+            <a:r>
+              <a:rPr lang="en-US" dirty="0">
+                <a:solidFill>
+                  <a:schemeClr val="bg1"/>
+                </a:solidFill>
+              </a:rPr>
+              <a:t>The data shows us that white and Asian workers had the highest average wages while Hispanic and Black workers had the lowest wages.  All race categories appear to exhibit similar rise- and fall-patterns between each other over time that reflect a shared impact from economic events (such as the recession following the 2008 financial crisis).  White and Asian salaries stay above $14/</a:t>
+            </a:r>
+            <a:r>
+              <a:rPr lang="en-US" dirty="0" err="1">
+                <a:solidFill>
+                  <a:schemeClr val="bg1"/>
+                </a:solidFill>
+              </a:rPr>
+              <a:t>hr</a:t>
+            </a:r>
+            <a:r>
+              <a:rPr lang="en-US" dirty="0">
+                <a:solidFill>
+                  <a:schemeClr val="bg1"/>
+                </a:solidFill>
+              </a:rPr>
+              <a:t> post 1997 while Hispanic and Black workers have yet to pass $14/</a:t>
+            </a:r>
+            <a:r>
+              <a:rPr lang="en-US" dirty="0" err="1">
+                <a:solidFill>
+                  <a:schemeClr val="bg1"/>
+                </a:solidFill>
+              </a:rPr>
+              <a:t>hr</a:t>
+            </a:r>
+            <a:r>
+              <a:rPr lang="en-US" dirty="0">
+                <a:solidFill>
+                  <a:schemeClr val="bg1"/>
+                </a:solidFill>
+              </a:rPr>
+              <a:t> by 2018.</a:t>
+            </a:r>
+          </a:p>
+        </p:txBody>
+      </p:sp>
+      <p:sp>
+        <p:nvSpPr>
+          <p:cNvPr id="7" name="Text Placeholder 4">
+            <a:extLst>
+              <a:ext uri="{FF2B5EF4-FFF2-40B4-BE49-F238E27FC236}">
+                <a16:creationId xmlns:a16="http://schemas.microsoft.com/office/drawing/2014/main" id="{DAD039BC-E16C-475D-BEB9-5E668B013785}"/>
+              </a:ext>
+            </a:extLst>
+          </p:cNvPr>
+          <p:cNvSpPr txBox="1">
+            <a:spLocks/>
+          </p:cNvSpPr>
+          <p:nvPr/>
+        </p:nvSpPr>
+        <p:spPr>
+          <a:xfrm>
+            <a:off x="5737915" y="4833335"/>
+            <a:ext cx="6364822" cy="1439422"/>
+          </a:xfrm>
+          <a:prstGeom prst="rect">
+            <a:avLst/>
+          </a:prstGeom>
+        </p:spPr>
+        <p:txBody>
+          <a:bodyPr vert="horz" lIns="91440" tIns="45720" rIns="91440" bIns="45720" rtlCol="0" anchor="t">
+            <a:normAutofit fontScale="77500" lnSpcReduction="20000"/>
+          </a:bodyPr>
+          <a:lstStyle>
+            <a:lvl1pPr marL="0" indent="0" algn="l" defTabSz="914400" rtl="0" eaLnBrk="1" latinLnBrk="0" hangingPunct="1">
+              <a:lnSpc>
+                <a:spcPct val="120000"/>
+              </a:lnSpc>
+              <a:spcBef>
+                <a:spcPts val="1000"/>
+              </a:spcBef>
+              <a:buSzPct val="125000"/>
+              <a:buFont typeface="Arial" panose="020B0604020202020204" pitchFamily="34" charset="0"/>
+              <a:buNone/>
+              <a:defRPr sz="1400" kern="1200">
+                <a:solidFill>
+                  <a:schemeClr val="tx1"/>
+                </a:solidFill>
+                <a:latin typeface="+mn-lt"/>
+                <a:ea typeface="+mn-ea"/>
+                <a:cs typeface="+mn-cs"/>
+              </a:defRPr>
+            </a:lvl1pPr>
+            <a:lvl2pPr marL="457200" indent="0" algn="l" defTabSz="914400" rtl="0" eaLnBrk="1" latinLnBrk="0" hangingPunct="1">
+              <a:lnSpc>
+                <a:spcPct val="120000"/>
+              </a:lnSpc>
+              <a:spcBef>
+                <a:spcPts val="500"/>
+              </a:spcBef>
+              <a:buSzPct val="125000"/>
+              <a:buFont typeface="Arial" panose="020B0604020202020204" pitchFamily="34" charset="0"/>
+              <a:buNone/>
+              <a:defRPr sz="1200" kern="1200">
+                <a:solidFill>
+                  <a:schemeClr val="tx1"/>
+                </a:solidFill>
+                <a:latin typeface="+mn-lt"/>
+                <a:ea typeface="+mn-ea"/>
+                <a:cs typeface="+mn-cs"/>
+              </a:defRPr>
+            </a:lvl2pPr>
+            <a:lvl3pPr marL="914400" indent="0" algn="l" defTabSz="914400" rtl="0" eaLnBrk="1" latinLnBrk="0" hangingPunct="1">
+              <a:lnSpc>
+                <a:spcPct val="120000"/>
+              </a:lnSpc>
+              <a:spcBef>
+                <a:spcPts val="500"/>
+              </a:spcBef>
+              <a:buSzPct val="125000"/>
+              <a:buFont typeface="Arial" panose="020B0604020202020204" pitchFamily="34" charset="0"/>
+              <a:buNone/>
+              <a:defRPr sz="1000" kern="1200">
+                <a:solidFill>
+                  <a:schemeClr val="tx1"/>
+                </a:solidFill>
+                <a:latin typeface="+mn-lt"/>
+                <a:ea typeface="+mn-ea"/>
+                <a:cs typeface="+mn-cs"/>
+              </a:defRPr>
+            </a:lvl3pPr>
+            <a:lvl4pPr marL="1371600" indent="0" algn="l" defTabSz="914400" rtl="0" eaLnBrk="1" latinLnBrk="0" hangingPunct="1">
+              <a:lnSpc>
+                <a:spcPct val="120000"/>
+              </a:lnSpc>
+              <a:spcBef>
+                <a:spcPts val="500"/>
+              </a:spcBef>
+              <a:buSzPct val="125000"/>
+              <a:buFont typeface="Arial" panose="020B0604020202020204" pitchFamily="34" charset="0"/>
+              <a:buNone/>
+              <a:defRPr sz="900" kern="1200">
+                <a:solidFill>
+                  <a:schemeClr val="tx1"/>
+                </a:solidFill>
+                <a:latin typeface="+mn-lt"/>
+                <a:ea typeface="+mn-ea"/>
+                <a:cs typeface="+mn-cs"/>
+              </a:defRPr>
+            </a:lvl4pPr>
+            <a:lvl5pPr marL="1828800" indent="0" algn="l" defTabSz="914400" rtl="0" eaLnBrk="1" latinLnBrk="0" hangingPunct="1">
+              <a:lnSpc>
+                <a:spcPct val="120000"/>
+              </a:lnSpc>
+              <a:spcBef>
+                <a:spcPts val="500"/>
+              </a:spcBef>
+              <a:buSzPct val="125000"/>
+              <a:buFont typeface="Arial" panose="020B0604020202020204" pitchFamily="34" charset="0"/>
+              <a:buNone/>
+              <a:defRPr sz="900" kern="1200">
+                <a:solidFill>
+                  <a:schemeClr val="tx1"/>
+                </a:solidFill>
+                <a:latin typeface="+mn-lt"/>
+                <a:ea typeface="+mn-ea"/>
+                <a:cs typeface="+mn-cs"/>
+              </a:defRPr>
+            </a:lvl5pPr>
+            <a:lvl6pPr marL="2286000" indent="0" algn="l" defTabSz="914400" rtl="0" eaLnBrk="1" latinLnBrk="0" hangingPunct="1">
+              <a:lnSpc>
+                <a:spcPct val="120000"/>
+              </a:lnSpc>
+              <a:spcBef>
+                <a:spcPts val="500"/>
+              </a:spcBef>
+              <a:buSzPct val="125000"/>
+              <a:buFont typeface="Arial" panose="020B0604020202020204" pitchFamily="34" charset="0"/>
+              <a:buNone/>
+              <a:defRPr sz="900" kern="1200">
+                <a:solidFill>
+                  <a:schemeClr val="tx1"/>
+                </a:solidFill>
+                <a:latin typeface="+mn-lt"/>
+                <a:ea typeface="+mn-ea"/>
+                <a:cs typeface="+mn-cs"/>
+              </a:defRPr>
+            </a:lvl6pPr>
+            <a:lvl7pPr marL="2743200" indent="0" algn="l" defTabSz="914400" rtl="0" eaLnBrk="1" latinLnBrk="0" hangingPunct="1">
+              <a:lnSpc>
+                <a:spcPct val="120000"/>
+              </a:lnSpc>
+              <a:spcBef>
+                <a:spcPts val="500"/>
+              </a:spcBef>
+              <a:buSzPct val="125000"/>
+              <a:buFont typeface="Arial" panose="020B0604020202020204" pitchFamily="34" charset="0"/>
+              <a:buNone/>
+              <a:defRPr sz="900" kern="1200">
+                <a:solidFill>
+                  <a:schemeClr val="tx1"/>
+                </a:solidFill>
+                <a:latin typeface="+mn-lt"/>
+                <a:ea typeface="+mn-ea"/>
+                <a:cs typeface="+mn-cs"/>
+              </a:defRPr>
+            </a:lvl7pPr>
+            <a:lvl8pPr marL="3200400" indent="0" algn="l" defTabSz="914400" rtl="0" eaLnBrk="1" latinLnBrk="0" hangingPunct="1">
+              <a:lnSpc>
+                <a:spcPct val="120000"/>
+              </a:lnSpc>
+              <a:spcBef>
+                <a:spcPts val="500"/>
+              </a:spcBef>
+              <a:buSzPct val="125000"/>
+              <a:buFont typeface="Arial" panose="020B0604020202020204" pitchFamily="34" charset="0"/>
+              <a:buNone/>
+              <a:defRPr sz="900" kern="1200">
+                <a:solidFill>
+                  <a:schemeClr val="tx1"/>
+                </a:solidFill>
+                <a:latin typeface="+mn-lt"/>
+                <a:ea typeface="+mn-ea"/>
+                <a:cs typeface="+mn-cs"/>
+              </a:defRPr>
+            </a:lvl8pPr>
+            <a:lvl9pPr marL="3657600" indent="0" algn="l" defTabSz="914400" rtl="0" eaLnBrk="1" latinLnBrk="0" hangingPunct="1">
+              <a:lnSpc>
+                <a:spcPct val="120000"/>
+              </a:lnSpc>
+              <a:spcBef>
+                <a:spcPts val="500"/>
+              </a:spcBef>
+              <a:buSzPct val="125000"/>
+              <a:buFont typeface="Arial" panose="020B0604020202020204" pitchFamily="34" charset="0"/>
+              <a:buNone/>
+              <a:defRPr sz="900" kern="1200">
+                <a:solidFill>
+                  <a:schemeClr val="tx1"/>
+                </a:solidFill>
+                <a:latin typeface="+mn-lt"/>
+                <a:ea typeface="+mn-ea"/>
+                <a:cs typeface="+mn-cs"/>
+              </a:defRPr>
+            </a:lvl9pPr>
+          </a:lstStyle>
+          <a:p>
+            <a:r>
+              <a:rPr lang="en-US" dirty="0">
+                <a:solidFill>
+                  <a:schemeClr val="bg1"/>
+                </a:solidFill>
+              </a:rPr>
+              <a:t>The two most noteworthy portions of the chart comparing annual average wages between the sexes are the periods of 1979-1995 and 1995-2018.  In the chronologically first period of time, there was a drop in the male annual average salary and a rise in the female salary.  This could reflect a rise of the female presence in the workforce that drives the medians of each category closer to the median between the two during this time.  The second time period shows a mirror-like relationship between the two sexes’ average salaries.  This indicates that both categories had similar reactions to market trends.  It also indicates that the differences in the average salaries between the two sexes did not change as significantly as they did in the first time period.</a:t>
+            </a:r>
+          </a:p>
+        </p:txBody>
+      </p:sp>
+    </p:spTree>
+    <p:extLst>
+      <p:ext uri="{BB962C8B-B14F-4D97-AF65-F5344CB8AC3E}">
+        <p14:creationId xmlns:p14="http://schemas.microsoft.com/office/powerpoint/2010/main" val="623054415"/>
+      </p:ext>
+    </p:extLst>
+  </p:cSld>
+  <p:clrMapOvr>
+    <a:masterClrMapping/>
+  </p:clrMapOvr>
+</p:sld>
+</file>
+
+<file path=ppt/slides/slide12.xml><?xml version="1.0" encoding="utf-8"?>
+<p:sld xmlns:a="http://schemas.openxmlformats.org/drawingml/2006/main" xmlns:r="http://schemas.openxmlformats.org/officeDocument/2006/relationships" xmlns:p="http://schemas.openxmlformats.org/presentationml/2006/main">
+  <p:cSld>
+    <p:bg>
+      <p:bgPr>
+        <a:solidFill>
+          <a:schemeClr val="accent1"/>
+        </a:solidFill>
+        <a:effectLst/>
+      </p:bgPr>
+    </p:bg>
+    <p:spTree>
+      <p:nvGrpSpPr>
+        <p:cNvPr id="1" name=""/>
+        <p:cNvGrpSpPr/>
+        <p:nvPr/>
+      </p:nvGrpSpPr>
+      <p:grpSpPr>
+        <a:xfrm>
+          <a:off x="0" y="0"/>
+          <a:ext cx="0" cy="0"/>
+          <a:chOff x="0" y="0"/>
+          <a:chExt cx="0" cy="0"/>
+        </a:xfrm>
+      </p:grpSpPr>
       <p:pic>
         <p:nvPicPr>
           <p:cNvPr id="6" name="Content Placeholder 5">
@@ -8845,7 +9670,7 @@
 </p:sld>
 </file>
 
-<file path=ppt/slides/slide12.xml><?xml version="1.0" encoding="utf-8"?>
+<file path=ppt/slides/slide13.xml><?xml version="1.0" encoding="utf-8"?>
 <p:sld xmlns:a="http://schemas.openxmlformats.org/drawingml/2006/main" xmlns:r="http://schemas.openxmlformats.org/officeDocument/2006/relationships" xmlns:p="http://schemas.openxmlformats.org/presentationml/2006/main">
   <p:cSld>
     <p:spTree>
@@ -8915,7 +9740,7 @@
             <p:ph idx="1"/>
             <p:extLst>
               <p:ext uri="{D42A27DB-BD31-4B8C-83A1-F6EECF244321}">
-                <p14:modId xmlns:p14="http://schemas.microsoft.com/office/powerpoint/2010/main" val="2044979873"/>
+                <p14:modId xmlns:p14="http://schemas.microsoft.com/office/powerpoint/2010/main" val="1378726169"/>
               </p:ext>
             </p:extLst>
           </p:nvPr>
@@ -8943,7 +9768,7 @@
 </p:sld>
 </file>
 
-<file path=ppt/slides/slide13.xml><?xml version="1.0" encoding="utf-8"?>
+<file path=ppt/slides/slide14.xml><?xml version="1.0" encoding="utf-8"?>
 <p:sld xmlns:a="http://schemas.openxmlformats.org/drawingml/2006/main" xmlns:r="http://schemas.openxmlformats.org/officeDocument/2006/relationships" xmlns:p="http://schemas.openxmlformats.org/presentationml/2006/main">
   <p:cSld>
     <p:spTree>
@@ -9058,6 +9883,419 @@
     <p:extLst>
       <p:ext uri="{BB962C8B-B14F-4D97-AF65-F5344CB8AC3E}">
         <p14:creationId xmlns:p14="http://schemas.microsoft.com/office/powerpoint/2010/main" val="2507693973"/>
+      </p:ext>
+    </p:extLst>
+  </p:cSld>
+  <p:clrMapOvr>
+    <a:masterClrMapping/>
+  </p:clrMapOvr>
+</p:sld>
+</file>
+
+<file path=ppt/slides/slide15.xml><?xml version="1.0" encoding="utf-8"?>
+<p:sld xmlns:a="http://schemas.openxmlformats.org/drawingml/2006/main" xmlns:r="http://schemas.openxmlformats.org/officeDocument/2006/relationships" xmlns:p="http://schemas.openxmlformats.org/presentationml/2006/main">
+  <p:cSld>
+    <p:bg>
+      <p:bgPr>
+        <a:solidFill>
+          <a:schemeClr val="bg1"/>
+        </a:solidFill>
+        <a:effectLst/>
+      </p:bgPr>
+    </p:bg>
+    <p:spTree>
+      <p:nvGrpSpPr>
+        <p:cNvPr id="1" name=""/>
+        <p:cNvGrpSpPr/>
+        <p:nvPr/>
+      </p:nvGrpSpPr>
+      <p:grpSpPr>
+        <a:xfrm>
+          <a:off x="0" y="0"/>
+          <a:ext cx="0" cy="0"/>
+          <a:chOff x="0" y="0"/>
+          <a:chExt cx="0" cy="0"/>
+        </a:xfrm>
+      </p:grpSpPr>
+      <p:sp>
+        <p:nvSpPr>
+          <p:cNvPr id="137" name="Rectangle 136">
+            <a:extLst>
+              <a:ext uri="{FF2B5EF4-FFF2-40B4-BE49-F238E27FC236}">
+                <a16:creationId xmlns:a16="http://schemas.microsoft.com/office/drawing/2014/main" id="{39E3965E-AC41-4711-9D10-E25ABB132D86}"/>
+              </a:ext>
+              <a:ext uri="{C183D7F6-B498-43B3-948B-1728B52AA6E4}">
+                <adec:decorative xmlns:adec="http://schemas.microsoft.com/office/drawing/2017/decorative" val="1"/>
+              </a:ext>
+            </a:extLst>
+          </p:cNvPr>
+          <p:cNvSpPr>
+            <a:spLocks noGrp="1" noRot="1" noChangeAspect="1" noMove="1" noResize="1" noEditPoints="1" noAdjustHandles="1" noChangeArrowheads="1" noChangeShapeType="1" noTextEdit="1"/>
+          </p:cNvSpPr>
+          <p:nvPr>
+            <p:extLst>
+              <p:ext uri="{386F3935-93C4-4BCD-93E2-E3B085C9AB24}">
+                <p16:designElem xmlns:p16="http://schemas.microsoft.com/office/powerpoint/2015/main" val="1"/>
+              </p:ext>
+            </p:extLst>
+          </p:nvPr>
+        </p:nvSpPr>
+        <p:spPr>
+          <a:xfrm>
+            <a:off x="3175" y="6400800"/>
+            <a:ext cx="12188825" cy="457200"/>
+          </a:xfrm>
+          <a:prstGeom prst="rect">
+            <a:avLst/>
+          </a:prstGeom>
+          <a:solidFill>
+            <a:srgbClr val="262626"/>
+          </a:solidFill>
+          <a:ln>
+            <a:noFill/>
+          </a:ln>
+        </p:spPr>
+        <p:style>
+          <a:lnRef idx="2">
+            <a:schemeClr val="accent1">
+              <a:shade val="50000"/>
+            </a:schemeClr>
+          </a:lnRef>
+          <a:fillRef idx="1">
+            <a:schemeClr val="accent1"/>
+          </a:fillRef>
+          <a:effectRef idx="0">
+            <a:schemeClr val="accent1"/>
+          </a:effectRef>
+          <a:fontRef idx="minor">
+            <a:schemeClr val="lt1"/>
+          </a:fontRef>
+        </p:style>
+      </p:sp>
+      <p:cxnSp>
+        <p:nvCxnSpPr>
+          <p:cNvPr id="139" name="Straight Connector 138">
+            <a:extLst>
+              <a:ext uri="{FF2B5EF4-FFF2-40B4-BE49-F238E27FC236}">
+                <a16:creationId xmlns:a16="http://schemas.microsoft.com/office/drawing/2014/main" id="{1F5DC8C3-BA5F-4EED-BB9A-A14272BD82A1}"/>
+              </a:ext>
+              <a:ext uri="{C183D7F6-B498-43B3-948B-1728B52AA6E4}">
+                <adec:decorative xmlns:adec="http://schemas.microsoft.com/office/drawing/2017/decorative" val="1"/>
+              </a:ext>
+            </a:extLst>
+          </p:cNvPr>
+          <p:cNvCxnSpPr>
+            <a:cxnSpLocks noGrp="1" noRot="1" noChangeAspect="1" noMove="1" noResize="1" noEditPoints="1" noAdjustHandles="1" noChangeArrowheads="1" noChangeShapeType="1"/>
+          </p:cNvCxnSpPr>
+          <p:nvPr>
+            <p:extLst>
+              <p:ext uri="{386F3935-93C4-4BCD-93E2-E3B085C9AB24}">
+                <p16:designElem xmlns:p16="http://schemas.microsoft.com/office/powerpoint/2015/main" val="1"/>
+              </p:ext>
+            </p:extLst>
+          </p:nvPr>
+        </p:nvCxnSpPr>
+        <p:spPr>
+          <a:xfrm>
+            <a:off x="1207658" y="4474741"/>
+            <a:ext cx="9875520" cy="0"/>
+          </a:xfrm>
+          <a:prstGeom prst="line">
+            <a:avLst/>
+          </a:prstGeom>
+          <a:ln w="12700">
+            <a:solidFill>
+              <a:schemeClr val="tx1">
+                <a:lumMod val="75000"/>
+                <a:lumOff val="25000"/>
+              </a:schemeClr>
+            </a:solidFill>
+          </a:ln>
+        </p:spPr>
+        <p:style>
+          <a:lnRef idx="1">
+            <a:schemeClr val="accent1"/>
+          </a:lnRef>
+          <a:fillRef idx="0">
+            <a:schemeClr val="accent1"/>
+          </a:fillRef>
+          <a:effectRef idx="0">
+            <a:schemeClr val="accent1"/>
+          </a:effectRef>
+          <a:fontRef idx="minor">
+            <a:schemeClr val="tx1"/>
+          </a:fontRef>
+        </p:style>
+      </p:cxnSp>
+      <p:sp useBgFill="1">
+        <p:nvSpPr>
+          <p:cNvPr id="141" name="Rectangle 140">
+            <a:extLst>
+              <a:ext uri="{FF2B5EF4-FFF2-40B4-BE49-F238E27FC236}">
+                <a16:creationId xmlns:a16="http://schemas.microsoft.com/office/drawing/2014/main" id="{B4D0E555-16F6-44D0-BF56-AF5FF5BDE9D6}"/>
+              </a:ext>
+              <a:ext uri="{C183D7F6-B498-43B3-948B-1728B52AA6E4}">
+                <adec:decorative xmlns:adec="http://schemas.microsoft.com/office/drawing/2017/decorative" val="1"/>
+              </a:ext>
+            </a:extLst>
+          </p:cNvPr>
+          <p:cNvSpPr>
+            <a:spLocks noGrp="1" noRot="1" noChangeAspect="1" noMove="1" noResize="1" noEditPoints="1" noAdjustHandles="1" noChangeArrowheads="1" noChangeShapeType="1" noTextEdit="1"/>
+          </p:cNvSpPr>
+          <p:nvPr>
+            <p:extLst>
+              <p:ext uri="{386F3935-93C4-4BCD-93E2-E3B085C9AB24}">
+                <p16:designElem xmlns:p16="http://schemas.microsoft.com/office/powerpoint/2015/main" val="1"/>
+              </p:ext>
+            </p:extLst>
+          </p:nvPr>
+        </p:nvSpPr>
+        <p:spPr>
+          <a:xfrm>
+            <a:off x="0" y="0"/>
+            <a:ext cx="12192000" cy="6858000"/>
+          </a:xfrm>
+          <a:prstGeom prst="rect">
+            <a:avLst/>
+          </a:prstGeom>
+          <a:ln>
+            <a:noFill/>
+          </a:ln>
+        </p:spPr>
+        <p:style>
+          <a:lnRef idx="2">
+            <a:schemeClr val="accent1">
+              <a:shade val="50000"/>
+            </a:schemeClr>
+          </a:lnRef>
+          <a:fillRef idx="1001">
+            <a:schemeClr val="lt1"/>
+          </a:fillRef>
+          <a:effectRef idx="0">
+            <a:schemeClr val="accent1"/>
+          </a:effectRef>
+          <a:fontRef idx="minor">
+            <a:schemeClr val="lt1"/>
+          </a:fontRef>
+        </p:style>
+        <p:txBody>
+          <a:bodyPr rtlCol="0" anchor="ctr"/>
+          <a:lstStyle/>
+          <a:p>
+            <a:pPr algn="ctr"/>
+            <a:endParaRPr lang="en-US"/>
+          </a:p>
+        </p:txBody>
+      </p:sp>
+      <p:sp>
+        <p:nvSpPr>
+          <p:cNvPr id="143" name="Rectangle 142">
+            <a:extLst>
+              <a:ext uri="{FF2B5EF4-FFF2-40B4-BE49-F238E27FC236}">
+                <a16:creationId xmlns:a16="http://schemas.microsoft.com/office/drawing/2014/main" id="{8117041D-1A7B-4ECA-AB68-3CFDB6726B8E}"/>
+              </a:ext>
+              <a:ext uri="{C183D7F6-B498-43B3-948B-1728B52AA6E4}">
+                <adec:decorative xmlns:adec="http://schemas.microsoft.com/office/drawing/2017/decorative" val="1"/>
+              </a:ext>
+            </a:extLst>
+          </p:cNvPr>
+          <p:cNvSpPr>
+            <a:spLocks noGrp="1" noRot="1" noChangeAspect="1" noMove="1" noResize="1" noEditPoints="1" noAdjustHandles="1" noChangeArrowheads="1" noChangeShapeType="1" noTextEdit="1"/>
+          </p:cNvSpPr>
+          <p:nvPr>
+            <p:extLst>
+              <p:ext uri="{386F3935-93C4-4BCD-93E2-E3B085C9AB24}">
+                <p16:designElem xmlns:p16="http://schemas.microsoft.com/office/powerpoint/2015/main" val="1"/>
+              </p:ext>
+            </p:extLst>
+          </p:nvPr>
+        </p:nvSpPr>
+        <p:spPr bwMode="white">
+          <a:xfrm>
+            <a:off x="-6220" y="0"/>
+            <a:ext cx="4641314" cy="6858000"/>
+          </a:xfrm>
+          <a:prstGeom prst="rect">
+            <a:avLst/>
+          </a:prstGeom>
+          <a:solidFill>
+            <a:srgbClr val="63AF9D"/>
+          </a:solidFill>
+          <a:ln>
+            <a:noFill/>
+          </a:ln>
+        </p:spPr>
+        <p:style>
+          <a:lnRef idx="2">
+            <a:schemeClr val="accent1">
+              <a:shade val="50000"/>
+            </a:schemeClr>
+          </a:lnRef>
+          <a:fillRef idx="1">
+            <a:schemeClr val="accent1"/>
+          </a:fillRef>
+          <a:effectRef idx="0">
+            <a:schemeClr val="accent1"/>
+          </a:effectRef>
+          <a:fontRef idx="minor">
+            <a:schemeClr val="lt1"/>
+          </a:fontRef>
+        </p:style>
+      </p:sp>
+      <p:sp>
+        <p:nvSpPr>
+          <p:cNvPr id="2" name="TextBox 1">
+            <a:extLst>
+              <a:ext uri="{FF2B5EF4-FFF2-40B4-BE49-F238E27FC236}">
+                <a16:creationId xmlns:a16="http://schemas.microsoft.com/office/drawing/2014/main" id="{CB362AE4-04E4-441D-A439-ABF6B5CA64F2}"/>
+              </a:ext>
+            </a:extLst>
+          </p:cNvPr>
+          <p:cNvSpPr txBox="1"/>
+          <p:nvPr/>
+        </p:nvSpPr>
+        <p:spPr>
+          <a:xfrm>
+            <a:off x="435869" y="640080"/>
+            <a:ext cx="3659246" cy="2862699"/>
+          </a:xfrm>
+          <a:prstGeom prst="rect">
+            <a:avLst/>
+          </a:prstGeom>
+        </p:spPr>
+        <p:txBody>
+          <a:bodyPr vert="horz" lIns="91440" tIns="45720" rIns="91440" bIns="45720" rtlCol="0" anchor="b">
+            <a:normAutofit/>
+          </a:bodyPr>
+          <a:lstStyle/>
+          <a:p>
+            <a:pPr>
+              <a:lnSpc>
+                <a:spcPct val="90000"/>
+              </a:lnSpc>
+              <a:spcBef>
+                <a:spcPct val="0"/>
+              </a:spcBef>
+              <a:spcAft>
+                <a:spcPts val="600"/>
+              </a:spcAft>
+            </a:pPr>
+            <a:r>
+              <a:rPr lang="en-US" sz="4400" spc="-50">
+                <a:solidFill>
+                  <a:srgbClr val="FFFFFF"/>
+                </a:solidFill>
+                <a:latin typeface="+mj-lt"/>
+                <a:ea typeface="+mj-ea"/>
+                <a:cs typeface="+mj-cs"/>
+              </a:rPr>
+              <a:t>QUESTIONS?</a:t>
+            </a:r>
+          </a:p>
+        </p:txBody>
+      </p:sp>
+      <p:cxnSp>
+        <p:nvCxnSpPr>
+          <p:cNvPr id="145" name="Straight Connector 144">
+            <a:extLst>
+              <a:ext uri="{FF2B5EF4-FFF2-40B4-BE49-F238E27FC236}">
+                <a16:creationId xmlns:a16="http://schemas.microsoft.com/office/drawing/2014/main" id="{ABCD2462-4C1E-401A-AC2D-F799A138B245}"/>
+              </a:ext>
+              <a:ext uri="{C183D7F6-B498-43B3-948B-1728B52AA6E4}">
+                <adec:decorative xmlns:adec="http://schemas.microsoft.com/office/drawing/2017/decorative" val="1"/>
+              </a:ext>
+            </a:extLst>
+          </p:cNvPr>
+          <p:cNvCxnSpPr>
+            <a:cxnSpLocks noGrp="1" noRot="1" noChangeAspect="1" noMove="1" noResize="1" noEditPoints="1" noAdjustHandles="1" noChangeArrowheads="1" noChangeShapeType="1"/>
+          </p:cNvCxnSpPr>
+          <p:nvPr>
+            <p:extLst>
+              <p:ext uri="{386F3935-93C4-4BCD-93E2-E3B085C9AB24}">
+                <p16:designElem xmlns:p16="http://schemas.microsoft.com/office/powerpoint/2015/main" val="1"/>
+              </p:ext>
+            </p:extLst>
+          </p:nvPr>
+        </p:nvCxnSpPr>
+        <p:spPr>
+          <a:xfrm>
+            <a:off x="573852" y="3663649"/>
+            <a:ext cx="3383280" cy="0"/>
+          </a:xfrm>
+          <a:prstGeom prst="line">
+            <a:avLst/>
+          </a:prstGeom>
+          <a:ln w="19050">
+            <a:solidFill>
+              <a:schemeClr val="accent1"/>
+            </a:solidFill>
+          </a:ln>
+        </p:spPr>
+        <p:style>
+          <a:lnRef idx="1">
+            <a:schemeClr val="accent1"/>
+          </a:lnRef>
+          <a:fillRef idx="0">
+            <a:schemeClr val="accent1"/>
+          </a:fillRef>
+          <a:effectRef idx="0">
+            <a:schemeClr val="accent1"/>
+          </a:effectRef>
+          <a:fontRef idx="minor">
+            <a:schemeClr val="tx1"/>
+          </a:fontRef>
+        </p:style>
+      </p:cxnSp>
+      <p:pic>
+        <p:nvPicPr>
+          <p:cNvPr id="1028" name="Picture 4" descr="Ask The Minions">
+            <a:extLst>
+              <a:ext uri="{FF2B5EF4-FFF2-40B4-BE49-F238E27FC236}">
+                <a16:creationId xmlns:a16="http://schemas.microsoft.com/office/drawing/2014/main" id="{A91F45F1-F4A2-497F-9B89-87E290CF6B1B}"/>
+              </a:ext>
+            </a:extLst>
+          </p:cNvPr>
+          <p:cNvPicPr>
+            <a:picLocks noChangeAspect="1" noChangeArrowheads="1"/>
+          </p:cNvPicPr>
+          <p:nvPr/>
+        </p:nvPicPr>
+        <p:blipFill>
+          <a:blip r:embed="rId2">
+            <a:extLst>
+              <a:ext uri="{28A0092B-C50C-407E-A947-70E740481C1C}">
+                <a14:useLocalDpi xmlns:a14="http://schemas.microsoft.com/office/drawing/2010/main" val="0"/>
+              </a:ext>
+            </a:extLst>
+          </a:blip>
+          <a:stretch>
+            <a:fillRect/>
+          </a:stretch>
+        </p:blipFill>
+        <p:spPr bwMode="auto">
+          <a:xfrm>
+            <a:off x="5631248" y="640080"/>
+            <a:ext cx="5577840" cy="5577840"/>
+          </a:xfrm>
+          <a:prstGeom prst="rect">
+            <a:avLst/>
+          </a:prstGeom>
+          <a:noFill/>
+          <a:extLst>
+            <a:ext uri="{909E8E84-426E-40DD-AFC4-6F175D3DCCD1}">
+              <a14:hiddenFill xmlns:a14="http://schemas.microsoft.com/office/drawing/2010/main">
+                <a:solidFill>
+                  <a:srgbClr val="FFFFFF"/>
+                </a:solidFill>
+              </a14:hiddenFill>
+            </a:ext>
+          </a:extLst>
+        </p:spPr>
+      </p:pic>
+    </p:spTree>
+    <p:extLst>
+      <p:ext uri="{BB962C8B-B14F-4D97-AF65-F5344CB8AC3E}">
+        <p14:creationId xmlns:p14="http://schemas.microsoft.com/office/powerpoint/2010/main" val="258395794"/>
       </p:ext>
     </p:extLst>
   </p:cSld>
@@ -9395,7 +10633,23 @@
                   <a:srgbClr val="FFFFFF"/>
                 </a:solidFill>
               </a:rPr>
-              <a:t>- Analyze how education effects the amount of pay an induvial will receive</a:t>
+              <a:t>- Does gender still play a role in employment and pay      in the 21</a:t>
+            </a:r>
+            <a:r>
+              <a:rPr lang="en-US" sz="2600" baseline="30000" dirty="0">
+                <a:solidFill>
+                  <a:srgbClr val="FFFFFF"/>
+                </a:solidFill>
+              </a:rPr>
+              <a:t>st</a:t>
+            </a:r>
+            <a:r>
+              <a:rPr lang="en-US" sz="2600" dirty="0">
+                <a:solidFill>
+                  <a:srgbClr val="FFFFFF"/>
+                </a:solidFill>
+              </a:rPr>
+              <a:t> century? How far have we come to bridge that gap since last 3 decades?</a:t>
             </a:r>
             <a:br>
               <a:rPr lang="en-US" sz="2600" dirty="0">
@@ -9478,7 +10732,7 @@
               </a:lnSpc>
             </a:pPr>
             <a:r>
-              <a:rPr lang="en-US"/>
+              <a:rPr lang="en-US" dirty="0"/>
               <a:t>Analysis Topics</a:t>
             </a:r>
           </a:p>
@@ -9579,6 +10833,395 @@
       </p:grpSpPr>
       <p:sp>
         <p:nvSpPr>
+          <p:cNvPr id="20" name="Rectangle 19">
+            <a:extLst>
+              <a:ext uri="{FF2B5EF4-FFF2-40B4-BE49-F238E27FC236}">
+                <a16:creationId xmlns:a16="http://schemas.microsoft.com/office/drawing/2014/main" id="{39E3965E-AC41-4711-9D10-E25ABB132D86}"/>
+              </a:ext>
+              <a:ext uri="{C183D7F6-B498-43B3-948B-1728B52AA6E4}">
+                <adec:decorative xmlns:adec="http://schemas.microsoft.com/office/drawing/2017/decorative" val="1"/>
+              </a:ext>
+            </a:extLst>
+          </p:cNvPr>
+          <p:cNvSpPr>
+            <a:spLocks noGrp="1" noRot="1" noChangeAspect="1" noMove="1" noResize="1" noEditPoints="1" noAdjustHandles="1" noChangeArrowheads="1" noChangeShapeType="1" noTextEdit="1"/>
+          </p:cNvSpPr>
+          <p:nvPr>
+            <p:extLst>
+              <p:ext uri="{386F3935-93C4-4BCD-93E2-E3B085C9AB24}">
+                <p16:designElem xmlns:p16="http://schemas.microsoft.com/office/powerpoint/2015/main" val="1"/>
+              </p:ext>
+            </p:extLst>
+          </p:nvPr>
+        </p:nvSpPr>
+        <p:spPr>
+          <a:xfrm>
+            <a:off x="3175" y="6400800"/>
+            <a:ext cx="12188825" cy="457200"/>
+          </a:xfrm>
+          <a:prstGeom prst="rect">
+            <a:avLst/>
+          </a:prstGeom>
+          <a:solidFill>
+            <a:srgbClr val="262626"/>
+          </a:solidFill>
+          <a:ln>
+            <a:noFill/>
+          </a:ln>
+        </p:spPr>
+        <p:style>
+          <a:lnRef idx="2">
+            <a:schemeClr val="accent1">
+              <a:shade val="50000"/>
+            </a:schemeClr>
+          </a:lnRef>
+          <a:fillRef idx="1">
+            <a:schemeClr val="accent1"/>
+          </a:fillRef>
+          <a:effectRef idx="0">
+            <a:schemeClr val="accent1"/>
+          </a:effectRef>
+          <a:fontRef idx="minor">
+            <a:schemeClr val="lt1"/>
+          </a:fontRef>
+        </p:style>
+      </p:sp>
+      <p:cxnSp>
+        <p:nvCxnSpPr>
+          <p:cNvPr id="22" name="Straight Connector 21">
+            <a:extLst>
+              <a:ext uri="{FF2B5EF4-FFF2-40B4-BE49-F238E27FC236}">
+                <a16:creationId xmlns:a16="http://schemas.microsoft.com/office/drawing/2014/main" id="{1F5DC8C3-BA5F-4EED-BB9A-A14272BD82A1}"/>
+              </a:ext>
+              <a:ext uri="{C183D7F6-B498-43B3-948B-1728B52AA6E4}">
+                <adec:decorative xmlns:adec="http://schemas.microsoft.com/office/drawing/2017/decorative" val="1"/>
+              </a:ext>
+            </a:extLst>
+          </p:cNvPr>
+          <p:cNvCxnSpPr>
+            <a:cxnSpLocks noGrp="1" noRot="1" noChangeAspect="1" noMove="1" noResize="1" noEditPoints="1" noAdjustHandles="1" noChangeArrowheads="1" noChangeShapeType="1"/>
+          </p:cNvCxnSpPr>
+          <p:nvPr>
+            <p:extLst>
+              <p:ext uri="{386F3935-93C4-4BCD-93E2-E3B085C9AB24}">
+                <p16:designElem xmlns:p16="http://schemas.microsoft.com/office/powerpoint/2015/main" val="1"/>
+              </p:ext>
+            </p:extLst>
+          </p:nvPr>
+        </p:nvCxnSpPr>
+        <p:spPr>
+          <a:xfrm>
+            <a:off x="1207658" y="4474741"/>
+            <a:ext cx="9875520" cy="0"/>
+          </a:xfrm>
+          <a:prstGeom prst="line">
+            <a:avLst/>
+          </a:prstGeom>
+          <a:ln w="12700">
+            <a:solidFill>
+              <a:schemeClr val="tx1">
+                <a:lumMod val="75000"/>
+                <a:lumOff val="25000"/>
+              </a:schemeClr>
+            </a:solidFill>
+          </a:ln>
+        </p:spPr>
+        <p:style>
+          <a:lnRef idx="1">
+            <a:schemeClr val="accent1"/>
+          </a:lnRef>
+          <a:fillRef idx="0">
+            <a:schemeClr val="accent1"/>
+          </a:fillRef>
+          <a:effectRef idx="0">
+            <a:schemeClr val="accent1"/>
+          </a:effectRef>
+          <a:fontRef idx="minor">
+            <a:schemeClr val="tx1"/>
+          </a:fontRef>
+        </p:style>
+      </p:cxnSp>
+      <p:sp useBgFill="1">
+        <p:nvSpPr>
+          <p:cNvPr id="24" name="Rectangle 23">
+            <a:extLst>
+              <a:ext uri="{FF2B5EF4-FFF2-40B4-BE49-F238E27FC236}">
+                <a16:creationId xmlns:a16="http://schemas.microsoft.com/office/drawing/2014/main" id="{B4D0E555-16F6-44D0-BF56-AF5FF5BDE9D6}"/>
+              </a:ext>
+              <a:ext uri="{C183D7F6-B498-43B3-948B-1728B52AA6E4}">
+                <adec:decorative xmlns:adec="http://schemas.microsoft.com/office/drawing/2017/decorative" val="1"/>
+              </a:ext>
+            </a:extLst>
+          </p:cNvPr>
+          <p:cNvSpPr>
+            <a:spLocks noGrp="1" noRot="1" noChangeAspect="1" noMove="1" noResize="1" noEditPoints="1" noAdjustHandles="1" noChangeArrowheads="1" noChangeShapeType="1" noTextEdit="1"/>
+          </p:cNvSpPr>
+          <p:nvPr>
+            <p:extLst>
+              <p:ext uri="{386F3935-93C4-4BCD-93E2-E3B085C9AB24}">
+                <p16:designElem xmlns:p16="http://schemas.microsoft.com/office/powerpoint/2015/main" val="1"/>
+              </p:ext>
+            </p:extLst>
+          </p:nvPr>
+        </p:nvSpPr>
+        <p:spPr>
+          <a:xfrm>
+            <a:off x="0" y="0"/>
+            <a:ext cx="12192000" cy="6858000"/>
+          </a:xfrm>
+          <a:prstGeom prst="rect">
+            <a:avLst/>
+          </a:prstGeom>
+          <a:ln>
+            <a:noFill/>
+          </a:ln>
+        </p:spPr>
+        <p:style>
+          <a:lnRef idx="2">
+            <a:schemeClr val="accent1">
+              <a:shade val="50000"/>
+            </a:schemeClr>
+          </a:lnRef>
+          <a:fillRef idx="1001">
+            <a:schemeClr val="lt1"/>
+          </a:fillRef>
+          <a:effectRef idx="0">
+            <a:schemeClr val="accent1"/>
+          </a:effectRef>
+          <a:fontRef idx="minor">
+            <a:schemeClr val="lt1"/>
+          </a:fontRef>
+        </p:style>
+        <p:txBody>
+          <a:bodyPr rtlCol="0" anchor="ctr"/>
+          <a:lstStyle/>
+          <a:p>
+            <a:pPr algn="ctr"/>
+            <a:endParaRPr lang="en-US"/>
+          </a:p>
+        </p:txBody>
+      </p:sp>
+      <p:sp>
+        <p:nvSpPr>
+          <p:cNvPr id="26" name="Rectangle 25">
+            <a:extLst>
+              <a:ext uri="{FF2B5EF4-FFF2-40B4-BE49-F238E27FC236}">
+                <a16:creationId xmlns:a16="http://schemas.microsoft.com/office/drawing/2014/main" id="{8117041D-1A7B-4ECA-AB68-3CFDB6726B8E}"/>
+              </a:ext>
+              <a:ext uri="{C183D7F6-B498-43B3-948B-1728B52AA6E4}">
+                <adec:decorative xmlns:adec="http://schemas.microsoft.com/office/drawing/2017/decorative" val="1"/>
+              </a:ext>
+            </a:extLst>
+          </p:cNvPr>
+          <p:cNvSpPr>
+            <a:spLocks noGrp="1" noRot="1" noChangeAspect="1" noMove="1" noResize="1" noEditPoints="1" noAdjustHandles="1" noChangeArrowheads="1" noChangeShapeType="1" noTextEdit="1"/>
+          </p:cNvSpPr>
+          <p:nvPr>
+            <p:extLst>
+              <p:ext uri="{386F3935-93C4-4BCD-93E2-E3B085C9AB24}">
+                <p16:designElem xmlns:p16="http://schemas.microsoft.com/office/powerpoint/2015/main" val="1"/>
+              </p:ext>
+            </p:extLst>
+          </p:nvPr>
+        </p:nvSpPr>
+        <p:spPr bwMode="white">
+          <a:xfrm>
+            <a:off x="-6220" y="0"/>
+            <a:ext cx="4641314" cy="6858000"/>
+          </a:xfrm>
+          <a:prstGeom prst="rect">
+            <a:avLst/>
+          </a:prstGeom>
+          <a:solidFill>
+            <a:srgbClr val="63AF9D"/>
+          </a:solidFill>
+          <a:ln>
+            <a:noFill/>
+          </a:ln>
+        </p:spPr>
+        <p:style>
+          <a:lnRef idx="2">
+            <a:schemeClr val="accent1">
+              <a:shade val="50000"/>
+            </a:schemeClr>
+          </a:lnRef>
+          <a:fillRef idx="1">
+            <a:schemeClr val="accent1"/>
+          </a:fillRef>
+          <a:effectRef idx="0">
+            <a:schemeClr val="accent1"/>
+          </a:effectRef>
+          <a:fontRef idx="minor">
+            <a:schemeClr val="lt1"/>
+          </a:fontRef>
+        </p:style>
+      </p:sp>
+      <p:sp>
+        <p:nvSpPr>
+          <p:cNvPr id="2" name="Title 1">
+            <a:extLst>
+              <a:ext uri="{FF2B5EF4-FFF2-40B4-BE49-F238E27FC236}">
+                <a16:creationId xmlns:a16="http://schemas.microsoft.com/office/drawing/2014/main" id="{59E3AA9B-B9CD-4155-9646-FE5AA012B7E8}"/>
+              </a:ext>
+            </a:extLst>
+          </p:cNvPr>
+          <p:cNvSpPr>
+            <a:spLocks noGrp="1"/>
+          </p:cNvSpPr>
+          <p:nvPr>
+            <p:ph type="title"/>
+          </p:nvPr>
+        </p:nvSpPr>
+        <p:spPr>
+          <a:xfrm>
+            <a:off x="435869" y="640080"/>
+            <a:ext cx="3659246" cy="2862699"/>
+          </a:xfrm>
+        </p:spPr>
+        <p:txBody>
+          <a:bodyPr vert="horz" lIns="91440" tIns="45720" rIns="91440" bIns="45720" rtlCol="0" anchor="b">
+            <a:normAutofit/>
+          </a:bodyPr>
+          <a:lstStyle/>
+          <a:p>
+            <a:r>
+              <a:rPr lang="en-US" sz="1800">
+                <a:solidFill>
+                  <a:srgbClr val="FFFFFF"/>
+                </a:solidFill>
+              </a:rPr>
+              <a:t>We used the data gathered from Bureau of Labor Statistics which contained 26 sheets with hundreds of lines. We as a team analyzed the data and took 6 sheets with 4 of these factors into consideration. We'll talking about it in the next few mins. We used Pandas to cleanup the data frame, while Matplotlib was used to chart the data and get the graphs and stats for a visual summary</a:t>
+            </a:r>
+          </a:p>
+        </p:txBody>
+      </p:sp>
+      <p:cxnSp>
+        <p:nvCxnSpPr>
+          <p:cNvPr id="28" name="Straight Connector 27">
+            <a:extLst>
+              <a:ext uri="{FF2B5EF4-FFF2-40B4-BE49-F238E27FC236}">
+                <a16:creationId xmlns:a16="http://schemas.microsoft.com/office/drawing/2014/main" id="{ABCD2462-4C1E-401A-AC2D-F799A138B245}"/>
+              </a:ext>
+              <a:ext uri="{C183D7F6-B498-43B3-948B-1728B52AA6E4}">
+                <adec:decorative xmlns:adec="http://schemas.microsoft.com/office/drawing/2017/decorative" val="1"/>
+              </a:ext>
+            </a:extLst>
+          </p:cNvPr>
+          <p:cNvCxnSpPr>
+            <a:cxnSpLocks noGrp="1" noRot="1" noChangeAspect="1" noMove="1" noResize="1" noEditPoints="1" noAdjustHandles="1" noChangeArrowheads="1" noChangeShapeType="1"/>
+          </p:cNvCxnSpPr>
+          <p:nvPr>
+            <p:extLst>
+              <p:ext uri="{386F3935-93C4-4BCD-93E2-E3B085C9AB24}">
+                <p16:designElem xmlns:p16="http://schemas.microsoft.com/office/powerpoint/2015/main" val="1"/>
+              </p:ext>
+            </p:extLst>
+          </p:nvPr>
+        </p:nvCxnSpPr>
+        <p:spPr>
+          <a:xfrm>
+            <a:off x="573852" y="3663649"/>
+            <a:ext cx="3383280" cy="0"/>
+          </a:xfrm>
+          <a:prstGeom prst="line">
+            <a:avLst/>
+          </a:prstGeom>
+          <a:ln w="19050">
+            <a:solidFill>
+              <a:schemeClr val="accent1"/>
+            </a:solidFill>
+          </a:ln>
+        </p:spPr>
+        <p:style>
+          <a:lnRef idx="1">
+            <a:schemeClr val="accent1"/>
+          </a:lnRef>
+          <a:fillRef idx="0">
+            <a:schemeClr val="accent1"/>
+          </a:fillRef>
+          <a:effectRef idx="0">
+            <a:schemeClr val="accent1"/>
+          </a:effectRef>
+          <a:fontRef idx="minor">
+            <a:schemeClr val="tx1"/>
+          </a:fontRef>
+        </p:style>
+      </p:cxnSp>
+      <p:pic>
+        <p:nvPicPr>
+          <p:cNvPr id="4" name="Picture 3" descr="A picture containing electronics, train, blue&#10;&#10;Description automatically generated">
+            <a:extLst>
+              <a:ext uri="{FF2B5EF4-FFF2-40B4-BE49-F238E27FC236}">
+                <a16:creationId xmlns:a16="http://schemas.microsoft.com/office/drawing/2014/main" id="{FA6F1BC1-B1E7-45D7-A2BD-681EC607CA14}"/>
+              </a:ext>
+            </a:extLst>
+          </p:cNvPr>
+          <p:cNvPicPr>
+            <a:picLocks noChangeAspect="1"/>
+          </p:cNvPicPr>
+          <p:nvPr/>
+        </p:nvPicPr>
+        <p:blipFill rotWithShape="1">
+          <a:blip r:embed="rId2">
+            <a:extLst>
+              <a:ext uri="{28A0092B-C50C-407E-A947-70E740481C1C}">
+                <a14:useLocalDpi xmlns:a14="http://schemas.microsoft.com/office/drawing/2010/main" val="0"/>
+              </a:ext>
+            </a:extLst>
+          </a:blip>
+          <a:srcRect t="12609" b="2805"/>
+          <a:stretch/>
+        </p:blipFill>
+        <p:spPr>
+          <a:xfrm>
+            <a:off x="4635094" y="625150"/>
+            <a:ext cx="7559213" cy="5700999"/>
+          </a:xfrm>
+          <a:prstGeom prst="rect">
+            <a:avLst/>
+          </a:prstGeom>
+        </p:spPr>
+      </p:pic>
+    </p:spTree>
+    <p:extLst>
+      <p:ext uri="{BB962C8B-B14F-4D97-AF65-F5344CB8AC3E}">
+        <p14:creationId xmlns:p14="http://schemas.microsoft.com/office/powerpoint/2010/main" val="4103191190"/>
+      </p:ext>
+    </p:extLst>
+  </p:cSld>
+  <p:clrMapOvr>
+    <a:masterClrMapping/>
+  </p:clrMapOvr>
+</p:sld>
+</file>
+
+<file path=ppt/slides/slide4.xml><?xml version="1.0" encoding="utf-8"?>
+<p:sld xmlns:a="http://schemas.openxmlformats.org/drawingml/2006/main" xmlns:r="http://schemas.openxmlformats.org/officeDocument/2006/relationships" xmlns:p="http://schemas.openxmlformats.org/presentationml/2006/main">
+  <p:cSld>
+    <p:bg>
+      <p:bgPr>
+        <a:solidFill>
+          <a:schemeClr val="bg1"/>
+        </a:solidFill>
+        <a:effectLst/>
+      </p:bgPr>
+    </p:bg>
+    <p:spTree>
+      <p:nvGrpSpPr>
+        <p:cNvPr id="1" name=""/>
+        <p:cNvGrpSpPr/>
+        <p:nvPr/>
+      </p:nvGrpSpPr>
+      <p:grpSpPr>
+        <a:xfrm>
+          <a:off x="0" y="0"/>
+          <a:ext cx="0" cy="0"/>
+          <a:chOff x="0" y="0"/>
+          <a:chExt cx="0" cy="0"/>
+        </a:xfrm>
+      </p:grpSpPr>
+      <p:sp>
+        <p:nvSpPr>
           <p:cNvPr id="46" name="Rectangle 35">
             <a:extLst>
               <a:ext uri="{FF2B5EF4-FFF2-40B4-BE49-F238E27FC236}">
@@ -9785,7 +11428,7 @@
                 </a:solidFill>
                 <a:latin typeface="+mn-lt"/>
               </a:rPr>
-              <a:t>This data not only shows how the number of workers within the US have increased over the years, but also shows what I was referring to in the last slide.</a:t>
+              <a:t>This data shows how the number of workers within the US have increased over the years.</a:t>
             </a:r>
             <a:br>
               <a:rPr lang="en-US" sz="1100" dirty="0">
@@ -9853,7 +11496,7 @@
                 </a:solidFill>
                 <a:latin typeface="+mn-lt"/>
               </a:rPr>
-              <a:t>While in 1983, close to 55% of the total work population were women, it has jumped up to ~60% in 2018.</a:t>
+              <a:t>While in 1983, close to 40% of the total work population were women, it has jumped up to ~44% in 2018.</a:t>
             </a:r>
           </a:p>
         </p:txBody>
@@ -10212,7 +11855,7 @@
 </p:sld>
 </file>
 
-<file path=ppt/slides/slide4.xml><?xml version="1.0" encoding="utf-8"?>
+<file path=ppt/slides/slide5.xml><?xml version="1.0" encoding="utf-8"?>
 <p:sld xmlns:a="http://schemas.openxmlformats.org/drawingml/2006/main" xmlns:r="http://schemas.openxmlformats.org/officeDocument/2006/relationships" xmlns:p="http://schemas.openxmlformats.org/presentationml/2006/main">
   <p:cSld>
     <p:bg>
@@ -10480,8 +12123,8 @@
         </p:nvSpPr>
         <p:spPr>
           <a:xfrm>
-            <a:off x="492369" y="690665"/>
-            <a:ext cx="3184685" cy="795234"/>
+            <a:off x="59077" y="1028697"/>
+            <a:ext cx="4059918" cy="457201"/>
           </a:xfrm>
         </p:spPr>
         <p:txBody>
@@ -10491,8 +12134,8 @@
           <a:lstStyle/>
           <a:p>
             <a:r>
-              <a:rPr lang="en-US" sz="2400" b="1" dirty="0"/>
-              <a:t>Occupational Diversity</a:t>
+              <a:rPr lang="en-US" sz="2400" b="1" u="sng" dirty="0"/>
+              <a:t>OCCUPATIONAL DIVERSITY</a:t>
             </a:r>
           </a:p>
         </p:txBody>
@@ -10583,7 +12226,7 @@
               </a:lnSpc>
             </a:pPr>
             <a:r>
-              <a:rPr lang="en-US" dirty="0"/>
+              <a:rPr lang="en-US" sz="1600" dirty="0"/>
               <a:t>Based on the data gathered via BLS, we can clearly see in some job fields like management, sales and administrative occupations, females have a greater number as compared to men.</a:t>
             </a:r>
           </a:p>
@@ -10594,7 +12237,7 @@
               </a:lnSpc>
             </a:pPr>
             <a:r>
-              <a:rPr lang="en-US" dirty="0"/>
+              <a:rPr lang="en-US" sz="1600" dirty="0"/>
               <a:t>However areas like Production, transportation. Construction and Maintenance are still male dominated work areas.</a:t>
             </a:r>
           </a:p>
@@ -10605,7 +12248,7 @@
               </a:lnSpc>
             </a:pPr>
             <a:r>
-              <a:rPr lang="en-US" dirty="0"/>
+              <a:rPr lang="en-US" sz="1600" dirty="0"/>
               <a:t>Overall, there is still a significant difference between male and female worker numbers.</a:t>
             </a:r>
           </a:p>
@@ -10615,7 +12258,7 @@
                 <a:spcPct val="100000"/>
               </a:lnSpc>
             </a:pPr>
-            <a:endParaRPr lang="en-US" dirty="0"/>
+            <a:endParaRPr lang="en-US" sz="1600" dirty="0"/>
           </a:p>
         </p:txBody>
       </p:sp>
@@ -10670,7 +12313,7 @@
 </p:sld>
 </file>
 
-<file path=ppt/slides/slide5.xml><?xml version="1.0" encoding="utf-8"?>
+<file path=ppt/slides/slide6.xml><?xml version="1.0" encoding="utf-8"?>
 <p:sld xmlns:a="http://schemas.openxmlformats.org/drawingml/2006/main" xmlns:r="http://schemas.openxmlformats.org/officeDocument/2006/relationships" xmlns:p="http://schemas.openxmlformats.org/presentationml/2006/main">
   <p:cSld>
     <p:bg>
@@ -10938,8 +12581,8 @@
         </p:nvSpPr>
         <p:spPr>
           <a:xfrm>
-            <a:off x="492370" y="516836"/>
-            <a:ext cx="3084844" cy="728303"/>
+            <a:off x="492370" y="813737"/>
+            <a:ext cx="3227018" cy="431402"/>
           </a:xfrm>
         </p:spPr>
         <p:txBody>
@@ -10949,8 +12592,8 @@
           <a:lstStyle/>
           <a:p>
             <a:r>
-              <a:rPr lang="en-US" sz="2400" b="1" dirty="0"/>
-              <a:t>Earning differences</a:t>
+              <a:rPr lang="en-US" sz="2000" b="1" u="sng" dirty="0"/>
+              <a:t>EARNING DIFFERENCES</a:t>
             </a:r>
           </a:p>
         </p:txBody>
@@ -11041,7 +12684,7 @@
               </a:lnSpc>
             </a:pPr>
             <a:r>
-              <a:rPr lang="en-US" sz="1500" dirty="0"/>
+              <a:rPr lang="en-US" sz="1400" dirty="0"/>
               <a:t>Gender based pay has been a center of discussion for a long time now.</a:t>
             </a:r>
           </a:p>
@@ -11052,7 +12695,7 @@
               </a:lnSpc>
             </a:pPr>
             <a:r>
-              <a:rPr lang="en-US" sz="1500" dirty="0"/>
+              <a:rPr lang="en-US" sz="1400" dirty="0"/>
               <a:t>Even though it is believed that, this gap has reduced over the years, but based on the data presented by BLS we can see that females are still being paid less than their male colleagues. </a:t>
             </a:r>
           </a:p>
@@ -11063,7 +12706,7 @@
               </a:lnSpc>
             </a:pPr>
             <a:r>
-              <a:rPr lang="en-US" sz="1500" dirty="0"/>
+              <a:rPr lang="en-US" sz="1400" dirty="0"/>
               <a:t>Although the reason for these differences cannot be known via this data, the only certain derivative we can deduce from this given chart is that in all the given job areas, men are being paid better than women.</a:t>
             </a:r>
           </a:p>
@@ -11073,7 +12716,7 @@
                 <a:spcPct val="90000"/>
               </a:lnSpc>
             </a:pPr>
-            <a:endParaRPr lang="en-US" sz="1500" dirty="0"/>
+            <a:endParaRPr lang="en-US" sz="1400" dirty="0"/>
           </a:p>
         </p:txBody>
       </p:sp>
@@ -11107,8 +12750,8 @@
         </p:blipFill>
         <p:spPr>
           <a:xfrm>
-            <a:off x="5245511" y="-68376"/>
-            <a:ext cx="7168045" cy="6809644"/>
+            <a:off x="4546621" y="516836"/>
+            <a:ext cx="7222367" cy="6224432"/>
           </a:xfrm>
           <a:prstGeom prst="rect">
             <a:avLst/>
@@ -11128,7 +12771,7 @@
 </p:sld>
 </file>
 
-<file path=ppt/slides/slide6.xml><?xml version="1.0" encoding="utf-8"?>
+<file path=ppt/slides/slide7.xml><?xml version="1.0" encoding="utf-8"?>
 <p:sld xmlns:a="http://schemas.openxmlformats.org/drawingml/2006/main" xmlns:r="http://schemas.openxmlformats.org/officeDocument/2006/relationships" xmlns:p="http://schemas.openxmlformats.org/presentationml/2006/main">
   <p:cSld>
     <p:bg>
@@ -11397,7 +13040,7 @@
         <p:spPr>
           <a:xfrm>
             <a:off x="492370" y="1038688"/>
-            <a:ext cx="2822582" cy="648070"/>
+            <a:ext cx="3084844" cy="648070"/>
           </a:xfrm>
         </p:spPr>
         <p:txBody>
@@ -11407,8 +13050,8 @@
           <a:lstStyle/>
           <a:p>
             <a:r>
-              <a:rPr lang="en-US" sz="2400" dirty="0"/>
-              <a:t>Women’s Earnings: 1979-2012</a:t>
+              <a:rPr lang="en-US" sz="2400" b="1" dirty="0"/>
+              <a:t>WOMEN’S EARNINGS: 1979-2012</a:t>
             </a:r>
           </a:p>
         </p:txBody>
@@ -11583,7 +13226,7 @@
 </p:sld>
 </file>
 
-<file path=ppt/slides/slide7.xml><?xml version="1.0" encoding="utf-8"?>
+<file path=ppt/slides/slide8.xml><?xml version="1.0" encoding="utf-8"?>
 <p:sld xmlns:a="http://schemas.openxmlformats.org/drawingml/2006/main" xmlns:r="http://schemas.openxmlformats.org/officeDocument/2006/relationships" xmlns:p="http://schemas.openxmlformats.org/presentationml/2006/main">
   <p:cSld>
     <p:spTree>
@@ -12252,7 +13895,7 @@
 </p:sld>
 </file>
 
-<file path=ppt/slides/slide8.xml><?xml version="1.0" encoding="utf-8"?>
+<file path=ppt/slides/slide9.xml><?xml version="1.0" encoding="utf-8"?>
 <p:sld xmlns:a="http://schemas.openxmlformats.org/drawingml/2006/main" xmlns:r="http://schemas.openxmlformats.org/officeDocument/2006/relationships" xmlns:p="http://schemas.openxmlformats.org/presentationml/2006/main">
   <p:cSld>
     <p:spTree>
@@ -12676,270 +14319,6 @@
     <p:extLst>
       <p:ext uri="{BB962C8B-B14F-4D97-AF65-F5344CB8AC3E}">
         <p14:creationId xmlns:p14="http://schemas.microsoft.com/office/powerpoint/2010/main" val="628739007"/>
-      </p:ext>
-    </p:extLst>
-  </p:cSld>
-  <p:clrMapOvr>
-    <a:masterClrMapping/>
-  </p:clrMapOvr>
-</p:sld>
-</file>
-
-<file path=ppt/slides/slide9.xml><?xml version="1.0" encoding="utf-8"?>
-<p:sld xmlns:a="http://schemas.openxmlformats.org/drawingml/2006/main" xmlns:r="http://schemas.openxmlformats.org/officeDocument/2006/relationships" xmlns:p="http://schemas.openxmlformats.org/presentationml/2006/main">
-  <p:cSld>
-    <p:bg>
-      <p:bgPr>
-        <a:solidFill>
-          <a:schemeClr val="accent1"/>
-        </a:solidFill>
-        <a:effectLst/>
-      </p:bgPr>
-    </p:bg>
-    <p:spTree>
-      <p:nvGrpSpPr>
-        <p:cNvPr id="1" name=""/>
-        <p:cNvGrpSpPr/>
-        <p:nvPr/>
-      </p:nvGrpSpPr>
-      <p:grpSpPr>
-        <a:xfrm>
-          <a:off x="0" y="0"/>
-          <a:ext cx="0" cy="0"/>
-          <a:chOff x="0" y="0"/>
-          <a:chExt cx="0" cy="0"/>
-        </a:xfrm>
-      </p:grpSpPr>
-      <p:sp>
-        <p:nvSpPr>
-          <p:cNvPr id="3" name="Text Placeholder 2">
-            <a:extLst>
-              <a:ext uri="{FF2B5EF4-FFF2-40B4-BE49-F238E27FC236}">
-                <a16:creationId xmlns:a16="http://schemas.microsoft.com/office/drawing/2014/main" id="{9BEB425F-EDFF-4538-A7A6-E4DFB97AA8C5}"/>
-              </a:ext>
-            </a:extLst>
-          </p:cNvPr>
-          <p:cNvSpPr>
-            <a:spLocks noGrp="1"/>
-          </p:cNvSpPr>
-          <p:nvPr>
-            <p:ph type="body" idx="1"/>
-          </p:nvPr>
-        </p:nvSpPr>
-        <p:spPr>
-          <a:xfrm>
-            <a:off x="247083" y="3645400"/>
-            <a:ext cx="3704391" cy="576262"/>
-          </a:xfrm>
-        </p:spPr>
-        <p:txBody>
-          <a:bodyPr/>
-          <a:lstStyle/>
-          <a:p>
-            <a:r>
-              <a:rPr lang="en-US" dirty="0">
-                <a:solidFill>
-                  <a:schemeClr val="bg1"/>
-                </a:solidFill>
-              </a:rPr>
-              <a:t>White Worker Trends</a:t>
-            </a:r>
-          </a:p>
-        </p:txBody>
-      </p:sp>
-      <p:sp>
-        <p:nvSpPr>
-          <p:cNvPr id="5" name="Text Placeholder 4">
-            <a:extLst>
-              <a:ext uri="{FF2B5EF4-FFF2-40B4-BE49-F238E27FC236}">
-                <a16:creationId xmlns:a16="http://schemas.microsoft.com/office/drawing/2014/main" id="{B7F1E7F3-6998-4333-BB33-D3E5EDAB0E26}"/>
-              </a:ext>
-            </a:extLst>
-          </p:cNvPr>
-          <p:cNvSpPr>
-            <a:spLocks noGrp="1"/>
-          </p:cNvSpPr>
-          <p:nvPr>
-            <p:ph type="body" sz="half" idx="18"/>
-          </p:nvPr>
-        </p:nvSpPr>
-        <p:spPr>
-          <a:xfrm>
-            <a:off x="350167" y="4162879"/>
-            <a:ext cx="4637568" cy="2371573"/>
-          </a:xfrm>
-        </p:spPr>
-        <p:txBody>
-          <a:bodyPr>
-            <a:normAutofit fontScale="92500" lnSpcReduction="10000"/>
-          </a:bodyPr>
-          <a:lstStyle/>
-          <a:p>
-            <a:r>
-              <a:rPr lang="en-US" dirty="0">
-                <a:solidFill>
-                  <a:schemeClr val="bg1"/>
-                </a:solidFill>
-              </a:rPr>
-              <a:t>The data reflects a constant trend in which white workers, either male or female, were above the average salary and within 50¢ to $1/</a:t>
-            </a:r>
-            <a:r>
-              <a:rPr lang="en-US" dirty="0" err="1">
-                <a:solidFill>
-                  <a:schemeClr val="bg1"/>
-                </a:solidFill>
-              </a:rPr>
-              <a:t>hr</a:t>
-            </a:r>
-            <a:r>
-              <a:rPr lang="en-US" dirty="0">
-                <a:solidFill>
-                  <a:schemeClr val="bg1"/>
-                </a:solidFill>
-              </a:rPr>
-              <a:t> of the average salary of their respective sex category.  This demonstrates how much the white workers’ salaries influences the average salary across all racial groups, and indicates that white workers for either category contribute largely to the total number of workers.  The fact they have annual average salaries above the total averages implies that white workers also make more than the average salary across both sex categories.</a:t>
-            </a:r>
-          </a:p>
-        </p:txBody>
-      </p:sp>
-      <p:sp>
-        <p:nvSpPr>
-          <p:cNvPr id="9" name="Text Placeholder 8">
-            <a:extLst>
-              <a:ext uri="{FF2B5EF4-FFF2-40B4-BE49-F238E27FC236}">
-                <a16:creationId xmlns:a16="http://schemas.microsoft.com/office/drawing/2014/main" id="{4C06898D-82D1-4AC6-94AF-9E6C1393E0E5}"/>
-              </a:ext>
-            </a:extLst>
-          </p:cNvPr>
-          <p:cNvSpPr>
-            <a:spLocks noGrp="1"/>
-          </p:cNvSpPr>
-          <p:nvPr>
-            <p:ph type="body" sz="quarter" idx="13"/>
-          </p:nvPr>
-        </p:nvSpPr>
-        <p:spPr>
-          <a:xfrm>
-            <a:off x="6096000" y="100547"/>
-            <a:ext cx="4624149" cy="576262"/>
-          </a:xfrm>
-        </p:spPr>
-        <p:txBody>
-          <a:bodyPr/>
-          <a:lstStyle/>
-          <a:p>
-            <a:r>
-              <a:rPr lang="en-US" dirty="0">
-                <a:solidFill>
-                  <a:schemeClr val="bg1"/>
-                </a:solidFill>
-              </a:rPr>
-              <a:t>Non-white worker trends</a:t>
-            </a:r>
-          </a:p>
-        </p:txBody>
-      </p:sp>
-      <p:sp>
-        <p:nvSpPr>
-          <p:cNvPr id="11" name="Text Placeholder 10">
-            <a:extLst>
-              <a:ext uri="{FF2B5EF4-FFF2-40B4-BE49-F238E27FC236}">
-                <a16:creationId xmlns:a16="http://schemas.microsoft.com/office/drawing/2014/main" id="{01AB6939-5DBD-4A58-98DE-C4BC11F90B11}"/>
-              </a:ext>
-            </a:extLst>
-          </p:cNvPr>
-          <p:cNvSpPr>
-            <a:spLocks noGrp="1"/>
-          </p:cNvSpPr>
-          <p:nvPr>
-            <p:ph type="body" sz="half" idx="20"/>
-          </p:nvPr>
-        </p:nvSpPr>
-        <p:spPr>
-          <a:xfrm>
-            <a:off x="6096000" y="676809"/>
-            <a:ext cx="5837169" cy="2364066"/>
-          </a:xfrm>
-        </p:spPr>
-        <p:txBody>
-          <a:bodyPr>
-            <a:normAutofit/>
-          </a:bodyPr>
-          <a:lstStyle/>
-          <a:p>
-            <a:r>
-              <a:rPr lang="en-US" dirty="0">
-                <a:solidFill>
-                  <a:schemeClr val="bg1"/>
-                </a:solidFill>
-              </a:rPr>
-              <a:t>Black and Hispanic workers are consistently beneath the median salary for each of their sex categories between 1979 and 2018.  While not tabulated until 2000, Asian men consistently had a median salary above the median salaries across all racial categories.  Asian women worker’s median salaries tended around the average white female worker’s median salaries with visible spikes either above (2017) or below (2002) the average salary for white female workers.</a:t>
-            </a:r>
-          </a:p>
-        </p:txBody>
-      </p:sp>
-      <p:pic>
-        <p:nvPicPr>
-          <p:cNvPr id="23" name="Content Placeholder 5">
-            <a:extLst>
-              <a:ext uri="{FF2B5EF4-FFF2-40B4-BE49-F238E27FC236}">
-                <a16:creationId xmlns:a16="http://schemas.microsoft.com/office/drawing/2014/main" id="{7A32FE3A-F08C-4648-A20E-25C2765E8758}"/>
-              </a:ext>
-            </a:extLst>
-          </p:cNvPr>
-          <p:cNvPicPr>
-            <a:picLocks noChangeAspect="1"/>
-          </p:cNvPicPr>
-          <p:nvPr/>
-        </p:nvPicPr>
-        <p:blipFill>
-          <a:blip r:embed="rId2"/>
-          <a:srcRect/>
-          <a:stretch/>
-        </p:blipFill>
-        <p:spPr>
-          <a:xfrm>
-            <a:off x="247083" y="131068"/>
-            <a:ext cx="5526700" cy="3684467"/>
-          </a:xfrm>
-          <a:prstGeom prst="rect">
-            <a:avLst/>
-          </a:prstGeom>
-        </p:spPr>
-      </p:pic>
-      <p:pic>
-        <p:nvPicPr>
-          <p:cNvPr id="24" name="Content Placeholder 5">
-            <a:extLst>
-              <a:ext uri="{FF2B5EF4-FFF2-40B4-BE49-F238E27FC236}">
-                <a16:creationId xmlns:a16="http://schemas.microsoft.com/office/drawing/2014/main" id="{BC40AB86-CB1D-4292-9D71-040117CAD015}"/>
-              </a:ext>
-            </a:extLst>
-          </p:cNvPr>
-          <p:cNvPicPr>
-            <a:picLocks noChangeAspect="1"/>
-          </p:cNvPicPr>
-          <p:nvPr/>
-        </p:nvPicPr>
-        <p:blipFill>
-          <a:blip r:embed="rId3"/>
-          <a:srcRect/>
-          <a:stretch/>
-        </p:blipFill>
-        <p:spPr>
-          <a:xfrm>
-            <a:off x="6096000" y="2652199"/>
-            <a:ext cx="5456351" cy="3637566"/>
-          </a:xfrm>
-          <a:prstGeom prst="rect">
-            <a:avLst/>
-          </a:prstGeom>
-        </p:spPr>
-      </p:pic>
-    </p:spTree>
-    <p:extLst>
-      <p:ext uri="{BB962C8B-B14F-4D97-AF65-F5344CB8AC3E}">
-        <p14:creationId xmlns:p14="http://schemas.microsoft.com/office/powerpoint/2010/main" val="103442081"/>
       </p:ext>
     </p:extLst>
   </p:cSld>
